--- a/Presentation/Cryptocurrency_Presentation.pptx
+++ b/Presentation/Cryptocurrency_Presentation.pptx
@@ -104,6 +104,11 @@
       </a:defRPr>
     </a:lvl9pPr>
   </p:defaultTextStyle>
+  <p:extLst>
+    <p:ext uri="{EFAFB233-063F-42B5-8137-9DF3F51BA10A}">
+      <p15:sldGuideLst xmlns:p15="http://schemas.microsoft.com/office/powerpoint/2012/main"/>
+    </p:ext>
+  </p:extLst>
 </p:presentation>
 </file>
 
@@ -254,7 +259,7 @@
           <a:p>
             <a:fld id="{515F6A62-06CA-4DB5-852B-E45D0C348D54}" type="datetimeFigureOut">
               <a:rPr lang="en-US" smtClean="0"/>
-              <a:t>6/14/2021</a:t>
+              <a:t>6/16/2021</a:t>
             </a:fld>
             <a:endParaRPr lang="en-US"/>
           </a:p>
@@ -452,7 +457,7 @@
           <a:p>
             <a:fld id="{515F6A62-06CA-4DB5-852B-E45D0C348D54}" type="datetimeFigureOut">
               <a:rPr lang="en-US" smtClean="0"/>
-              <a:t>6/14/2021</a:t>
+              <a:t>6/16/2021</a:t>
             </a:fld>
             <a:endParaRPr lang="en-US"/>
           </a:p>
@@ -660,7 +665,7 @@
           <a:p>
             <a:fld id="{515F6A62-06CA-4DB5-852B-E45D0C348D54}" type="datetimeFigureOut">
               <a:rPr lang="en-US" smtClean="0"/>
-              <a:t>6/14/2021</a:t>
+              <a:t>6/16/2021</a:t>
             </a:fld>
             <a:endParaRPr lang="en-US"/>
           </a:p>
@@ -858,7 +863,7 @@
           <a:p>
             <a:fld id="{515F6A62-06CA-4DB5-852B-E45D0C348D54}" type="datetimeFigureOut">
               <a:rPr lang="en-US" smtClean="0"/>
-              <a:t>6/14/2021</a:t>
+              <a:t>6/16/2021</a:t>
             </a:fld>
             <a:endParaRPr lang="en-US"/>
           </a:p>
@@ -1133,7 +1138,7 @@
           <a:p>
             <a:fld id="{515F6A62-06CA-4DB5-852B-E45D0C348D54}" type="datetimeFigureOut">
               <a:rPr lang="en-US" smtClean="0"/>
-              <a:t>6/14/2021</a:t>
+              <a:t>6/16/2021</a:t>
             </a:fld>
             <a:endParaRPr lang="en-US"/>
           </a:p>
@@ -1398,7 +1403,7 @@
           <a:p>
             <a:fld id="{515F6A62-06CA-4DB5-852B-E45D0C348D54}" type="datetimeFigureOut">
               <a:rPr lang="en-US" smtClean="0"/>
-              <a:t>6/14/2021</a:t>
+              <a:t>6/16/2021</a:t>
             </a:fld>
             <a:endParaRPr lang="en-US"/>
           </a:p>
@@ -1810,7 +1815,7 @@
           <a:p>
             <a:fld id="{515F6A62-06CA-4DB5-852B-E45D0C348D54}" type="datetimeFigureOut">
               <a:rPr lang="en-US" smtClean="0"/>
-              <a:t>6/14/2021</a:t>
+              <a:t>6/16/2021</a:t>
             </a:fld>
             <a:endParaRPr lang="en-US"/>
           </a:p>
@@ -1951,7 +1956,7 @@
           <a:p>
             <a:fld id="{515F6A62-06CA-4DB5-852B-E45D0C348D54}" type="datetimeFigureOut">
               <a:rPr lang="en-US" smtClean="0"/>
-              <a:t>6/14/2021</a:t>
+              <a:t>6/16/2021</a:t>
             </a:fld>
             <a:endParaRPr lang="en-US"/>
           </a:p>
@@ -2064,7 +2069,7 @@
           <a:p>
             <a:fld id="{515F6A62-06CA-4DB5-852B-E45D0C348D54}" type="datetimeFigureOut">
               <a:rPr lang="en-US" smtClean="0"/>
-              <a:t>6/14/2021</a:t>
+              <a:t>6/16/2021</a:t>
             </a:fld>
             <a:endParaRPr lang="en-US"/>
           </a:p>
@@ -2375,7 +2380,7 @@
           <a:p>
             <a:fld id="{515F6A62-06CA-4DB5-852B-E45D0C348D54}" type="datetimeFigureOut">
               <a:rPr lang="en-US" smtClean="0"/>
-              <a:t>6/14/2021</a:t>
+              <a:t>6/16/2021</a:t>
             </a:fld>
             <a:endParaRPr lang="en-US"/>
           </a:p>
@@ -2663,7 +2668,7 @@
           <a:p>
             <a:fld id="{515F6A62-06CA-4DB5-852B-E45D0C348D54}" type="datetimeFigureOut">
               <a:rPr lang="en-US" smtClean="0"/>
-              <a:t>6/14/2021</a:t>
+              <a:t>6/16/2021</a:t>
             </a:fld>
             <a:endParaRPr lang="en-US"/>
           </a:p>
@@ -2904,7 +2909,7 @@
           <a:p>
             <a:fld id="{515F6A62-06CA-4DB5-852B-E45D0C348D54}" type="datetimeFigureOut">
               <a:rPr lang="en-US" smtClean="0"/>
-              <a:t>6/14/2021</a:t>
+              <a:t>6/16/2021</a:t>
             </a:fld>
             <a:endParaRPr lang="en-US"/>
           </a:p>
@@ -3339,10 +3344,29 @@
         </p:nvSpPr>
         <p:spPr/>
         <p:txBody>
-          <a:bodyPr/>
-          <a:lstStyle/>
-          <a:p>
-            <a:endParaRPr lang="en-US"/>
+          <a:bodyPr>
+            <a:normAutofit fontScale="90000"/>
+          </a:bodyPr>
+          <a:lstStyle/>
+          <a:p>
+            <a:r>
+              <a:rPr lang="en-US" dirty="0"/>
+              <a:t>Cryptocurrencies </a:t>
+            </a:r>
+            <a:br>
+              <a:rPr lang="en-US" dirty="0"/>
+            </a:br>
+            <a:r>
+              <a:rPr lang="en-US" dirty="0"/>
+              <a:t>and </a:t>
+            </a:r>
+            <a:br>
+              <a:rPr lang="en-US" dirty="0"/>
+            </a:br>
+            <a:r>
+              <a:rPr lang="en-US" dirty="0"/>
+              <a:t>Social Media</a:t>
+            </a:r>
           </a:p>
         </p:txBody>
       </p:sp>
@@ -3367,7 +3391,7 @@
           <a:bodyPr/>
           <a:lstStyle/>
           <a:p>
-            <a:endParaRPr lang="en-US"/>
+            <a:endParaRPr lang="en-US" dirty="0"/>
           </a:p>
         </p:txBody>
       </p:sp>

--- a/Presentation/Cryptocurrency_Presentation.pptx
+++ b/Presentation/Cryptocurrency_Presentation.pptx
@@ -6,6 +6,13 @@
   </p:sldMasterIdLst>
   <p:sldIdLst>
     <p:sldId id="256" r:id="rId2"/>
+    <p:sldId id="257" r:id="rId3"/>
+    <p:sldId id="258" r:id="rId4"/>
+    <p:sldId id="259" r:id="rId5"/>
+    <p:sldId id="260" r:id="rId6"/>
+    <p:sldId id="261" r:id="rId7"/>
+    <p:sldId id="262" r:id="rId8"/>
+    <p:sldId id="263" r:id="rId9"/>
   </p:sldIdLst>
   <p:sldSz cx="12192000" cy="6858000"/>
   <p:notesSz cx="6858000" cy="9144000"/>
@@ -259,7 +266,7 @@
           <a:p>
             <a:fld id="{515F6A62-06CA-4DB5-852B-E45D0C348D54}" type="datetimeFigureOut">
               <a:rPr lang="en-US" smtClean="0"/>
-              <a:t>6/16/2021</a:t>
+              <a:t>6/21/2021</a:t>
             </a:fld>
             <a:endParaRPr lang="en-US"/>
           </a:p>
@@ -457,7 +464,7 @@
           <a:p>
             <a:fld id="{515F6A62-06CA-4DB5-852B-E45D0C348D54}" type="datetimeFigureOut">
               <a:rPr lang="en-US" smtClean="0"/>
-              <a:t>6/16/2021</a:t>
+              <a:t>6/21/2021</a:t>
             </a:fld>
             <a:endParaRPr lang="en-US"/>
           </a:p>
@@ -665,7 +672,7 @@
           <a:p>
             <a:fld id="{515F6A62-06CA-4DB5-852B-E45D0C348D54}" type="datetimeFigureOut">
               <a:rPr lang="en-US" smtClean="0"/>
-              <a:t>6/16/2021</a:t>
+              <a:t>6/21/2021</a:t>
             </a:fld>
             <a:endParaRPr lang="en-US"/>
           </a:p>
@@ -863,7 +870,7 @@
           <a:p>
             <a:fld id="{515F6A62-06CA-4DB5-852B-E45D0C348D54}" type="datetimeFigureOut">
               <a:rPr lang="en-US" smtClean="0"/>
-              <a:t>6/16/2021</a:t>
+              <a:t>6/21/2021</a:t>
             </a:fld>
             <a:endParaRPr lang="en-US"/>
           </a:p>
@@ -1138,7 +1145,7 @@
           <a:p>
             <a:fld id="{515F6A62-06CA-4DB5-852B-E45D0C348D54}" type="datetimeFigureOut">
               <a:rPr lang="en-US" smtClean="0"/>
-              <a:t>6/16/2021</a:t>
+              <a:t>6/21/2021</a:t>
             </a:fld>
             <a:endParaRPr lang="en-US"/>
           </a:p>
@@ -1403,7 +1410,7 @@
           <a:p>
             <a:fld id="{515F6A62-06CA-4DB5-852B-E45D0C348D54}" type="datetimeFigureOut">
               <a:rPr lang="en-US" smtClean="0"/>
-              <a:t>6/16/2021</a:t>
+              <a:t>6/21/2021</a:t>
             </a:fld>
             <a:endParaRPr lang="en-US"/>
           </a:p>
@@ -1815,7 +1822,7 @@
           <a:p>
             <a:fld id="{515F6A62-06CA-4DB5-852B-E45D0C348D54}" type="datetimeFigureOut">
               <a:rPr lang="en-US" smtClean="0"/>
-              <a:t>6/16/2021</a:t>
+              <a:t>6/21/2021</a:t>
             </a:fld>
             <a:endParaRPr lang="en-US"/>
           </a:p>
@@ -1956,7 +1963,7 @@
           <a:p>
             <a:fld id="{515F6A62-06CA-4DB5-852B-E45D0C348D54}" type="datetimeFigureOut">
               <a:rPr lang="en-US" smtClean="0"/>
-              <a:t>6/16/2021</a:t>
+              <a:t>6/21/2021</a:t>
             </a:fld>
             <a:endParaRPr lang="en-US"/>
           </a:p>
@@ -2069,7 +2076,7 @@
           <a:p>
             <a:fld id="{515F6A62-06CA-4DB5-852B-E45D0C348D54}" type="datetimeFigureOut">
               <a:rPr lang="en-US" smtClean="0"/>
-              <a:t>6/16/2021</a:t>
+              <a:t>6/21/2021</a:t>
             </a:fld>
             <a:endParaRPr lang="en-US"/>
           </a:p>
@@ -2380,7 +2387,7 @@
           <a:p>
             <a:fld id="{515F6A62-06CA-4DB5-852B-E45D0C348D54}" type="datetimeFigureOut">
               <a:rPr lang="en-US" smtClean="0"/>
-              <a:t>6/16/2021</a:t>
+              <a:t>6/21/2021</a:t>
             </a:fld>
             <a:endParaRPr lang="en-US"/>
           </a:p>
@@ -2668,7 +2675,7 @@
           <a:p>
             <a:fld id="{515F6A62-06CA-4DB5-852B-E45D0C348D54}" type="datetimeFigureOut">
               <a:rPr lang="en-US" smtClean="0"/>
-              <a:t>6/16/2021</a:t>
+              <a:t>6/21/2021</a:t>
             </a:fld>
             <a:endParaRPr lang="en-US"/>
           </a:p>
@@ -2909,7 +2916,7 @@
           <a:p>
             <a:fld id="{515F6A62-06CA-4DB5-852B-E45D0C348D54}" type="datetimeFigureOut">
               <a:rPr lang="en-US" smtClean="0"/>
-              <a:t>6/16/2021</a:t>
+              <a:t>6/21/2021</a:t>
             </a:fld>
             <a:endParaRPr lang="en-US"/>
           </a:p>
@@ -3345,53 +3352,42 @@
         <p:spPr/>
         <p:txBody>
           <a:bodyPr>
-            <a:normAutofit fontScale="90000"/>
+            <a:normAutofit/>
           </a:bodyPr>
           <a:lstStyle/>
           <a:p>
             <a:r>
               <a:rPr lang="en-US" dirty="0"/>
-              <a:t>Cryptocurrencies </a:t>
-            </a:r>
-            <a:br>
+              <a:t>Cryptocurrencies</a:t>
+            </a:r>
+          </a:p>
+        </p:txBody>
+      </p:sp>
+      <p:sp>
+        <p:nvSpPr>
+          <p:cNvPr id="3" name="Subtitle 2">
+            <a:extLst>
+              <a:ext uri="{FF2B5EF4-FFF2-40B4-BE49-F238E27FC236}">
+                <a16:creationId xmlns:a16="http://schemas.microsoft.com/office/drawing/2014/main" id="{72C226EB-C488-4CB7-BDDA-40749CB41F6C}"/>
+              </a:ext>
+            </a:extLst>
+          </p:cNvPr>
+          <p:cNvSpPr>
+            <a:spLocks noGrp="1"/>
+          </p:cNvSpPr>
+          <p:nvPr>
+            <p:ph type="subTitle" idx="1"/>
+          </p:nvPr>
+        </p:nvSpPr>
+        <p:spPr/>
+        <p:txBody>
+          <a:bodyPr/>
+          <a:lstStyle/>
+          <a:p>
+            <a:r>
               <a:rPr lang="en-US" dirty="0"/>
-            </a:br>
-            <a:r>
-              <a:rPr lang="en-US" dirty="0"/>
-              <a:t>and </a:t>
-            </a:r>
-            <a:br>
-              <a:rPr lang="en-US" dirty="0"/>
-            </a:br>
-            <a:r>
-              <a:rPr lang="en-US" dirty="0"/>
-              <a:t>Social Media</a:t>
-            </a:r>
-          </a:p>
-        </p:txBody>
-      </p:sp>
-      <p:sp>
-        <p:nvSpPr>
-          <p:cNvPr id="3" name="Subtitle 2">
-            <a:extLst>
-              <a:ext uri="{FF2B5EF4-FFF2-40B4-BE49-F238E27FC236}">
-                <a16:creationId xmlns:a16="http://schemas.microsoft.com/office/drawing/2014/main" id="{72C226EB-C488-4CB7-BDDA-40749CB41F6C}"/>
-              </a:ext>
-            </a:extLst>
-          </p:cNvPr>
-          <p:cNvSpPr>
-            <a:spLocks noGrp="1"/>
-          </p:cNvSpPr>
-          <p:nvPr>
-            <p:ph type="subTitle" idx="1"/>
-          </p:nvPr>
-        </p:nvSpPr>
-        <p:spPr/>
-        <p:txBody>
-          <a:bodyPr/>
-          <a:lstStyle/>
-          <a:p>
-            <a:endParaRPr lang="en-US" dirty="0"/>
+              <a:t>Group Members: Terrell Bradford and Ashleigh DeVito</a:t>
+            </a:r>
           </a:p>
         </p:txBody>
       </p:sp>
@@ -3399,6 +3395,765 @@
     <p:extLst>
       <p:ext uri="{BB962C8B-B14F-4D97-AF65-F5344CB8AC3E}">
         <p14:creationId xmlns:p14="http://schemas.microsoft.com/office/powerpoint/2010/main" val="3477422502"/>
+      </p:ext>
+    </p:extLst>
+  </p:cSld>
+  <p:clrMapOvr>
+    <a:masterClrMapping/>
+  </p:clrMapOvr>
+</p:sld>
+</file>
+
+<file path=ppt/slides/slide2.xml><?xml version="1.0" encoding="utf-8"?>
+<p:sld xmlns:a="http://schemas.openxmlformats.org/drawingml/2006/main" xmlns:r="http://schemas.openxmlformats.org/officeDocument/2006/relationships" xmlns:p="http://schemas.openxmlformats.org/presentationml/2006/main">
+  <p:cSld>
+    <p:spTree>
+      <p:nvGrpSpPr>
+        <p:cNvPr id="1" name=""/>
+        <p:cNvGrpSpPr/>
+        <p:nvPr/>
+      </p:nvGrpSpPr>
+      <p:grpSpPr>
+        <a:xfrm>
+          <a:off x="0" y="0"/>
+          <a:ext cx="0" cy="0"/>
+          <a:chOff x="0" y="0"/>
+          <a:chExt cx="0" cy="0"/>
+        </a:xfrm>
+      </p:grpSpPr>
+      <p:sp>
+        <p:nvSpPr>
+          <p:cNvPr id="2" name="Title 1">
+            <a:extLst>
+              <a:ext uri="{FF2B5EF4-FFF2-40B4-BE49-F238E27FC236}">
+                <a16:creationId xmlns:a16="http://schemas.microsoft.com/office/drawing/2014/main" id="{0224C63B-DBCB-4875-AD64-08517C175305}"/>
+              </a:ext>
+            </a:extLst>
+          </p:cNvPr>
+          <p:cNvSpPr>
+            <a:spLocks noGrp="1"/>
+          </p:cNvSpPr>
+          <p:nvPr>
+            <p:ph type="title"/>
+          </p:nvPr>
+        </p:nvSpPr>
+        <p:spPr/>
+        <p:txBody>
+          <a:bodyPr/>
+          <a:lstStyle/>
+          <a:p>
+            <a:r>
+              <a:rPr lang="en-US" dirty="0"/>
+              <a:t>Motivation &amp; Summary</a:t>
+            </a:r>
+          </a:p>
+        </p:txBody>
+      </p:sp>
+      <p:sp>
+        <p:nvSpPr>
+          <p:cNvPr id="3" name="Content Placeholder 2">
+            <a:extLst>
+              <a:ext uri="{FF2B5EF4-FFF2-40B4-BE49-F238E27FC236}">
+                <a16:creationId xmlns:a16="http://schemas.microsoft.com/office/drawing/2014/main" id="{99A75797-903B-4A95-BC57-9E43C6B0F771}"/>
+              </a:ext>
+            </a:extLst>
+          </p:cNvPr>
+          <p:cNvSpPr>
+            <a:spLocks noGrp="1"/>
+          </p:cNvSpPr>
+          <p:nvPr>
+            <p:ph idx="1"/>
+          </p:nvPr>
+        </p:nvSpPr>
+        <p:spPr/>
+        <p:txBody>
+          <a:bodyPr/>
+          <a:lstStyle/>
+          <a:p>
+            <a:r>
+              <a:rPr lang="en-US" dirty="0"/>
+              <a:t>Does cryptocurrency value track with traditional stock market value?</a:t>
+            </a:r>
+          </a:p>
+          <a:p>
+            <a:pPr lvl="1"/>
+            <a:r>
+              <a:rPr lang="en-US" dirty="0"/>
+              <a:t>There is a correlation</a:t>
+            </a:r>
+          </a:p>
+          <a:p>
+            <a:r>
+              <a:rPr lang="en-US" dirty="0"/>
+              <a:t>Does social media have an influence on value?</a:t>
+            </a:r>
+          </a:p>
+          <a:p>
+            <a:pPr lvl="1"/>
+            <a:endParaRPr lang="en-US" dirty="0"/>
+          </a:p>
+          <a:p>
+            <a:endParaRPr lang="en-US" dirty="0"/>
+          </a:p>
+          <a:p>
+            <a:r>
+              <a:rPr lang="en-US" dirty="0"/>
+              <a:t>To satisfaction: no</a:t>
+            </a:r>
+          </a:p>
+        </p:txBody>
+      </p:sp>
+    </p:spTree>
+    <p:extLst>
+      <p:ext uri="{BB962C8B-B14F-4D97-AF65-F5344CB8AC3E}">
+        <p14:creationId xmlns:p14="http://schemas.microsoft.com/office/powerpoint/2010/main" val="458465927"/>
+      </p:ext>
+    </p:extLst>
+  </p:cSld>
+  <p:clrMapOvr>
+    <a:masterClrMapping/>
+  </p:clrMapOvr>
+</p:sld>
+</file>
+
+<file path=ppt/slides/slide3.xml><?xml version="1.0" encoding="utf-8"?>
+<p:sld xmlns:a="http://schemas.openxmlformats.org/drawingml/2006/main" xmlns:r="http://schemas.openxmlformats.org/officeDocument/2006/relationships" xmlns:p="http://schemas.openxmlformats.org/presentationml/2006/main">
+  <p:cSld>
+    <p:spTree>
+      <p:nvGrpSpPr>
+        <p:cNvPr id="1" name=""/>
+        <p:cNvGrpSpPr/>
+        <p:nvPr/>
+      </p:nvGrpSpPr>
+      <p:grpSpPr>
+        <a:xfrm>
+          <a:off x="0" y="0"/>
+          <a:ext cx="0" cy="0"/>
+          <a:chOff x="0" y="0"/>
+          <a:chExt cx="0" cy="0"/>
+        </a:xfrm>
+      </p:grpSpPr>
+      <p:sp>
+        <p:nvSpPr>
+          <p:cNvPr id="2" name="Title 1">
+            <a:extLst>
+              <a:ext uri="{FF2B5EF4-FFF2-40B4-BE49-F238E27FC236}">
+                <a16:creationId xmlns:a16="http://schemas.microsoft.com/office/drawing/2014/main" id="{EB257343-1F91-45CA-B5E6-EB31FC001970}"/>
+              </a:ext>
+            </a:extLst>
+          </p:cNvPr>
+          <p:cNvSpPr>
+            <a:spLocks noGrp="1"/>
+          </p:cNvSpPr>
+          <p:nvPr>
+            <p:ph type="title"/>
+          </p:nvPr>
+        </p:nvSpPr>
+        <p:spPr/>
+        <p:txBody>
+          <a:bodyPr/>
+          <a:lstStyle/>
+          <a:p>
+            <a:r>
+              <a:rPr lang="en-US" dirty="0"/>
+              <a:t>Questions &amp; Data</a:t>
+            </a:r>
+          </a:p>
+        </p:txBody>
+      </p:sp>
+      <p:sp>
+        <p:nvSpPr>
+          <p:cNvPr id="3" name="Content Placeholder 2">
+            <a:extLst>
+              <a:ext uri="{FF2B5EF4-FFF2-40B4-BE49-F238E27FC236}">
+                <a16:creationId xmlns:a16="http://schemas.microsoft.com/office/drawing/2014/main" id="{379C460E-578F-4273-BC55-2C5040FBFC69}"/>
+              </a:ext>
+            </a:extLst>
+          </p:cNvPr>
+          <p:cNvSpPr>
+            <a:spLocks noGrp="1"/>
+          </p:cNvSpPr>
+          <p:nvPr>
+            <p:ph idx="1"/>
+          </p:nvPr>
+        </p:nvSpPr>
+        <p:spPr/>
+        <p:txBody>
+          <a:bodyPr/>
+          <a:lstStyle/>
+          <a:p>
+            <a:r>
+              <a:rPr lang="en-US" dirty="0"/>
+              <a:t>Financial Data was taken from the Pandas </a:t>
+            </a:r>
+            <a:r>
+              <a:rPr lang="en-US" dirty="0" err="1"/>
+              <a:t>Datareader</a:t>
+            </a:r>
+            <a:r>
+              <a:rPr lang="en-US" dirty="0"/>
+              <a:t> Library through Yahoo</a:t>
+            </a:r>
+          </a:p>
+          <a:p>
+            <a:r>
+              <a:rPr lang="en-US" dirty="0"/>
+              <a:t>Social Media Data was scraped from the </a:t>
+            </a:r>
+            <a:r>
+              <a:rPr lang="en-US" dirty="0" err="1"/>
+              <a:t>Pushshift</a:t>
+            </a:r>
+            <a:r>
+              <a:rPr lang="en-US" dirty="0"/>
+              <a:t> API</a:t>
+            </a:r>
+          </a:p>
+          <a:p>
+            <a:endParaRPr lang="en-US" dirty="0"/>
+          </a:p>
+        </p:txBody>
+      </p:sp>
+    </p:spTree>
+    <p:extLst>
+      <p:ext uri="{BB962C8B-B14F-4D97-AF65-F5344CB8AC3E}">
+        <p14:creationId xmlns:p14="http://schemas.microsoft.com/office/powerpoint/2010/main" val="3505644191"/>
+      </p:ext>
+    </p:extLst>
+  </p:cSld>
+  <p:clrMapOvr>
+    <a:masterClrMapping/>
+  </p:clrMapOvr>
+</p:sld>
+</file>
+
+<file path=ppt/slides/slide4.xml><?xml version="1.0" encoding="utf-8"?>
+<p:sld xmlns:a="http://schemas.openxmlformats.org/drawingml/2006/main" xmlns:r="http://schemas.openxmlformats.org/officeDocument/2006/relationships" xmlns:p="http://schemas.openxmlformats.org/presentationml/2006/main">
+  <p:cSld>
+    <p:spTree>
+      <p:nvGrpSpPr>
+        <p:cNvPr id="1" name=""/>
+        <p:cNvGrpSpPr/>
+        <p:nvPr/>
+      </p:nvGrpSpPr>
+      <p:grpSpPr>
+        <a:xfrm>
+          <a:off x="0" y="0"/>
+          <a:ext cx="0" cy="0"/>
+          <a:chOff x="0" y="0"/>
+          <a:chExt cx="0" cy="0"/>
+        </a:xfrm>
+      </p:grpSpPr>
+      <p:sp>
+        <p:nvSpPr>
+          <p:cNvPr id="2" name="Title 1">
+            <a:extLst>
+              <a:ext uri="{FF2B5EF4-FFF2-40B4-BE49-F238E27FC236}">
+                <a16:creationId xmlns:a16="http://schemas.microsoft.com/office/drawing/2014/main" id="{0E303DDD-23A8-4B63-B536-6E143CB379B5}"/>
+              </a:ext>
+            </a:extLst>
+          </p:cNvPr>
+          <p:cNvSpPr>
+            <a:spLocks noGrp="1"/>
+          </p:cNvSpPr>
+          <p:nvPr>
+            <p:ph type="title"/>
+          </p:nvPr>
+        </p:nvSpPr>
+        <p:spPr/>
+        <p:txBody>
+          <a:bodyPr/>
+          <a:lstStyle/>
+          <a:p>
+            <a:r>
+              <a:rPr lang="en-US" dirty="0"/>
+              <a:t>Data Cleanup &amp; Exploration</a:t>
+            </a:r>
+          </a:p>
+        </p:txBody>
+      </p:sp>
+      <p:sp>
+        <p:nvSpPr>
+          <p:cNvPr id="3" name="Content Placeholder 2">
+            <a:extLst>
+              <a:ext uri="{FF2B5EF4-FFF2-40B4-BE49-F238E27FC236}">
+                <a16:creationId xmlns:a16="http://schemas.microsoft.com/office/drawing/2014/main" id="{83F9DA96-40FC-4C63-827E-F08B135DC46B}"/>
+              </a:ext>
+            </a:extLst>
+          </p:cNvPr>
+          <p:cNvSpPr>
+            <a:spLocks noGrp="1"/>
+          </p:cNvSpPr>
+          <p:nvPr>
+            <p:ph idx="1"/>
+          </p:nvPr>
+        </p:nvSpPr>
+        <p:spPr/>
+        <p:txBody>
+          <a:bodyPr>
+            <a:normAutofit/>
+          </a:bodyPr>
+          <a:lstStyle/>
+          <a:p>
+            <a:r>
+              <a:rPr lang="en-US" dirty="0"/>
+              <a:t>Describe the exploration and cleanup process</a:t>
+            </a:r>
+          </a:p>
+          <a:p>
+            <a:r>
+              <a:rPr lang="en-US" dirty="0"/>
+              <a:t>Discuss insights you had while exploring the data that you didn't anticipate</a:t>
+            </a:r>
+          </a:p>
+          <a:p>
+            <a:r>
+              <a:rPr lang="en-US" dirty="0"/>
+              <a:t>Discuss any problems that arose after exploring the data, and how you resolved them</a:t>
+            </a:r>
+          </a:p>
+          <a:p>
+            <a:pPr lvl="1"/>
+            <a:r>
+              <a:rPr lang="en-US" dirty="0"/>
+              <a:t>Cryptocurrencies included weekends</a:t>
+            </a:r>
+          </a:p>
+          <a:p>
+            <a:pPr lvl="1"/>
+            <a:r>
+              <a:rPr lang="en-US" dirty="0"/>
+              <a:t>Tether multiple uses</a:t>
+            </a:r>
+          </a:p>
+          <a:p>
+            <a:r>
+              <a:rPr lang="en-US" dirty="0"/>
+              <a:t>Present and discuss interesting figures developed during exploration, ideally with the help of </a:t>
+            </a:r>
+            <a:r>
+              <a:rPr lang="en-US" dirty="0" err="1"/>
+              <a:t>Jupyter</a:t>
+            </a:r>
+            <a:r>
+              <a:rPr lang="en-US" dirty="0"/>
+              <a:t> Notebook</a:t>
+            </a:r>
+          </a:p>
+        </p:txBody>
+      </p:sp>
+    </p:spTree>
+    <p:extLst>
+      <p:ext uri="{BB962C8B-B14F-4D97-AF65-F5344CB8AC3E}">
+        <p14:creationId xmlns:p14="http://schemas.microsoft.com/office/powerpoint/2010/main" val="1251452503"/>
+      </p:ext>
+    </p:extLst>
+  </p:cSld>
+  <p:clrMapOvr>
+    <a:masterClrMapping/>
+  </p:clrMapOvr>
+</p:sld>
+</file>
+
+<file path=ppt/slides/slide5.xml><?xml version="1.0" encoding="utf-8"?>
+<p:sld xmlns:a="http://schemas.openxmlformats.org/drawingml/2006/main" xmlns:r="http://schemas.openxmlformats.org/officeDocument/2006/relationships" xmlns:p="http://schemas.openxmlformats.org/presentationml/2006/main">
+  <p:cSld>
+    <p:spTree>
+      <p:nvGrpSpPr>
+        <p:cNvPr id="1" name=""/>
+        <p:cNvGrpSpPr/>
+        <p:nvPr/>
+      </p:nvGrpSpPr>
+      <p:grpSpPr>
+        <a:xfrm>
+          <a:off x="0" y="0"/>
+          <a:ext cx="0" cy="0"/>
+          <a:chOff x="0" y="0"/>
+          <a:chExt cx="0" cy="0"/>
+        </a:xfrm>
+      </p:grpSpPr>
+      <p:sp>
+        <p:nvSpPr>
+          <p:cNvPr id="2" name="Title 1">
+            <a:extLst>
+              <a:ext uri="{FF2B5EF4-FFF2-40B4-BE49-F238E27FC236}">
+                <a16:creationId xmlns:a16="http://schemas.microsoft.com/office/drawing/2014/main" id="{DF181E76-20E9-4E12-AD03-82900000BAD1}"/>
+              </a:ext>
+            </a:extLst>
+          </p:cNvPr>
+          <p:cNvSpPr>
+            <a:spLocks noGrp="1"/>
+          </p:cNvSpPr>
+          <p:nvPr>
+            <p:ph type="title"/>
+          </p:nvPr>
+        </p:nvSpPr>
+        <p:spPr/>
+        <p:txBody>
+          <a:bodyPr/>
+          <a:lstStyle/>
+          <a:p>
+            <a:r>
+              <a:rPr lang="en-US" dirty="0"/>
+              <a:t>Data Analysis</a:t>
+            </a:r>
+          </a:p>
+        </p:txBody>
+      </p:sp>
+      <p:sp>
+        <p:nvSpPr>
+          <p:cNvPr id="3" name="Content Placeholder 2">
+            <a:extLst>
+              <a:ext uri="{FF2B5EF4-FFF2-40B4-BE49-F238E27FC236}">
+                <a16:creationId xmlns:a16="http://schemas.microsoft.com/office/drawing/2014/main" id="{7A9FD706-7603-4F88-BB30-8058360301ED}"/>
+              </a:ext>
+            </a:extLst>
+          </p:cNvPr>
+          <p:cNvSpPr>
+            <a:spLocks noGrp="1"/>
+          </p:cNvSpPr>
+          <p:nvPr>
+            <p:ph idx="1"/>
+          </p:nvPr>
+        </p:nvSpPr>
+        <p:spPr/>
+        <p:txBody>
+          <a:bodyPr/>
+          <a:lstStyle/>
+          <a:p>
+            <a:r>
+              <a:rPr lang="en-US" dirty="0"/>
+              <a:t>Analysis</a:t>
+            </a:r>
+          </a:p>
+          <a:p>
+            <a:endParaRPr lang="en-US" dirty="0"/>
+          </a:p>
+          <a:p>
+            <a:r>
+              <a:rPr lang="en-US" dirty="0"/>
+              <a:t>Discuss the steps you took to analyze the data and answer each question you asked I</a:t>
+            </a:r>
+          </a:p>
+          <a:p>
+            <a:r>
+              <a:rPr lang="en-US" dirty="0"/>
+              <a:t>Present and discuss interesting figures developed during analysis, ideally with the help of </a:t>
+            </a:r>
+            <a:r>
+              <a:rPr lang="en-US" dirty="0" err="1"/>
+              <a:t>Jupyter</a:t>
+            </a:r>
+            <a:r>
+              <a:rPr lang="en-US" dirty="0"/>
+              <a:t> </a:t>
+            </a:r>
+            <a:r>
+              <a:rPr lang="en-US" dirty="0" err="1"/>
+              <a:t>Notebookn</a:t>
+            </a:r>
+            <a:r>
+              <a:rPr lang="en-US" dirty="0"/>
+              <a:t> your proposal</a:t>
+            </a:r>
+          </a:p>
+        </p:txBody>
+      </p:sp>
+    </p:spTree>
+    <p:extLst>
+      <p:ext uri="{BB962C8B-B14F-4D97-AF65-F5344CB8AC3E}">
+        <p14:creationId xmlns:p14="http://schemas.microsoft.com/office/powerpoint/2010/main" val="3955815284"/>
+      </p:ext>
+    </p:extLst>
+  </p:cSld>
+  <p:clrMapOvr>
+    <a:masterClrMapping/>
+  </p:clrMapOvr>
+</p:sld>
+</file>
+
+<file path=ppt/slides/slide6.xml><?xml version="1.0" encoding="utf-8"?>
+<p:sld xmlns:a="http://schemas.openxmlformats.org/drawingml/2006/main" xmlns:r="http://schemas.openxmlformats.org/officeDocument/2006/relationships" xmlns:p="http://schemas.openxmlformats.org/presentationml/2006/main">
+  <p:cSld>
+    <p:spTree>
+      <p:nvGrpSpPr>
+        <p:cNvPr id="1" name=""/>
+        <p:cNvGrpSpPr/>
+        <p:nvPr/>
+      </p:nvGrpSpPr>
+      <p:grpSpPr>
+        <a:xfrm>
+          <a:off x="0" y="0"/>
+          <a:ext cx="0" cy="0"/>
+          <a:chOff x="0" y="0"/>
+          <a:chExt cx="0" cy="0"/>
+        </a:xfrm>
+      </p:grpSpPr>
+      <p:sp>
+        <p:nvSpPr>
+          <p:cNvPr id="2" name="Title 1">
+            <a:extLst>
+              <a:ext uri="{FF2B5EF4-FFF2-40B4-BE49-F238E27FC236}">
+                <a16:creationId xmlns:a16="http://schemas.microsoft.com/office/drawing/2014/main" id="{3969A7ED-B6F1-451E-8F80-1C6F7D537BAF}"/>
+              </a:ext>
+            </a:extLst>
+          </p:cNvPr>
+          <p:cNvSpPr>
+            <a:spLocks noGrp="1"/>
+          </p:cNvSpPr>
+          <p:nvPr>
+            <p:ph type="title"/>
+          </p:nvPr>
+        </p:nvSpPr>
+        <p:spPr/>
+        <p:txBody>
+          <a:bodyPr/>
+          <a:lstStyle/>
+          <a:p>
+            <a:r>
+              <a:rPr lang="en-US" dirty="0"/>
+              <a:t>Discussion</a:t>
+            </a:r>
+          </a:p>
+        </p:txBody>
+      </p:sp>
+      <p:sp>
+        <p:nvSpPr>
+          <p:cNvPr id="3" name="Content Placeholder 2">
+            <a:extLst>
+              <a:ext uri="{FF2B5EF4-FFF2-40B4-BE49-F238E27FC236}">
+                <a16:creationId xmlns:a16="http://schemas.microsoft.com/office/drawing/2014/main" id="{98C008D0-1E43-4D75-8694-1447CE4A1999}"/>
+              </a:ext>
+            </a:extLst>
+          </p:cNvPr>
+          <p:cNvSpPr>
+            <a:spLocks noGrp="1"/>
+          </p:cNvSpPr>
+          <p:nvPr>
+            <p:ph idx="1"/>
+          </p:nvPr>
+        </p:nvSpPr>
+        <p:spPr/>
+        <p:txBody>
+          <a:bodyPr/>
+          <a:lstStyle/>
+          <a:p>
+            <a:r>
+              <a:rPr lang="en-US" dirty="0"/>
+              <a:t>General trends</a:t>
+            </a:r>
+          </a:p>
+          <a:p>
+            <a:endParaRPr lang="en-US" dirty="0"/>
+          </a:p>
+          <a:p>
+            <a:endParaRPr lang="en-US" dirty="0"/>
+          </a:p>
+          <a:p>
+            <a:r>
+              <a:rPr lang="en-US" dirty="0"/>
+              <a:t>Discuss your findings. Did you find what you expected to find? If not, why not? What inferences or general conclusions can you draw from your analysis?</a:t>
+            </a:r>
+          </a:p>
+        </p:txBody>
+      </p:sp>
+    </p:spTree>
+    <p:extLst>
+      <p:ext uri="{BB962C8B-B14F-4D97-AF65-F5344CB8AC3E}">
+        <p14:creationId xmlns:p14="http://schemas.microsoft.com/office/powerpoint/2010/main" val="246072277"/>
+      </p:ext>
+    </p:extLst>
+  </p:cSld>
+  <p:clrMapOvr>
+    <a:masterClrMapping/>
+  </p:clrMapOvr>
+</p:sld>
+</file>
+
+<file path=ppt/slides/slide7.xml><?xml version="1.0" encoding="utf-8"?>
+<p:sld xmlns:a="http://schemas.openxmlformats.org/drawingml/2006/main" xmlns:r="http://schemas.openxmlformats.org/officeDocument/2006/relationships" xmlns:p="http://schemas.openxmlformats.org/presentationml/2006/main">
+  <p:cSld>
+    <p:spTree>
+      <p:nvGrpSpPr>
+        <p:cNvPr id="1" name=""/>
+        <p:cNvGrpSpPr/>
+        <p:nvPr/>
+      </p:nvGrpSpPr>
+      <p:grpSpPr>
+        <a:xfrm>
+          <a:off x="0" y="0"/>
+          <a:ext cx="0" cy="0"/>
+          <a:chOff x="0" y="0"/>
+          <a:chExt cx="0" cy="0"/>
+        </a:xfrm>
+      </p:grpSpPr>
+      <p:sp>
+        <p:nvSpPr>
+          <p:cNvPr id="2" name="Title 1">
+            <a:extLst>
+              <a:ext uri="{FF2B5EF4-FFF2-40B4-BE49-F238E27FC236}">
+                <a16:creationId xmlns:a16="http://schemas.microsoft.com/office/drawing/2014/main" id="{6E44B138-DC35-42F7-B36E-A669A89F8108}"/>
+              </a:ext>
+            </a:extLst>
+          </p:cNvPr>
+          <p:cNvSpPr>
+            <a:spLocks noGrp="1"/>
+          </p:cNvSpPr>
+          <p:nvPr>
+            <p:ph type="title"/>
+          </p:nvPr>
+        </p:nvSpPr>
+        <p:spPr/>
+        <p:txBody>
+          <a:bodyPr/>
+          <a:lstStyle/>
+          <a:p>
+            <a:r>
+              <a:rPr lang="en-US" dirty="0"/>
+              <a:t>Post Mortem</a:t>
+            </a:r>
+          </a:p>
+        </p:txBody>
+      </p:sp>
+      <p:sp>
+        <p:nvSpPr>
+          <p:cNvPr id="3" name="Content Placeholder 2">
+            <a:extLst>
+              <a:ext uri="{FF2B5EF4-FFF2-40B4-BE49-F238E27FC236}">
+                <a16:creationId xmlns:a16="http://schemas.microsoft.com/office/drawing/2014/main" id="{AFEE5EC2-CE1C-4E89-9C52-29C82A838F6F}"/>
+              </a:ext>
+            </a:extLst>
+          </p:cNvPr>
+          <p:cNvSpPr>
+            <a:spLocks noGrp="1"/>
+          </p:cNvSpPr>
+          <p:nvPr>
+            <p:ph idx="1"/>
+          </p:nvPr>
+        </p:nvSpPr>
+        <p:spPr/>
+        <p:txBody>
+          <a:bodyPr/>
+          <a:lstStyle/>
+          <a:p>
+            <a:r>
+              <a:rPr lang="en-US" dirty="0"/>
+              <a:t>Twitter API</a:t>
+            </a:r>
+          </a:p>
+          <a:p>
+            <a:r>
+              <a:rPr lang="en-US" dirty="0"/>
+              <a:t>Lo</a:t>
+            </a:r>
+          </a:p>
+          <a:p>
+            <a:endParaRPr lang="en-US" dirty="0"/>
+          </a:p>
+          <a:p>
+            <a:r>
+              <a:rPr lang="en-US" dirty="0"/>
+              <a:t>Discuss any difficulties that arose, and how you dealt with them</a:t>
+            </a:r>
+          </a:p>
+          <a:p>
+            <a:r>
+              <a:rPr lang="en-US" dirty="0"/>
+              <a:t>Discuss any additional questions that came up, but which you didn't have time to answer: What would you research next, if you had two more weeks?</a:t>
+            </a:r>
+          </a:p>
+        </p:txBody>
+      </p:sp>
+    </p:spTree>
+    <p:extLst>
+      <p:ext uri="{BB962C8B-B14F-4D97-AF65-F5344CB8AC3E}">
+        <p14:creationId xmlns:p14="http://schemas.microsoft.com/office/powerpoint/2010/main" val="977734179"/>
+      </p:ext>
+    </p:extLst>
+  </p:cSld>
+  <p:clrMapOvr>
+    <a:masterClrMapping/>
+  </p:clrMapOvr>
+</p:sld>
+</file>
+
+<file path=ppt/slides/slide8.xml><?xml version="1.0" encoding="utf-8"?>
+<p:sld xmlns:a="http://schemas.openxmlformats.org/drawingml/2006/main" xmlns:r="http://schemas.openxmlformats.org/officeDocument/2006/relationships" xmlns:p="http://schemas.openxmlformats.org/presentationml/2006/main">
+  <p:cSld>
+    <p:spTree>
+      <p:nvGrpSpPr>
+        <p:cNvPr id="1" name=""/>
+        <p:cNvGrpSpPr/>
+        <p:nvPr/>
+      </p:nvGrpSpPr>
+      <p:grpSpPr>
+        <a:xfrm>
+          <a:off x="0" y="0"/>
+          <a:ext cx="0" cy="0"/>
+          <a:chOff x="0" y="0"/>
+          <a:chExt cx="0" cy="0"/>
+        </a:xfrm>
+      </p:grpSpPr>
+      <p:sp>
+        <p:nvSpPr>
+          <p:cNvPr id="2" name="Title 1">
+            <a:extLst>
+              <a:ext uri="{FF2B5EF4-FFF2-40B4-BE49-F238E27FC236}">
+                <a16:creationId xmlns:a16="http://schemas.microsoft.com/office/drawing/2014/main" id="{D599B37F-351B-42B2-A0C3-73DEA21BC39C}"/>
+              </a:ext>
+            </a:extLst>
+          </p:cNvPr>
+          <p:cNvSpPr>
+            <a:spLocks noGrp="1"/>
+          </p:cNvSpPr>
+          <p:nvPr>
+            <p:ph type="title"/>
+          </p:nvPr>
+        </p:nvSpPr>
+        <p:spPr/>
+        <p:txBody>
+          <a:bodyPr/>
+          <a:lstStyle/>
+          <a:p>
+            <a:r>
+              <a:rPr lang="en-US" dirty="0"/>
+              <a:t>Questions</a:t>
+            </a:r>
+          </a:p>
+        </p:txBody>
+      </p:sp>
+      <p:sp>
+        <p:nvSpPr>
+          <p:cNvPr id="3" name="Content Placeholder 2">
+            <a:extLst>
+              <a:ext uri="{FF2B5EF4-FFF2-40B4-BE49-F238E27FC236}">
+                <a16:creationId xmlns:a16="http://schemas.microsoft.com/office/drawing/2014/main" id="{44A36FCE-43A3-4489-A0BB-EBC269E5CE18}"/>
+              </a:ext>
+            </a:extLst>
+          </p:cNvPr>
+          <p:cNvSpPr>
+            <a:spLocks noGrp="1"/>
+          </p:cNvSpPr>
+          <p:nvPr>
+            <p:ph idx="1"/>
+          </p:nvPr>
+        </p:nvSpPr>
+        <p:spPr/>
+        <p:txBody>
+          <a:bodyPr/>
+          <a:lstStyle/>
+          <a:p>
+            <a:r>
+              <a:rPr lang="en-US" dirty="0"/>
+              <a:t>Open-floor Q&amp;A with the audience</a:t>
+            </a:r>
+          </a:p>
+        </p:txBody>
+      </p:sp>
+    </p:spTree>
+    <p:extLst>
+      <p:ext uri="{BB962C8B-B14F-4D97-AF65-F5344CB8AC3E}">
+        <p14:creationId xmlns:p14="http://schemas.microsoft.com/office/powerpoint/2010/main" val="4031271768"/>
       </p:ext>
     </p:extLst>
   </p:cSld>

--- a/Presentation/Cryptocurrency_Presentation.pptx
+++ b/Presentation/Cryptocurrency_Presentation.pptx
@@ -2,17 +2,19 @@
 <file path=ppt/presentation.xml><?xml version="1.0" encoding="utf-8"?>
 <p:presentation xmlns:a="http://schemas.openxmlformats.org/drawingml/2006/main" xmlns:r="http://schemas.openxmlformats.org/officeDocument/2006/relationships" xmlns:p="http://schemas.openxmlformats.org/presentationml/2006/main" saveSubsetFonts="1">
   <p:sldMasterIdLst>
-    <p:sldMasterId id="2147483648" r:id="rId1"/>
+    <p:sldMasterId id="2147483999" r:id="rId1"/>
   </p:sldMasterIdLst>
   <p:sldIdLst>
     <p:sldId id="256" r:id="rId2"/>
     <p:sldId id="257" r:id="rId3"/>
     <p:sldId id="258" r:id="rId4"/>
     <p:sldId id="259" r:id="rId5"/>
-    <p:sldId id="260" r:id="rId6"/>
-    <p:sldId id="261" r:id="rId7"/>
-    <p:sldId id="262" r:id="rId8"/>
-    <p:sldId id="263" r:id="rId9"/>
+    <p:sldId id="264" r:id="rId6"/>
+    <p:sldId id="260" r:id="rId7"/>
+    <p:sldId id="265" r:id="rId8"/>
+    <p:sldId id="261" r:id="rId9"/>
+    <p:sldId id="262" r:id="rId10"/>
+    <p:sldId id="263" r:id="rId11"/>
   </p:sldIdLst>
   <p:sldSz cx="12192000" cy="6858000"/>
   <p:notesSz cx="6858000" cy="9144000"/>
@@ -20,7 +22,7 @@
     <a:defPPr>
       <a:defRPr lang="en-US"/>
     </a:defPPr>
-    <a:lvl1pPr marL="0" algn="l" defTabSz="914400" rtl="0" eaLnBrk="1" latinLnBrk="0" hangingPunct="1">
+    <a:lvl1pPr marL="0" algn="l" defTabSz="457200" rtl="0" eaLnBrk="1" latinLnBrk="0" hangingPunct="1">
       <a:defRPr sz="1800" kern="1200">
         <a:solidFill>
           <a:schemeClr val="tx1"/>
@@ -30,7 +32,7 @@
         <a:cs typeface="+mn-cs"/>
       </a:defRPr>
     </a:lvl1pPr>
-    <a:lvl2pPr marL="457200" algn="l" defTabSz="914400" rtl="0" eaLnBrk="1" latinLnBrk="0" hangingPunct="1">
+    <a:lvl2pPr marL="457200" algn="l" defTabSz="457200" rtl="0" eaLnBrk="1" latinLnBrk="0" hangingPunct="1">
       <a:defRPr sz="1800" kern="1200">
         <a:solidFill>
           <a:schemeClr val="tx1"/>
@@ -40,7 +42,7 @@
         <a:cs typeface="+mn-cs"/>
       </a:defRPr>
     </a:lvl2pPr>
-    <a:lvl3pPr marL="914400" algn="l" defTabSz="914400" rtl="0" eaLnBrk="1" latinLnBrk="0" hangingPunct="1">
+    <a:lvl3pPr marL="914400" algn="l" defTabSz="457200" rtl="0" eaLnBrk="1" latinLnBrk="0" hangingPunct="1">
       <a:defRPr sz="1800" kern="1200">
         <a:solidFill>
           <a:schemeClr val="tx1"/>
@@ -50,7 +52,7 @@
         <a:cs typeface="+mn-cs"/>
       </a:defRPr>
     </a:lvl3pPr>
-    <a:lvl4pPr marL="1371600" algn="l" defTabSz="914400" rtl="0" eaLnBrk="1" latinLnBrk="0" hangingPunct="1">
+    <a:lvl4pPr marL="1371600" algn="l" defTabSz="457200" rtl="0" eaLnBrk="1" latinLnBrk="0" hangingPunct="1">
       <a:defRPr sz="1800" kern="1200">
         <a:solidFill>
           <a:schemeClr val="tx1"/>
@@ -60,7 +62,7 @@
         <a:cs typeface="+mn-cs"/>
       </a:defRPr>
     </a:lvl4pPr>
-    <a:lvl5pPr marL="1828800" algn="l" defTabSz="914400" rtl="0" eaLnBrk="1" latinLnBrk="0" hangingPunct="1">
+    <a:lvl5pPr marL="1828800" algn="l" defTabSz="457200" rtl="0" eaLnBrk="1" latinLnBrk="0" hangingPunct="1">
       <a:defRPr sz="1800" kern="1200">
         <a:solidFill>
           <a:schemeClr val="tx1"/>
@@ -70,7 +72,7 @@
         <a:cs typeface="+mn-cs"/>
       </a:defRPr>
     </a:lvl5pPr>
-    <a:lvl6pPr marL="2286000" algn="l" defTabSz="914400" rtl="0" eaLnBrk="1" latinLnBrk="0" hangingPunct="1">
+    <a:lvl6pPr marL="2286000" algn="l" defTabSz="457200" rtl="0" eaLnBrk="1" latinLnBrk="0" hangingPunct="1">
       <a:defRPr sz="1800" kern="1200">
         <a:solidFill>
           <a:schemeClr val="tx1"/>
@@ -80,7 +82,7 @@
         <a:cs typeface="+mn-cs"/>
       </a:defRPr>
     </a:lvl6pPr>
-    <a:lvl7pPr marL="2743200" algn="l" defTabSz="914400" rtl="0" eaLnBrk="1" latinLnBrk="0" hangingPunct="1">
+    <a:lvl7pPr marL="2743200" algn="l" defTabSz="457200" rtl="0" eaLnBrk="1" latinLnBrk="0" hangingPunct="1">
       <a:defRPr sz="1800" kern="1200">
         <a:solidFill>
           <a:schemeClr val="tx1"/>
@@ -90,7 +92,7 @@
         <a:cs typeface="+mn-cs"/>
       </a:defRPr>
     </a:lvl7pPr>
-    <a:lvl8pPr marL="3200400" algn="l" defTabSz="914400" rtl="0" eaLnBrk="1" latinLnBrk="0" hangingPunct="1">
+    <a:lvl8pPr marL="3200400" algn="l" defTabSz="457200" rtl="0" eaLnBrk="1" latinLnBrk="0" hangingPunct="1">
       <a:defRPr sz="1800" kern="1200">
         <a:solidFill>
           <a:schemeClr val="tx1"/>
@@ -100,7 +102,7 @@
         <a:cs typeface="+mn-cs"/>
       </a:defRPr>
     </a:lvl8pPr>
-    <a:lvl9pPr marL="3657600" algn="l" defTabSz="914400" rtl="0" eaLnBrk="1" latinLnBrk="0" hangingPunct="1">
+    <a:lvl9pPr marL="3657600" algn="l" defTabSz="457200" rtl="0" eaLnBrk="1" latinLnBrk="0" hangingPunct="1">
       <a:defRPr sz="1800" kern="1200">
         <a:solidFill>
           <a:schemeClr val="tx1"/>
@@ -138,13 +140,7 @@
       </p:grpSpPr>
       <p:sp>
         <p:nvSpPr>
-          <p:cNvPr id="2" name="Title 1">
-            <a:extLst>
-              <a:ext uri="{FF2B5EF4-FFF2-40B4-BE49-F238E27FC236}">
-                <a16:creationId xmlns:a16="http://schemas.microsoft.com/office/drawing/2014/main" id="{E8E374D5-303E-4A6E-A27F-E5019147585E}"/>
-              </a:ext>
-            </a:extLst>
-          </p:cNvPr>
+          <p:cNvPr id="2" name="Title 1"/>
           <p:cNvSpPr>
             <a:spLocks noGrp="1"/>
           </p:cNvSpPr>
@@ -154,15 +150,49 @@
         </p:nvSpPr>
         <p:spPr>
           <a:xfrm>
-            <a:off x="1524000" y="1122363"/>
-            <a:ext cx="9144000" cy="2387600"/>
-          </a:xfrm>
-        </p:spPr>
-        <p:txBody>
-          <a:bodyPr anchor="b"/>
+            <a:off x="2209800" y="4464028"/>
+            <a:ext cx="9144000" cy="1641490"/>
+          </a:xfrm>
+        </p:spPr>
+        <p:txBody>
+          <a:bodyPr wrap="none" anchor="t">
+            <a:normAutofit/>
+          </a:bodyPr>
           <a:lstStyle>
-            <a:lvl1pPr algn="ctr">
-              <a:defRPr sz="6000"/>
+            <a:lvl1pPr algn="r">
+              <a:defRPr sz="9600" b="0" spc="-300">
+                <a:gradFill flip="none" rotWithShape="1">
+                  <a:gsLst>
+                    <a:gs pos="32000">
+                      <a:schemeClr val="tx1">
+                        <a:lumMod val="89000"/>
+                      </a:schemeClr>
+                    </a:gs>
+                    <a:gs pos="0">
+                      <a:schemeClr val="bg1">
+                        <a:lumMod val="41000"/>
+                        <a:lumOff val="59000"/>
+                      </a:schemeClr>
+                    </a:gs>
+                    <a:gs pos="100000">
+                      <a:schemeClr val="tx2">
+                        <a:lumMod val="0"/>
+                        <a:lumOff val="100000"/>
+                      </a:schemeClr>
+                    </a:gs>
+                  </a:gsLst>
+                  <a:lin ang="8100000" scaled="1"/>
+                  <a:tileRect/>
+                </a:gradFill>
+                <a:effectLst>
+                  <a:outerShdw blurRad="469900" dist="342900" dir="5400000" sy="-20000" rotWithShape="0">
+                    <a:prstClr val="black">
+                      <a:alpha val="66000"/>
+                    </a:prstClr>
+                  </a:outerShdw>
+                </a:effectLst>
+                <a:latin typeface="+mj-lt"/>
+              </a:defRPr>
             </a:lvl1pPr>
           </a:lstStyle>
           <a:p>
@@ -170,18 +200,13 @@
               <a:rPr lang="en-US"/>
               <a:t>Click to edit Master title style</a:t>
             </a:r>
-          </a:p>
-        </p:txBody>
-      </p:sp>
-      <p:sp>
-        <p:nvSpPr>
-          <p:cNvPr id="3" name="Subtitle 2">
-            <a:extLst>
-              <a:ext uri="{FF2B5EF4-FFF2-40B4-BE49-F238E27FC236}">
-                <a16:creationId xmlns:a16="http://schemas.microsoft.com/office/drawing/2014/main" id="{7470B0F1-C3D7-4DCF-B0CE-2A14B7F74EBD}"/>
-              </a:ext>
-            </a:extLst>
-          </p:cNvPr>
+            <a:endParaRPr lang="en-US" dirty="0"/>
+          </a:p>
+        </p:txBody>
+      </p:sp>
+      <p:sp>
+        <p:nvSpPr>
+          <p:cNvPr id="3" name="Subtitle 2"/>
           <p:cNvSpPr>
             <a:spLocks noGrp="1"/>
           </p:cNvSpPr>
@@ -191,16 +216,47 @@
         </p:nvSpPr>
         <p:spPr>
           <a:xfrm>
-            <a:off x="1524000" y="3602038"/>
-            <a:ext cx="9144000" cy="1655762"/>
-          </a:xfrm>
-        </p:spPr>
-        <p:txBody>
-          <a:bodyPr/>
+            <a:off x="2209799" y="3694375"/>
+            <a:ext cx="9144000" cy="754025"/>
+          </a:xfrm>
+        </p:spPr>
+        <p:txBody>
+          <a:bodyPr anchor="b">
+            <a:normAutofit/>
+          </a:bodyPr>
           <a:lstStyle>
-            <a:lvl1pPr marL="0" indent="0" algn="ctr">
-              <a:buNone/>
-              <a:defRPr sz="2400"/>
+            <a:lvl1pPr marL="0" indent="0" algn="r">
+              <a:buNone/>
+              <a:defRPr sz="3200" b="0">
+                <a:gradFill flip="none" rotWithShape="1">
+                  <a:gsLst>
+                    <a:gs pos="15000">
+                      <a:schemeClr val="tx2"/>
+                    </a:gs>
+                    <a:gs pos="73000">
+                      <a:schemeClr val="tx2">
+                        <a:lumMod val="60000"/>
+                        <a:lumOff val="40000"/>
+                      </a:schemeClr>
+                    </a:gs>
+                    <a:gs pos="0">
+                      <a:schemeClr val="tx2">
+                        <a:lumMod val="90000"/>
+                        <a:lumOff val="10000"/>
+                      </a:schemeClr>
+                    </a:gs>
+                    <a:gs pos="100000">
+                      <a:schemeClr val="tx2">
+                        <a:lumMod val="0"/>
+                        <a:lumOff val="100000"/>
+                      </a:schemeClr>
+                    </a:gs>
+                  </a:gsLst>
+                  <a:lin ang="16200000" scaled="1"/>
+                  <a:tileRect/>
+                </a:gradFill>
+                <a:latin typeface="+mj-lt"/>
+              </a:defRPr>
             </a:lvl1pPr>
             <a:lvl2pPr marL="457200" indent="0" algn="ctr">
               <a:buNone/>
@@ -240,18 +296,13 @@
               <a:rPr lang="en-US"/>
               <a:t>Click to edit Master subtitle style</a:t>
             </a:r>
-          </a:p>
-        </p:txBody>
-      </p:sp>
-      <p:sp>
-        <p:nvSpPr>
-          <p:cNvPr id="4" name="Date Placeholder 3">
-            <a:extLst>
-              <a:ext uri="{FF2B5EF4-FFF2-40B4-BE49-F238E27FC236}">
-                <a16:creationId xmlns:a16="http://schemas.microsoft.com/office/drawing/2014/main" id="{230FFB5C-BB0C-4DB6-AFA1-8143AC88B658}"/>
-              </a:ext>
-            </a:extLst>
-          </p:cNvPr>
+            <a:endParaRPr lang="en-US" dirty="0"/>
+          </a:p>
+        </p:txBody>
+      </p:sp>
+      <p:sp>
+        <p:nvSpPr>
+          <p:cNvPr id="7" name="Date Placeholder 6"/>
           <p:cNvSpPr>
             <a:spLocks noGrp="1"/>
           </p:cNvSpPr>
@@ -274,13 +325,7 @@
       </p:sp>
       <p:sp>
         <p:nvSpPr>
-          <p:cNvPr id="5" name="Footer Placeholder 4">
-            <a:extLst>
-              <a:ext uri="{FF2B5EF4-FFF2-40B4-BE49-F238E27FC236}">
-                <a16:creationId xmlns:a16="http://schemas.microsoft.com/office/drawing/2014/main" id="{5B3087AF-53C2-43D9-AD5C-D3148D85006C}"/>
-              </a:ext>
-            </a:extLst>
-          </p:cNvPr>
+          <p:cNvPr id="8" name="Footer Placeholder 7"/>
           <p:cNvSpPr>
             <a:spLocks noGrp="1"/>
           </p:cNvSpPr>
@@ -299,13 +344,7 @@
       </p:sp>
       <p:sp>
         <p:nvSpPr>
-          <p:cNvPr id="6" name="Slide Number Placeholder 5">
-            <a:extLst>
-              <a:ext uri="{FF2B5EF4-FFF2-40B4-BE49-F238E27FC236}">
-                <a16:creationId xmlns:a16="http://schemas.microsoft.com/office/drawing/2014/main" id="{331EDDBF-A985-4C96-BD70-1D5F7B5C32A8}"/>
-              </a:ext>
-            </a:extLst>
-          </p:cNvPr>
+          <p:cNvPr id="9" name="Slide Number Placeholder 8"/>
           <p:cNvSpPr>
             <a:spLocks noGrp="1"/>
           </p:cNvSpPr>
@@ -329,7 +368,7 @@
     </p:spTree>
     <p:extLst>
       <p:ext uri="{BB962C8B-B14F-4D97-AF65-F5344CB8AC3E}">
-        <p14:creationId xmlns:p14="http://schemas.microsoft.com/office/powerpoint/2010/main" val="3961178385"/>
+        <p14:creationId xmlns:p14="http://schemas.microsoft.com/office/powerpoint/2010/main" val="3810231499"/>
       </p:ext>
     </p:extLst>
   </p:cSld>
@@ -340,6 +379,2543 @@
 </file>
 
 <file path=ppt/slideLayouts/slideLayout10.xml><?xml version="1.0" encoding="utf-8"?>
+<p:sldLayout xmlns:a="http://schemas.openxmlformats.org/drawingml/2006/main" xmlns:r="http://schemas.openxmlformats.org/officeDocument/2006/relationships" xmlns:p="http://schemas.openxmlformats.org/presentationml/2006/main" preserve="1">
+  <p:cSld name="Panoramic Picture with Caption">
+    <p:spTree>
+      <p:nvGrpSpPr>
+        <p:cNvPr id="1" name=""/>
+        <p:cNvGrpSpPr/>
+        <p:nvPr/>
+      </p:nvGrpSpPr>
+      <p:grpSpPr>
+        <a:xfrm>
+          <a:off x="0" y="0"/>
+          <a:ext cx="0" cy="0"/>
+          <a:chOff x="0" y="0"/>
+          <a:chExt cx="0" cy="0"/>
+        </a:xfrm>
+      </p:grpSpPr>
+      <p:sp>
+        <p:nvSpPr>
+          <p:cNvPr id="2" name="Title 1"/>
+          <p:cNvSpPr>
+            <a:spLocks noGrp="1"/>
+          </p:cNvSpPr>
+          <p:nvPr>
+            <p:ph type="title"/>
+          </p:nvPr>
+        </p:nvSpPr>
+        <p:spPr>
+          <a:xfrm>
+            <a:off x="839788" y="4367160"/>
+            <a:ext cx="10515600" cy="819355"/>
+          </a:xfrm>
+        </p:spPr>
+        <p:txBody>
+          <a:bodyPr anchor="b"/>
+          <a:lstStyle>
+            <a:lvl1pPr>
+              <a:defRPr sz="3200"/>
+            </a:lvl1pPr>
+          </a:lstStyle>
+          <a:p>
+            <a:r>
+              <a:rPr lang="en-US"/>
+              <a:t>Click to edit Master title style</a:t>
+            </a:r>
+            <a:endParaRPr lang="en-US" dirty="0"/>
+          </a:p>
+        </p:txBody>
+      </p:sp>
+      <p:sp>
+        <p:nvSpPr>
+          <p:cNvPr id="3" name="Picture Placeholder 2"/>
+          <p:cNvSpPr>
+            <a:spLocks noGrp="1" noChangeAspect="1"/>
+          </p:cNvSpPr>
+          <p:nvPr>
+            <p:ph type="pic" idx="1"/>
+          </p:nvPr>
+        </p:nvSpPr>
+        <p:spPr>
+          <a:xfrm>
+            <a:off x="839788" y="987425"/>
+            <a:ext cx="10515600" cy="3379735"/>
+          </a:xfrm>
+        </p:spPr>
+        <p:txBody>
+          <a:bodyPr anchor="t"/>
+          <a:lstStyle>
+            <a:lvl1pPr marL="0" indent="0">
+              <a:buNone/>
+              <a:defRPr sz="3200"/>
+            </a:lvl1pPr>
+            <a:lvl2pPr marL="457200" indent="0">
+              <a:buNone/>
+              <a:defRPr sz="2800"/>
+            </a:lvl2pPr>
+            <a:lvl3pPr marL="914400" indent="0">
+              <a:buNone/>
+              <a:defRPr sz="2400"/>
+            </a:lvl3pPr>
+            <a:lvl4pPr marL="1371600" indent="0">
+              <a:buNone/>
+              <a:defRPr sz="2000"/>
+            </a:lvl4pPr>
+            <a:lvl5pPr marL="1828800" indent="0">
+              <a:buNone/>
+              <a:defRPr sz="2000"/>
+            </a:lvl5pPr>
+            <a:lvl6pPr marL="2286000" indent="0">
+              <a:buNone/>
+              <a:defRPr sz="2000"/>
+            </a:lvl6pPr>
+            <a:lvl7pPr marL="2743200" indent="0">
+              <a:buNone/>
+              <a:defRPr sz="2000"/>
+            </a:lvl7pPr>
+            <a:lvl8pPr marL="3200400" indent="0">
+              <a:buNone/>
+              <a:defRPr sz="2000"/>
+            </a:lvl8pPr>
+            <a:lvl9pPr marL="3657600" indent="0">
+              <a:buNone/>
+              <a:defRPr sz="2000"/>
+            </a:lvl9pPr>
+          </a:lstStyle>
+          <a:p>
+            <a:r>
+              <a:rPr lang="en-US"/>
+              <a:t>Click icon to add picture</a:t>
+            </a:r>
+            <a:endParaRPr lang="en-US" dirty="0"/>
+          </a:p>
+        </p:txBody>
+      </p:sp>
+      <p:sp>
+        <p:nvSpPr>
+          <p:cNvPr id="4" name="Text Placeholder 3"/>
+          <p:cNvSpPr>
+            <a:spLocks noGrp="1"/>
+          </p:cNvSpPr>
+          <p:nvPr>
+            <p:ph type="body" sz="half" idx="2"/>
+          </p:nvPr>
+        </p:nvSpPr>
+        <p:spPr>
+          <a:xfrm>
+            <a:off x="839788" y="5186516"/>
+            <a:ext cx="10514012" cy="682472"/>
+          </a:xfrm>
+        </p:spPr>
+        <p:txBody>
+          <a:bodyPr/>
+          <a:lstStyle>
+            <a:lvl1pPr marL="0" indent="0">
+              <a:buNone/>
+              <a:defRPr sz="1600">
+                <a:gradFill>
+                  <a:gsLst>
+                    <a:gs pos="15000">
+                      <a:schemeClr val="tx2"/>
+                    </a:gs>
+                    <a:gs pos="73000">
+                      <a:schemeClr val="tx2">
+                        <a:lumMod val="60000"/>
+                        <a:lumOff val="40000"/>
+                      </a:schemeClr>
+                    </a:gs>
+                    <a:gs pos="0">
+                      <a:schemeClr val="tx1"/>
+                    </a:gs>
+                    <a:gs pos="100000">
+                      <a:schemeClr val="tx2">
+                        <a:lumMod val="0"/>
+                        <a:lumOff val="100000"/>
+                      </a:schemeClr>
+                    </a:gs>
+                  </a:gsLst>
+                  <a:lin ang="16200000" scaled="1"/>
+                </a:gradFill>
+              </a:defRPr>
+            </a:lvl1pPr>
+            <a:lvl2pPr marL="457200" indent="0">
+              <a:buNone/>
+              <a:defRPr sz="1400"/>
+            </a:lvl2pPr>
+            <a:lvl3pPr marL="914400" indent="0">
+              <a:buNone/>
+              <a:defRPr sz="1200"/>
+            </a:lvl3pPr>
+            <a:lvl4pPr marL="1371600" indent="0">
+              <a:buNone/>
+              <a:defRPr sz="1000"/>
+            </a:lvl4pPr>
+            <a:lvl5pPr marL="1828800" indent="0">
+              <a:buNone/>
+              <a:defRPr sz="1000"/>
+            </a:lvl5pPr>
+            <a:lvl6pPr marL="2286000" indent="0">
+              <a:buNone/>
+              <a:defRPr sz="1000"/>
+            </a:lvl6pPr>
+            <a:lvl7pPr marL="2743200" indent="0">
+              <a:buNone/>
+              <a:defRPr sz="1000"/>
+            </a:lvl7pPr>
+            <a:lvl8pPr marL="3200400" indent="0">
+              <a:buNone/>
+              <a:defRPr sz="1000"/>
+            </a:lvl8pPr>
+            <a:lvl9pPr marL="3657600" indent="0">
+              <a:buNone/>
+              <a:defRPr sz="1000"/>
+            </a:lvl9pPr>
+          </a:lstStyle>
+          <a:p>
+            <a:pPr lvl="0"/>
+            <a:r>
+              <a:rPr lang="en-US"/>
+              <a:t>Click to edit Master text styles</a:t>
+            </a:r>
+          </a:p>
+        </p:txBody>
+      </p:sp>
+      <p:sp>
+        <p:nvSpPr>
+          <p:cNvPr id="5" name="Date Placeholder 4"/>
+          <p:cNvSpPr>
+            <a:spLocks noGrp="1"/>
+          </p:cNvSpPr>
+          <p:nvPr>
+            <p:ph type="dt" sz="half" idx="10"/>
+          </p:nvPr>
+        </p:nvSpPr>
+        <p:spPr/>
+        <p:txBody>
+          <a:bodyPr/>
+          <a:lstStyle/>
+          <a:p>
+            <a:fld id="{515F6A62-06CA-4DB5-852B-E45D0C348D54}" type="datetimeFigureOut">
+              <a:rPr lang="en-US" smtClean="0"/>
+              <a:t>6/21/2021</a:t>
+            </a:fld>
+            <a:endParaRPr lang="en-US"/>
+          </a:p>
+        </p:txBody>
+      </p:sp>
+      <p:sp>
+        <p:nvSpPr>
+          <p:cNvPr id="6" name="Footer Placeholder 5"/>
+          <p:cNvSpPr>
+            <a:spLocks noGrp="1"/>
+          </p:cNvSpPr>
+          <p:nvPr>
+            <p:ph type="ftr" sz="quarter" idx="11"/>
+          </p:nvPr>
+        </p:nvSpPr>
+        <p:spPr/>
+        <p:txBody>
+          <a:bodyPr/>
+          <a:lstStyle/>
+          <a:p>
+            <a:endParaRPr lang="en-US"/>
+          </a:p>
+        </p:txBody>
+      </p:sp>
+      <p:sp>
+        <p:nvSpPr>
+          <p:cNvPr id="7" name="Slide Number Placeholder 6"/>
+          <p:cNvSpPr>
+            <a:spLocks noGrp="1"/>
+          </p:cNvSpPr>
+          <p:nvPr>
+            <p:ph type="sldNum" sz="quarter" idx="12"/>
+          </p:nvPr>
+        </p:nvSpPr>
+        <p:spPr/>
+        <p:txBody>
+          <a:bodyPr/>
+          <a:lstStyle/>
+          <a:p>
+            <a:fld id="{C578A479-9446-4FA7-B84E-B3815F1021B9}" type="slidenum">
+              <a:rPr lang="en-US" smtClean="0"/>
+              <a:t>‹#›</a:t>
+            </a:fld>
+            <a:endParaRPr lang="en-US"/>
+          </a:p>
+        </p:txBody>
+      </p:sp>
+    </p:spTree>
+    <p:extLst>
+      <p:ext uri="{BB962C8B-B14F-4D97-AF65-F5344CB8AC3E}">
+        <p14:creationId xmlns:p14="http://schemas.microsoft.com/office/powerpoint/2010/main" val="2529186747"/>
+      </p:ext>
+    </p:extLst>
+  </p:cSld>
+  <p:clrMapOvr>
+    <a:masterClrMapping/>
+  </p:clrMapOvr>
+</p:sldLayout>
+</file>
+
+<file path=ppt/slideLayouts/slideLayout11.xml><?xml version="1.0" encoding="utf-8"?>
+<p:sldLayout xmlns:a="http://schemas.openxmlformats.org/drawingml/2006/main" xmlns:r="http://schemas.openxmlformats.org/officeDocument/2006/relationships" xmlns:p="http://schemas.openxmlformats.org/presentationml/2006/main" preserve="1">
+  <p:cSld name="Title and Caption">
+    <p:spTree>
+      <p:nvGrpSpPr>
+        <p:cNvPr id="1" name=""/>
+        <p:cNvGrpSpPr/>
+        <p:nvPr/>
+      </p:nvGrpSpPr>
+      <p:grpSpPr>
+        <a:xfrm>
+          <a:off x="0" y="0"/>
+          <a:ext cx="0" cy="0"/>
+          <a:chOff x="0" y="0"/>
+          <a:chExt cx="0" cy="0"/>
+        </a:xfrm>
+      </p:grpSpPr>
+      <p:sp>
+        <p:nvSpPr>
+          <p:cNvPr id="2" name="Title 1"/>
+          <p:cNvSpPr>
+            <a:spLocks noGrp="1"/>
+          </p:cNvSpPr>
+          <p:nvPr>
+            <p:ph type="title"/>
+          </p:nvPr>
+        </p:nvSpPr>
+        <p:spPr>
+          <a:xfrm>
+            <a:off x="839788" y="365125"/>
+            <a:ext cx="10515600" cy="3534344"/>
+          </a:xfrm>
+        </p:spPr>
+        <p:txBody>
+          <a:bodyPr anchor="ctr"/>
+          <a:lstStyle>
+            <a:lvl1pPr>
+              <a:defRPr sz="3200"/>
+            </a:lvl1pPr>
+          </a:lstStyle>
+          <a:p>
+            <a:r>
+              <a:rPr lang="en-US"/>
+              <a:t>Click to edit Master title style</a:t>
+            </a:r>
+            <a:endParaRPr lang="en-US" dirty="0"/>
+          </a:p>
+        </p:txBody>
+      </p:sp>
+      <p:sp>
+        <p:nvSpPr>
+          <p:cNvPr id="4" name="Text Placeholder 3"/>
+          <p:cNvSpPr>
+            <a:spLocks noGrp="1"/>
+          </p:cNvSpPr>
+          <p:nvPr>
+            <p:ph type="body" sz="half" idx="2"/>
+          </p:nvPr>
+        </p:nvSpPr>
+        <p:spPr>
+          <a:xfrm>
+            <a:off x="839788" y="4489399"/>
+            <a:ext cx="10514012" cy="1501826"/>
+          </a:xfrm>
+        </p:spPr>
+        <p:txBody>
+          <a:bodyPr anchor="ctr"/>
+          <a:lstStyle>
+            <a:lvl1pPr marL="0" indent="0">
+              <a:buNone/>
+              <a:defRPr sz="1600"/>
+            </a:lvl1pPr>
+            <a:lvl2pPr marL="457200" indent="0">
+              <a:buNone/>
+              <a:defRPr sz="1400"/>
+            </a:lvl2pPr>
+            <a:lvl3pPr marL="914400" indent="0">
+              <a:buNone/>
+              <a:defRPr sz="1200"/>
+            </a:lvl3pPr>
+            <a:lvl4pPr marL="1371600" indent="0">
+              <a:buNone/>
+              <a:defRPr sz="1000"/>
+            </a:lvl4pPr>
+            <a:lvl5pPr marL="1828800" indent="0">
+              <a:buNone/>
+              <a:defRPr sz="1000"/>
+            </a:lvl5pPr>
+            <a:lvl6pPr marL="2286000" indent="0">
+              <a:buNone/>
+              <a:defRPr sz="1000"/>
+            </a:lvl6pPr>
+            <a:lvl7pPr marL="2743200" indent="0">
+              <a:buNone/>
+              <a:defRPr sz="1000"/>
+            </a:lvl7pPr>
+            <a:lvl8pPr marL="3200400" indent="0">
+              <a:buNone/>
+              <a:defRPr sz="1000"/>
+            </a:lvl8pPr>
+            <a:lvl9pPr marL="3657600" indent="0">
+              <a:buNone/>
+              <a:defRPr sz="1000"/>
+            </a:lvl9pPr>
+          </a:lstStyle>
+          <a:p>
+            <a:pPr lvl="0"/>
+            <a:r>
+              <a:rPr lang="en-US"/>
+              <a:t>Click to edit Master text styles</a:t>
+            </a:r>
+          </a:p>
+        </p:txBody>
+      </p:sp>
+      <p:sp>
+        <p:nvSpPr>
+          <p:cNvPr id="5" name="Date Placeholder 4"/>
+          <p:cNvSpPr>
+            <a:spLocks noGrp="1"/>
+          </p:cNvSpPr>
+          <p:nvPr>
+            <p:ph type="dt" sz="half" idx="10"/>
+          </p:nvPr>
+        </p:nvSpPr>
+        <p:spPr/>
+        <p:txBody>
+          <a:bodyPr/>
+          <a:lstStyle/>
+          <a:p>
+            <a:fld id="{515F6A62-06CA-4DB5-852B-E45D0C348D54}" type="datetimeFigureOut">
+              <a:rPr lang="en-US" smtClean="0"/>
+              <a:t>6/21/2021</a:t>
+            </a:fld>
+            <a:endParaRPr lang="en-US"/>
+          </a:p>
+        </p:txBody>
+      </p:sp>
+      <p:sp>
+        <p:nvSpPr>
+          <p:cNvPr id="6" name="Footer Placeholder 5"/>
+          <p:cNvSpPr>
+            <a:spLocks noGrp="1"/>
+          </p:cNvSpPr>
+          <p:nvPr>
+            <p:ph type="ftr" sz="quarter" idx="11"/>
+          </p:nvPr>
+        </p:nvSpPr>
+        <p:spPr/>
+        <p:txBody>
+          <a:bodyPr/>
+          <a:lstStyle/>
+          <a:p>
+            <a:endParaRPr lang="en-US"/>
+          </a:p>
+        </p:txBody>
+      </p:sp>
+      <p:sp>
+        <p:nvSpPr>
+          <p:cNvPr id="7" name="Slide Number Placeholder 6"/>
+          <p:cNvSpPr>
+            <a:spLocks noGrp="1"/>
+          </p:cNvSpPr>
+          <p:nvPr>
+            <p:ph type="sldNum" sz="quarter" idx="12"/>
+          </p:nvPr>
+        </p:nvSpPr>
+        <p:spPr/>
+        <p:txBody>
+          <a:bodyPr/>
+          <a:lstStyle/>
+          <a:p>
+            <a:fld id="{C578A479-9446-4FA7-B84E-B3815F1021B9}" type="slidenum">
+              <a:rPr lang="en-US" smtClean="0"/>
+              <a:t>‹#›</a:t>
+            </a:fld>
+            <a:endParaRPr lang="en-US"/>
+          </a:p>
+        </p:txBody>
+      </p:sp>
+    </p:spTree>
+    <p:extLst>
+      <p:ext uri="{BB962C8B-B14F-4D97-AF65-F5344CB8AC3E}">
+        <p14:creationId xmlns:p14="http://schemas.microsoft.com/office/powerpoint/2010/main" val="2385563301"/>
+      </p:ext>
+    </p:extLst>
+  </p:cSld>
+  <p:clrMapOvr>
+    <a:masterClrMapping/>
+  </p:clrMapOvr>
+</p:sldLayout>
+</file>
+
+<file path=ppt/slideLayouts/slideLayout12.xml><?xml version="1.0" encoding="utf-8"?>
+<p:sldLayout xmlns:a="http://schemas.openxmlformats.org/drawingml/2006/main" xmlns:r="http://schemas.openxmlformats.org/officeDocument/2006/relationships" xmlns:p="http://schemas.openxmlformats.org/presentationml/2006/main" preserve="1">
+  <p:cSld name="Quote with Caption">
+    <p:spTree>
+      <p:nvGrpSpPr>
+        <p:cNvPr id="1" name=""/>
+        <p:cNvGrpSpPr/>
+        <p:nvPr/>
+      </p:nvGrpSpPr>
+      <p:grpSpPr>
+        <a:xfrm>
+          <a:off x="0" y="0"/>
+          <a:ext cx="0" cy="0"/>
+          <a:chOff x="0" y="0"/>
+          <a:chExt cx="0" cy="0"/>
+        </a:xfrm>
+      </p:grpSpPr>
+      <p:sp>
+        <p:nvSpPr>
+          <p:cNvPr id="2" name="Title 1"/>
+          <p:cNvSpPr>
+            <a:spLocks noGrp="1"/>
+          </p:cNvSpPr>
+          <p:nvPr>
+            <p:ph type="title"/>
+          </p:nvPr>
+        </p:nvSpPr>
+        <p:spPr>
+          <a:xfrm>
+            <a:off x="1446212" y="365125"/>
+            <a:ext cx="9302752" cy="2992904"/>
+          </a:xfrm>
+        </p:spPr>
+        <p:txBody>
+          <a:bodyPr anchor="ctr"/>
+          <a:lstStyle>
+            <a:lvl1pPr>
+              <a:defRPr sz="4400"/>
+            </a:lvl1pPr>
+          </a:lstStyle>
+          <a:p>
+            <a:r>
+              <a:rPr lang="en-US"/>
+              <a:t>Click to edit Master title style</a:t>
+            </a:r>
+            <a:endParaRPr lang="en-US" dirty="0"/>
+          </a:p>
+        </p:txBody>
+      </p:sp>
+      <p:sp>
+        <p:nvSpPr>
+          <p:cNvPr id="12" name="Text Placeholder 3"/>
+          <p:cNvSpPr>
+            <a:spLocks noGrp="1"/>
+          </p:cNvSpPr>
+          <p:nvPr>
+            <p:ph type="body" sz="half" idx="13"/>
+          </p:nvPr>
+        </p:nvSpPr>
+        <p:spPr>
+          <a:xfrm>
+            <a:off x="1720644" y="3365557"/>
+            <a:ext cx="8752299" cy="548968"/>
+          </a:xfrm>
+        </p:spPr>
+        <p:txBody>
+          <a:bodyPr anchor="t">
+            <a:normAutofit/>
+          </a:bodyPr>
+          <a:lstStyle>
+            <a:lvl1pPr marL="0" indent="0">
+              <a:buNone/>
+              <a:defRPr sz="1400"/>
+            </a:lvl1pPr>
+            <a:lvl2pPr marL="457200" indent="0">
+              <a:buNone/>
+              <a:defRPr sz="1400"/>
+            </a:lvl2pPr>
+            <a:lvl3pPr marL="914400" indent="0">
+              <a:buNone/>
+              <a:defRPr sz="1200"/>
+            </a:lvl3pPr>
+            <a:lvl4pPr marL="1371600" indent="0">
+              <a:buNone/>
+              <a:defRPr sz="1000"/>
+            </a:lvl4pPr>
+            <a:lvl5pPr marL="1828800" indent="0">
+              <a:buNone/>
+              <a:defRPr sz="1000"/>
+            </a:lvl5pPr>
+            <a:lvl6pPr marL="2286000" indent="0">
+              <a:buNone/>
+              <a:defRPr sz="1000"/>
+            </a:lvl6pPr>
+            <a:lvl7pPr marL="2743200" indent="0">
+              <a:buNone/>
+              <a:defRPr sz="1000"/>
+            </a:lvl7pPr>
+            <a:lvl8pPr marL="3200400" indent="0">
+              <a:buNone/>
+              <a:defRPr sz="1000"/>
+            </a:lvl8pPr>
+            <a:lvl9pPr marL="3657600" indent="0">
+              <a:buNone/>
+              <a:defRPr sz="1000"/>
+            </a:lvl9pPr>
+          </a:lstStyle>
+          <a:p>
+            <a:pPr lvl="0"/>
+            <a:r>
+              <a:rPr lang="en-US"/>
+              <a:t>Click to edit Master text styles</a:t>
+            </a:r>
+          </a:p>
+        </p:txBody>
+      </p:sp>
+      <p:sp>
+        <p:nvSpPr>
+          <p:cNvPr id="4" name="Text Placeholder 3"/>
+          <p:cNvSpPr>
+            <a:spLocks noGrp="1"/>
+          </p:cNvSpPr>
+          <p:nvPr>
+            <p:ph type="body" sz="half" idx="2"/>
+          </p:nvPr>
+        </p:nvSpPr>
+        <p:spPr>
+          <a:xfrm>
+            <a:off x="838200" y="4501729"/>
+            <a:ext cx="10512424" cy="1489496"/>
+          </a:xfrm>
+        </p:spPr>
+        <p:txBody>
+          <a:bodyPr anchor="ctr">
+            <a:normAutofit/>
+          </a:bodyPr>
+          <a:lstStyle>
+            <a:lvl1pPr marL="0" indent="0">
+              <a:buNone/>
+              <a:defRPr sz="1600"/>
+            </a:lvl1pPr>
+            <a:lvl2pPr marL="457200" indent="0">
+              <a:buNone/>
+              <a:defRPr sz="1400"/>
+            </a:lvl2pPr>
+            <a:lvl3pPr marL="914400" indent="0">
+              <a:buNone/>
+              <a:defRPr sz="1200"/>
+            </a:lvl3pPr>
+            <a:lvl4pPr marL="1371600" indent="0">
+              <a:buNone/>
+              <a:defRPr sz="1000"/>
+            </a:lvl4pPr>
+            <a:lvl5pPr marL="1828800" indent="0">
+              <a:buNone/>
+              <a:defRPr sz="1000"/>
+            </a:lvl5pPr>
+            <a:lvl6pPr marL="2286000" indent="0">
+              <a:buNone/>
+              <a:defRPr sz="1000"/>
+            </a:lvl6pPr>
+            <a:lvl7pPr marL="2743200" indent="0">
+              <a:buNone/>
+              <a:defRPr sz="1000"/>
+            </a:lvl7pPr>
+            <a:lvl8pPr marL="3200400" indent="0">
+              <a:buNone/>
+              <a:defRPr sz="1000"/>
+            </a:lvl8pPr>
+            <a:lvl9pPr marL="3657600" indent="0">
+              <a:buNone/>
+              <a:defRPr sz="1000"/>
+            </a:lvl9pPr>
+          </a:lstStyle>
+          <a:p>
+            <a:pPr lvl="0"/>
+            <a:r>
+              <a:rPr lang="en-US"/>
+              <a:t>Click to edit Master text styles</a:t>
+            </a:r>
+          </a:p>
+        </p:txBody>
+      </p:sp>
+      <p:sp>
+        <p:nvSpPr>
+          <p:cNvPr id="5" name="Date Placeholder 4"/>
+          <p:cNvSpPr>
+            <a:spLocks noGrp="1"/>
+          </p:cNvSpPr>
+          <p:nvPr>
+            <p:ph type="dt" sz="half" idx="10"/>
+          </p:nvPr>
+        </p:nvSpPr>
+        <p:spPr/>
+        <p:txBody>
+          <a:bodyPr/>
+          <a:lstStyle/>
+          <a:p>
+            <a:fld id="{515F6A62-06CA-4DB5-852B-E45D0C348D54}" type="datetimeFigureOut">
+              <a:rPr lang="en-US" smtClean="0"/>
+              <a:t>6/21/2021</a:t>
+            </a:fld>
+            <a:endParaRPr lang="en-US"/>
+          </a:p>
+        </p:txBody>
+      </p:sp>
+      <p:sp>
+        <p:nvSpPr>
+          <p:cNvPr id="6" name="Footer Placeholder 5"/>
+          <p:cNvSpPr>
+            <a:spLocks noGrp="1"/>
+          </p:cNvSpPr>
+          <p:nvPr>
+            <p:ph type="ftr" sz="quarter" idx="11"/>
+          </p:nvPr>
+        </p:nvSpPr>
+        <p:spPr/>
+        <p:txBody>
+          <a:bodyPr/>
+          <a:lstStyle/>
+          <a:p>
+            <a:endParaRPr lang="en-US"/>
+          </a:p>
+        </p:txBody>
+      </p:sp>
+      <p:sp>
+        <p:nvSpPr>
+          <p:cNvPr id="7" name="Slide Number Placeholder 6"/>
+          <p:cNvSpPr>
+            <a:spLocks noGrp="1"/>
+          </p:cNvSpPr>
+          <p:nvPr>
+            <p:ph type="sldNum" sz="quarter" idx="12"/>
+          </p:nvPr>
+        </p:nvSpPr>
+        <p:spPr/>
+        <p:txBody>
+          <a:bodyPr/>
+          <a:lstStyle/>
+          <a:p>
+            <a:fld id="{C578A479-9446-4FA7-B84E-B3815F1021B9}" type="slidenum">
+              <a:rPr lang="en-US" smtClean="0"/>
+              <a:t>‹#›</a:t>
+            </a:fld>
+            <a:endParaRPr lang="en-US"/>
+          </a:p>
+        </p:txBody>
+      </p:sp>
+      <p:sp>
+        <p:nvSpPr>
+          <p:cNvPr id="9" name="TextBox 8"/>
+          <p:cNvSpPr txBox="1"/>
+          <p:nvPr/>
+        </p:nvSpPr>
+        <p:spPr>
+          <a:xfrm>
+            <a:off x="1111044" y="786824"/>
+            <a:ext cx="609600" cy="584776"/>
+          </a:xfrm>
+          <a:prstGeom prst="rect">
+            <a:avLst/>
+          </a:prstGeom>
+        </p:spPr>
+        <p:txBody>
+          <a:bodyPr vert="horz" lIns="91440" tIns="45720" rIns="91440" bIns="45720" rtlCol="0" anchor="ctr">
+            <a:noAutofit/>
+          </a:bodyPr>
+          <a:lstStyle>
+            <a:lvl1pPr>
+              <a:spcBef>
+                <a:spcPct val="0"/>
+              </a:spcBef>
+              <a:buNone/>
+              <a:defRPr sz="3200" b="0" cap="all">
+                <a:ln w="3175" cmpd="sng">
+                  <a:noFill/>
+                </a:ln>
+                <a:effectLst>
+                  <a:glow rad="38100">
+                    <a:schemeClr val="bg1">
+                      <a:lumMod val="65000"/>
+                      <a:lumOff val="35000"/>
+                      <a:alpha val="40000"/>
+                    </a:schemeClr>
+                  </a:glow>
+                  <a:outerShdw blurRad="28575" dist="38100" dir="14040000" algn="tl" rotWithShape="0">
+                    <a:srgbClr val="000000">
+                      <a:alpha val="25000"/>
+                    </a:srgbClr>
+                  </a:outerShdw>
+                </a:effectLst>
+              </a:defRPr>
+            </a:lvl1pPr>
+            <a:lvl2pPr>
+              <a:defRPr>
+                <a:solidFill>
+                  <a:schemeClr val="tx2"/>
+                </a:solidFill>
+              </a:defRPr>
+            </a:lvl2pPr>
+            <a:lvl3pPr>
+              <a:defRPr>
+                <a:solidFill>
+                  <a:schemeClr val="tx2"/>
+                </a:solidFill>
+              </a:defRPr>
+            </a:lvl3pPr>
+            <a:lvl4pPr>
+              <a:defRPr>
+                <a:solidFill>
+                  <a:schemeClr val="tx2"/>
+                </a:solidFill>
+              </a:defRPr>
+            </a:lvl4pPr>
+            <a:lvl5pPr>
+              <a:defRPr>
+                <a:solidFill>
+                  <a:schemeClr val="tx2"/>
+                </a:solidFill>
+              </a:defRPr>
+            </a:lvl5pPr>
+            <a:lvl6pPr>
+              <a:defRPr>
+                <a:solidFill>
+                  <a:schemeClr val="tx2"/>
+                </a:solidFill>
+              </a:defRPr>
+            </a:lvl6pPr>
+            <a:lvl7pPr>
+              <a:defRPr>
+                <a:solidFill>
+                  <a:schemeClr val="tx2"/>
+                </a:solidFill>
+              </a:defRPr>
+            </a:lvl7pPr>
+            <a:lvl8pPr>
+              <a:defRPr>
+                <a:solidFill>
+                  <a:schemeClr val="tx2"/>
+                </a:solidFill>
+              </a:defRPr>
+            </a:lvl8pPr>
+            <a:lvl9pPr>
+              <a:defRPr>
+                <a:solidFill>
+                  <a:schemeClr val="tx2"/>
+                </a:solidFill>
+              </a:defRPr>
+            </a:lvl9pPr>
+          </a:lstStyle>
+          <a:p>
+            <a:pPr lvl="0"/>
+            <a:r>
+              <a:rPr lang="en-US" sz="8000" dirty="0">
+                <a:solidFill>
+                  <a:schemeClr val="tx1"/>
+                </a:solidFill>
+                <a:effectLst/>
+              </a:rPr>
+              <a:t>“</a:t>
+            </a:r>
+          </a:p>
+        </p:txBody>
+      </p:sp>
+      <p:sp>
+        <p:nvSpPr>
+          <p:cNvPr id="10" name="TextBox 9"/>
+          <p:cNvSpPr txBox="1"/>
+          <p:nvPr/>
+        </p:nvSpPr>
+        <p:spPr>
+          <a:xfrm>
+            <a:off x="10437812" y="2743200"/>
+            <a:ext cx="609600" cy="584776"/>
+          </a:xfrm>
+          <a:prstGeom prst="rect">
+            <a:avLst/>
+          </a:prstGeom>
+        </p:spPr>
+        <p:txBody>
+          <a:bodyPr vert="horz" lIns="91440" tIns="45720" rIns="91440" bIns="45720" rtlCol="0" anchor="ctr">
+            <a:noAutofit/>
+          </a:bodyPr>
+          <a:lstStyle>
+            <a:lvl1pPr>
+              <a:spcBef>
+                <a:spcPct val="0"/>
+              </a:spcBef>
+              <a:buNone/>
+              <a:defRPr sz="3200" b="0" cap="all">
+                <a:ln w="3175" cmpd="sng">
+                  <a:noFill/>
+                </a:ln>
+                <a:effectLst>
+                  <a:glow rad="38100">
+                    <a:schemeClr val="bg1">
+                      <a:lumMod val="65000"/>
+                      <a:lumOff val="35000"/>
+                      <a:alpha val="40000"/>
+                    </a:schemeClr>
+                  </a:glow>
+                  <a:outerShdw blurRad="28575" dist="38100" dir="14040000" algn="tl" rotWithShape="0">
+                    <a:srgbClr val="000000">
+                      <a:alpha val="25000"/>
+                    </a:srgbClr>
+                  </a:outerShdw>
+                </a:effectLst>
+              </a:defRPr>
+            </a:lvl1pPr>
+            <a:lvl2pPr>
+              <a:defRPr>
+                <a:solidFill>
+                  <a:schemeClr val="tx2"/>
+                </a:solidFill>
+              </a:defRPr>
+            </a:lvl2pPr>
+            <a:lvl3pPr>
+              <a:defRPr>
+                <a:solidFill>
+                  <a:schemeClr val="tx2"/>
+                </a:solidFill>
+              </a:defRPr>
+            </a:lvl3pPr>
+            <a:lvl4pPr>
+              <a:defRPr>
+                <a:solidFill>
+                  <a:schemeClr val="tx2"/>
+                </a:solidFill>
+              </a:defRPr>
+            </a:lvl4pPr>
+            <a:lvl5pPr>
+              <a:defRPr>
+                <a:solidFill>
+                  <a:schemeClr val="tx2"/>
+                </a:solidFill>
+              </a:defRPr>
+            </a:lvl5pPr>
+            <a:lvl6pPr>
+              <a:defRPr>
+                <a:solidFill>
+                  <a:schemeClr val="tx2"/>
+                </a:solidFill>
+              </a:defRPr>
+            </a:lvl6pPr>
+            <a:lvl7pPr>
+              <a:defRPr>
+                <a:solidFill>
+                  <a:schemeClr val="tx2"/>
+                </a:solidFill>
+              </a:defRPr>
+            </a:lvl7pPr>
+            <a:lvl8pPr>
+              <a:defRPr>
+                <a:solidFill>
+                  <a:schemeClr val="tx2"/>
+                </a:solidFill>
+              </a:defRPr>
+            </a:lvl8pPr>
+            <a:lvl9pPr>
+              <a:defRPr>
+                <a:solidFill>
+                  <a:schemeClr val="tx2"/>
+                </a:solidFill>
+              </a:defRPr>
+            </a:lvl9pPr>
+          </a:lstStyle>
+          <a:p>
+            <a:pPr lvl="0" algn="r"/>
+            <a:r>
+              <a:rPr lang="en-US" sz="8000" dirty="0">
+                <a:solidFill>
+                  <a:schemeClr val="tx1"/>
+                </a:solidFill>
+                <a:effectLst/>
+              </a:rPr>
+              <a:t>”</a:t>
+            </a:r>
+          </a:p>
+        </p:txBody>
+      </p:sp>
+    </p:spTree>
+    <p:extLst>
+      <p:ext uri="{BB962C8B-B14F-4D97-AF65-F5344CB8AC3E}">
+        <p14:creationId xmlns:p14="http://schemas.microsoft.com/office/powerpoint/2010/main" val="72784325"/>
+      </p:ext>
+    </p:extLst>
+  </p:cSld>
+  <p:clrMapOvr>
+    <a:masterClrMapping/>
+  </p:clrMapOvr>
+</p:sldLayout>
+</file>
+
+<file path=ppt/slideLayouts/slideLayout13.xml><?xml version="1.0" encoding="utf-8"?>
+<p:sldLayout xmlns:a="http://schemas.openxmlformats.org/drawingml/2006/main" xmlns:r="http://schemas.openxmlformats.org/officeDocument/2006/relationships" xmlns:p="http://schemas.openxmlformats.org/presentationml/2006/main" preserve="1">
+  <p:cSld name="Name Card">
+    <p:spTree>
+      <p:nvGrpSpPr>
+        <p:cNvPr id="1" name=""/>
+        <p:cNvGrpSpPr/>
+        <p:nvPr/>
+      </p:nvGrpSpPr>
+      <p:grpSpPr>
+        <a:xfrm>
+          <a:off x="0" y="0"/>
+          <a:ext cx="0" cy="0"/>
+          <a:chOff x="0" y="0"/>
+          <a:chExt cx="0" cy="0"/>
+        </a:xfrm>
+      </p:grpSpPr>
+      <p:sp>
+        <p:nvSpPr>
+          <p:cNvPr id="2" name="Title 1"/>
+          <p:cNvSpPr>
+            <a:spLocks noGrp="1"/>
+          </p:cNvSpPr>
+          <p:nvPr>
+            <p:ph type="title"/>
+          </p:nvPr>
+        </p:nvSpPr>
+        <p:spPr>
+          <a:xfrm>
+            <a:off x="839788" y="2326967"/>
+            <a:ext cx="10515600" cy="2511835"/>
+          </a:xfrm>
+        </p:spPr>
+        <p:txBody>
+          <a:bodyPr anchor="b">
+            <a:normAutofit/>
+          </a:bodyPr>
+          <a:lstStyle>
+            <a:lvl1pPr>
+              <a:defRPr sz="5400"/>
+            </a:lvl1pPr>
+          </a:lstStyle>
+          <a:p>
+            <a:r>
+              <a:rPr lang="en-US"/>
+              <a:t>Click to edit Master title style</a:t>
+            </a:r>
+            <a:endParaRPr lang="en-US" dirty="0"/>
+          </a:p>
+        </p:txBody>
+      </p:sp>
+      <p:sp>
+        <p:nvSpPr>
+          <p:cNvPr id="4" name="Text Placeholder 3"/>
+          <p:cNvSpPr>
+            <a:spLocks noGrp="1"/>
+          </p:cNvSpPr>
+          <p:nvPr>
+            <p:ph type="body" sz="half" idx="2"/>
+          </p:nvPr>
+        </p:nvSpPr>
+        <p:spPr>
+          <a:xfrm>
+            <a:off x="839788" y="4850581"/>
+            <a:ext cx="10514012" cy="1140644"/>
+          </a:xfrm>
+        </p:spPr>
+        <p:txBody>
+          <a:bodyPr anchor="t"/>
+          <a:lstStyle>
+            <a:lvl1pPr marL="0" indent="0">
+              <a:buNone/>
+              <a:defRPr sz="1600"/>
+            </a:lvl1pPr>
+            <a:lvl2pPr marL="457200" indent="0">
+              <a:buNone/>
+              <a:defRPr sz="1400"/>
+            </a:lvl2pPr>
+            <a:lvl3pPr marL="914400" indent="0">
+              <a:buNone/>
+              <a:defRPr sz="1200"/>
+            </a:lvl3pPr>
+            <a:lvl4pPr marL="1371600" indent="0">
+              <a:buNone/>
+              <a:defRPr sz="1000"/>
+            </a:lvl4pPr>
+            <a:lvl5pPr marL="1828800" indent="0">
+              <a:buNone/>
+              <a:defRPr sz="1000"/>
+            </a:lvl5pPr>
+            <a:lvl6pPr marL="2286000" indent="0">
+              <a:buNone/>
+              <a:defRPr sz="1000"/>
+            </a:lvl6pPr>
+            <a:lvl7pPr marL="2743200" indent="0">
+              <a:buNone/>
+              <a:defRPr sz="1000"/>
+            </a:lvl7pPr>
+            <a:lvl8pPr marL="3200400" indent="0">
+              <a:buNone/>
+              <a:defRPr sz="1000"/>
+            </a:lvl8pPr>
+            <a:lvl9pPr marL="3657600" indent="0">
+              <a:buNone/>
+              <a:defRPr sz="1000"/>
+            </a:lvl9pPr>
+          </a:lstStyle>
+          <a:p>
+            <a:pPr lvl="0"/>
+            <a:r>
+              <a:rPr lang="en-US"/>
+              <a:t>Click to edit Master text styles</a:t>
+            </a:r>
+          </a:p>
+        </p:txBody>
+      </p:sp>
+      <p:sp>
+        <p:nvSpPr>
+          <p:cNvPr id="5" name="Date Placeholder 4"/>
+          <p:cNvSpPr>
+            <a:spLocks noGrp="1"/>
+          </p:cNvSpPr>
+          <p:nvPr>
+            <p:ph type="dt" sz="half" idx="10"/>
+          </p:nvPr>
+        </p:nvSpPr>
+        <p:spPr/>
+        <p:txBody>
+          <a:bodyPr/>
+          <a:lstStyle/>
+          <a:p>
+            <a:fld id="{515F6A62-06CA-4DB5-852B-E45D0C348D54}" type="datetimeFigureOut">
+              <a:rPr lang="en-US" smtClean="0"/>
+              <a:t>6/21/2021</a:t>
+            </a:fld>
+            <a:endParaRPr lang="en-US"/>
+          </a:p>
+        </p:txBody>
+      </p:sp>
+      <p:sp>
+        <p:nvSpPr>
+          <p:cNvPr id="6" name="Footer Placeholder 5"/>
+          <p:cNvSpPr>
+            <a:spLocks noGrp="1"/>
+          </p:cNvSpPr>
+          <p:nvPr>
+            <p:ph type="ftr" sz="quarter" idx="11"/>
+          </p:nvPr>
+        </p:nvSpPr>
+        <p:spPr/>
+        <p:txBody>
+          <a:bodyPr/>
+          <a:lstStyle/>
+          <a:p>
+            <a:endParaRPr lang="en-US"/>
+          </a:p>
+        </p:txBody>
+      </p:sp>
+      <p:sp>
+        <p:nvSpPr>
+          <p:cNvPr id="7" name="Slide Number Placeholder 6"/>
+          <p:cNvSpPr>
+            <a:spLocks noGrp="1"/>
+          </p:cNvSpPr>
+          <p:nvPr>
+            <p:ph type="sldNum" sz="quarter" idx="12"/>
+          </p:nvPr>
+        </p:nvSpPr>
+        <p:spPr/>
+        <p:txBody>
+          <a:bodyPr/>
+          <a:lstStyle/>
+          <a:p>
+            <a:fld id="{C578A479-9446-4FA7-B84E-B3815F1021B9}" type="slidenum">
+              <a:rPr lang="en-US" smtClean="0"/>
+              <a:t>‹#›</a:t>
+            </a:fld>
+            <a:endParaRPr lang="en-US"/>
+          </a:p>
+        </p:txBody>
+      </p:sp>
+    </p:spTree>
+    <p:extLst>
+      <p:ext uri="{BB962C8B-B14F-4D97-AF65-F5344CB8AC3E}">
+        <p14:creationId xmlns:p14="http://schemas.microsoft.com/office/powerpoint/2010/main" val="2972372238"/>
+      </p:ext>
+    </p:extLst>
+  </p:cSld>
+  <p:clrMapOvr>
+    <a:masterClrMapping/>
+  </p:clrMapOvr>
+</p:sldLayout>
+</file>
+
+<file path=ppt/slideLayouts/slideLayout14.xml><?xml version="1.0" encoding="utf-8"?>
+<p:sldLayout xmlns:a="http://schemas.openxmlformats.org/drawingml/2006/main" xmlns:r="http://schemas.openxmlformats.org/officeDocument/2006/relationships" xmlns:p="http://schemas.openxmlformats.org/presentationml/2006/main" preserve="1">
+  <p:cSld name="3 Column">
+    <p:spTree>
+      <p:nvGrpSpPr>
+        <p:cNvPr id="1" name=""/>
+        <p:cNvGrpSpPr/>
+        <p:nvPr/>
+      </p:nvGrpSpPr>
+      <p:grpSpPr>
+        <a:xfrm>
+          <a:off x="0" y="0"/>
+          <a:ext cx="0" cy="0"/>
+          <a:chOff x="0" y="0"/>
+          <a:chExt cx="0" cy="0"/>
+        </a:xfrm>
+      </p:grpSpPr>
+      <p:sp>
+        <p:nvSpPr>
+          <p:cNvPr id="15" name="Title 1"/>
+          <p:cNvSpPr>
+            <a:spLocks noGrp="1"/>
+          </p:cNvSpPr>
+          <p:nvPr>
+            <p:ph type="title"/>
+          </p:nvPr>
+        </p:nvSpPr>
+        <p:spPr>
+          <a:xfrm>
+            <a:off x="838200" y="365125"/>
+            <a:ext cx="10515600" cy="1325563"/>
+          </a:xfrm>
+        </p:spPr>
+        <p:txBody>
+          <a:bodyPr/>
+          <a:lstStyle/>
+          <a:p>
+            <a:r>
+              <a:rPr lang="en-US"/>
+              <a:t>Click to edit Master title style</a:t>
+            </a:r>
+            <a:endParaRPr lang="en-US" dirty="0"/>
+          </a:p>
+        </p:txBody>
+      </p:sp>
+      <p:sp>
+        <p:nvSpPr>
+          <p:cNvPr id="7" name="Text Placeholder 2"/>
+          <p:cNvSpPr>
+            <a:spLocks noGrp="1"/>
+          </p:cNvSpPr>
+          <p:nvPr>
+            <p:ph type="body" idx="1"/>
+          </p:nvPr>
+        </p:nvSpPr>
+        <p:spPr>
+          <a:xfrm>
+            <a:off x="1337282" y="1885950"/>
+            <a:ext cx="2946866" cy="576262"/>
+          </a:xfrm>
+        </p:spPr>
+        <p:txBody>
+          <a:bodyPr anchor="b">
+            <a:noAutofit/>
+          </a:bodyPr>
+          <a:lstStyle>
+            <a:lvl1pPr marL="0" indent="0">
+              <a:buNone/>
+              <a:defRPr sz="2400" b="0">
+                <a:gradFill>
+                  <a:gsLst>
+                    <a:gs pos="15000">
+                      <a:schemeClr val="tx2"/>
+                    </a:gs>
+                    <a:gs pos="73000">
+                      <a:schemeClr val="tx2">
+                        <a:lumMod val="60000"/>
+                        <a:lumOff val="40000"/>
+                      </a:schemeClr>
+                    </a:gs>
+                    <a:gs pos="0">
+                      <a:schemeClr val="tx2">
+                        <a:lumMod val="90000"/>
+                        <a:lumOff val="10000"/>
+                      </a:schemeClr>
+                    </a:gs>
+                    <a:gs pos="100000">
+                      <a:schemeClr val="tx2">
+                        <a:lumMod val="0"/>
+                        <a:lumOff val="100000"/>
+                      </a:schemeClr>
+                    </a:gs>
+                  </a:gsLst>
+                  <a:lin ang="16200000" scaled="1"/>
+                </a:gradFill>
+              </a:defRPr>
+            </a:lvl1pPr>
+            <a:lvl2pPr marL="457200" indent="0">
+              <a:buNone/>
+              <a:defRPr sz="2000" b="1"/>
+            </a:lvl2pPr>
+            <a:lvl3pPr marL="914400" indent="0">
+              <a:buNone/>
+              <a:defRPr sz="1800" b="1"/>
+            </a:lvl3pPr>
+            <a:lvl4pPr marL="1371600" indent="0">
+              <a:buNone/>
+              <a:defRPr sz="1600" b="1"/>
+            </a:lvl4pPr>
+            <a:lvl5pPr marL="1828800" indent="0">
+              <a:buNone/>
+              <a:defRPr sz="1600" b="1"/>
+            </a:lvl5pPr>
+            <a:lvl6pPr marL="2286000" indent="0">
+              <a:buNone/>
+              <a:defRPr sz="1600" b="1"/>
+            </a:lvl6pPr>
+            <a:lvl7pPr marL="2743200" indent="0">
+              <a:buNone/>
+              <a:defRPr sz="1600" b="1"/>
+            </a:lvl7pPr>
+            <a:lvl8pPr marL="3200400" indent="0">
+              <a:buNone/>
+              <a:defRPr sz="1600" b="1"/>
+            </a:lvl8pPr>
+            <a:lvl9pPr marL="3657600" indent="0">
+              <a:buNone/>
+              <a:defRPr sz="1600" b="1"/>
+            </a:lvl9pPr>
+          </a:lstStyle>
+          <a:p>
+            <a:pPr lvl="0"/>
+            <a:r>
+              <a:rPr lang="en-US"/>
+              <a:t>Click to edit Master text styles</a:t>
+            </a:r>
+          </a:p>
+        </p:txBody>
+      </p:sp>
+      <p:sp>
+        <p:nvSpPr>
+          <p:cNvPr id="8" name="Text Placeholder 3"/>
+          <p:cNvSpPr>
+            <a:spLocks noGrp="1"/>
+          </p:cNvSpPr>
+          <p:nvPr>
+            <p:ph type="body" sz="half" idx="15"/>
+          </p:nvPr>
+        </p:nvSpPr>
+        <p:spPr>
+          <a:xfrm>
+            <a:off x="1356798" y="2571750"/>
+            <a:ext cx="2927350" cy="3589338"/>
+          </a:xfrm>
+        </p:spPr>
+        <p:txBody>
+          <a:bodyPr anchor="t">
+            <a:normAutofit/>
+          </a:bodyPr>
+          <a:lstStyle>
+            <a:lvl1pPr marL="0" indent="0">
+              <a:buNone/>
+              <a:defRPr sz="1400"/>
+            </a:lvl1pPr>
+            <a:lvl2pPr marL="457200" indent="0">
+              <a:buNone/>
+              <a:defRPr sz="1200"/>
+            </a:lvl2pPr>
+            <a:lvl3pPr marL="914400" indent="0">
+              <a:buNone/>
+              <a:defRPr sz="1000"/>
+            </a:lvl3pPr>
+            <a:lvl4pPr marL="1371600" indent="0">
+              <a:buNone/>
+              <a:defRPr sz="900"/>
+            </a:lvl4pPr>
+            <a:lvl5pPr marL="1828800" indent="0">
+              <a:buNone/>
+              <a:defRPr sz="900"/>
+            </a:lvl5pPr>
+            <a:lvl6pPr marL="2286000" indent="0">
+              <a:buNone/>
+              <a:defRPr sz="900"/>
+            </a:lvl6pPr>
+            <a:lvl7pPr marL="2743200" indent="0">
+              <a:buNone/>
+              <a:defRPr sz="900"/>
+            </a:lvl7pPr>
+            <a:lvl8pPr marL="3200400" indent="0">
+              <a:buNone/>
+              <a:defRPr sz="900"/>
+            </a:lvl8pPr>
+            <a:lvl9pPr marL="3657600" indent="0">
+              <a:buNone/>
+              <a:defRPr sz="900"/>
+            </a:lvl9pPr>
+          </a:lstStyle>
+          <a:p>
+            <a:pPr lvl="0"/>
+            <a:r>
+              <a:rPr lang="en-US"/>
+              <a:t>Click to edit Master text styles</a:t>
+            </a:r>
+          </a:p>
+        </p:txBody>
+      </p:sp>
+      <p:sp>
+        <p:nvSpPr>
+          <p:cNvPr id="9" name="Text Placeholder 4"/>
+          <p:cNvSpPr>
+            <a:spLocks noGrp="1"/>
+          </p:cNvSpPr>
+          <p:nvPr>
+            <p:ph type="body" sz="quarter" idx="3"/>
+          </p:nvPr>
+        </p:nvSpPr>
+        <p:spPr>
+          <a:xfrm>
+            <a:off x="4587994" y="1885950"/>
+            <a:ext cx="2936241" cy="576262"/>
+          </a:xfrm>
+        </p:spPr>
+        <p:txBody>
+          <a:bodyPr vert="horz" lIns="91440" tIns="45720" rIns="91440" bIns="45720" rtlCol="0" anchor="b">
+            <a:noAutofit/>
+          </a:bodyPr>
+          <a:lstStyle>
+            <a:lvl1pPr>
+              <a:buNone/>
+              <a:defRPr lang="en-US" sz="2400" b="0">
+                <a:gradFill>
+                  <a:gsLst>
+                    <a:gs pos="15000">
+                      <a:schemeClr val="tx2"/>
+                    </a:gs>
+                    <a:gs pos="73000">
+                      <a:schemeClr val="tx2">
+                        <a:lumMod val="60000"/>
+                        <a:lumOff val="40000"/>
+                      </a:schemeClr>
+                    </a:gs>
+                    <a:gs pos="0">
+                      <a:schemeClr val="tx2">
+                        <a:lumMod val="90000"/>
+                        <a:lumOff val="10000"/>
+                      </a:schemeClr>
+                    </a:gs>
+                    <a:gs pos="100000">
+                      <a:schemeClr val="tx2">
+                        <a:lumMod val="0"/>
+                        <a:lumOff val="100000"/>
+                      </a:schemeClr>
+                    </a:gs>
+                  </a:gsLst>
+                  <a:lin ang="16200000" scaled="1"/>
+                </a:gradFill>
+              </a:defRPr>
+            </a:lvl1pPr>
+          </a:lstStyle>
+          <a:p>
+            <a:pPr marL="0" lvl="0" indent="0">
+              <a:buNone/>
+            </a:pPr>
+            <a:r>
+              <a:rPr lang="en-US"/>
+              <a:t>Click to edit Master text styles</a:t>
+            </a:r>
+          </a:p>
+        </p:txBody>
+      </p:sp>
+      <p:sp>
+        <p:nvSpPr>
+          <p:cNvPr id="10" name="Text Placeholder 3"/>
+          <p:cNvSpPr>
+            <a:spLocks noGrp="1"/>
+          </p:cNvSpPr>
+          <p:nvPr>
+            <p:ph type="body" sz="half" idx="16"/>
+          </p:nvPr>
+        </p:nvSpPr>
+        <p:spPr>
+          <a:xfrm>
+            <a:off x="4577441" y="2571750"/>
+            <a:ext cx="2946794" cy="3589338"/>
+          </a:xfrm>
+        </p:spPr>
+        <p:txBody>
+          <a:bodyPr anchor="t">
+            <a:normAutofit/>
+          </a:bodyPr>
+          <a:lstStyle>
+            <a:lvl1pPr marL="0" indent="0">
+              <a:buNone/>
+              <a:defRPr sz="1400"/>
+            </a:lvl1pPr>
+            <a:lvl2pPr marL="457200" indent="0">
+              <a:buNone/>
+              <a:defRPr sz="1200"/>
+            </a:lvl2pPr>
+            <a:lvl3pPr marL="914400" indent="0">
+              <a:buNone/>
+              <a:defRPr sz="1000"/>
+            </a:lvl3pPr>
+            <a:lvl4pPr marL="1371600" indent="0">
+              <a:buNone/>
+              <a:defRPr sz="900"/>
+            </a:lvl4pPr>
+            <a:lvl5pPr marL="1828800" indent="0">
+              <a:buNone/>
+              <a:defRPr sz="900"/>
+            </a:lvl5pPr>
+            <a:lvl6pPr marL="2286000" indent="0">
+              <a:buNone/>
+              <a:defRPr sz="900"/>
+            </a:lvl6pPr>
+            <a:lvl7pPr marL="2743200" indent="0">
+              <a:buNone/>
+              <a:defRPr sz="900"/>
+            </a:lvl7pPr>
+            <a:lvl8pPr marL="3200400" indent="0">
+              <a:buNone/>
+              <a:defRPr sz="900"/>
+            </a:lvl8pPr>
+            <a:lvl9pPr marL="3657600" indent="0">
+              <a:buNone/>
+              <a:defRPr sz="900"/>
+            </a:lvl9pPr>
+          </a:lstStyle>
+          <a:p>
+            <a:pPr lvl="0"/>
+            <a:r>
+              <a:rPr lang="en-US"/>
+              <a:t>Click to edit Master text styles</a:t>
+            </a:r>
+          </a:p>
+        </p:txBody>
+      </p:sp>
+      <p:sp>
+        <p:nvSpPr>
+          <p:cNvPr id="11" name="Text Placeholder 4"/>
+          <p:cNvSpPr>
+            <a:spLocks noGrp="1"/>
+          </p:cNvSpPr>
+          <p:nvPr>
+            <p:ph type="body" sz="quarter" idx="13"/>
+          </p:nvPr>
+        </p:nvSpPr>
+        <p:spPr>
+          <a:xfrm>
+            <a:off x="7829035" y="1885950"/>
+            <a:ext cx="2932113" cy="576262"/>
+          </a:xfrm>
+        </p:spPr>
+        <p:txBody>
+          <a:bodyPr vert="horz" lIns="91440" tIns="45720" rIns="91440" bIns="45720" rtlCol="0" anchor="b">
+            <a:noAutofit/>
+          </a:bodyPr>
+          <a:lstStyle>
+            <a:lvl1pPr>
+              <a:buNone/>
+              <a:defRPr lang="en-US" sz="2400" b="0" dirty="0">
+                <a:gradFill>
+                  <a:gsLst>
+                    <a:gs pos="15000">
+                      <a:schemeClr val="tx2"/>
+                    </a:gs>
+                    <a:gs pos="73000">
+                      <a:schemeClr val="tx2">
+                        <a:lumMod val="60000"/>
+                        <a:lumOff val="40000"/>
+                      </a:schemeClr>
+                    </a:gs>
+                    <a:gs pos="0">
+                      <a:schemeClr val="tx2">
+                        <a:lumMod val="90000"/>
+                        <a:lumOff val="10000"/>
+                      </a:schemeClr>
+                    </a:gs>
+                    <a:gs pos="100000">
+                      <a:schemeClr val="tx2">
+                        <a:lumMod val="0"/>
+                        <a:lumOff val="100000"/>
+                      </a:schemeClr>
+                    </a:gs>
+                  </a:gsLst>
+                  <a:lin ang="16200000" scaled="1"/>
+                </a:gradFill>
+              </a:defRPr>
+            </a:lvl1pPr>
+          </a:lstStyle>
+          <a:p>
+            <a:pPr marL="0" lvl="0" indent="0">
+              <a:buNone/>
+            </a:pPr>
+            <a:r>
+              <a:rPr lang="en-US"/>
+              <a:t>Click to edit Master text styles</a:t>
+            </a:r>
+          </a:p>
+        </p:txBody>
+      </p:sp>
+      <p:sp>
+        <p:nvSpPr>
+          <p:cNvPr id="12" name="Text Placeholder 3"/>
+          <p:cNvSpPr>
+            <a:spLocks noGrp="1"/>
+          </p:cNvSpPr>
+          <p:nvPr>
+            <p:ph type="body" sz="half" idx="17"/>
+          </p:nvPr>
+        </p:nvSpPr>
+        <p:spPr>
+          <a:xfrm>
+            <a:off x="7829035" y="2571750"/>
+            <a:ext cx="2932113" cy="3589338"/>
+          </a:xfrm>
+        </p:spPr>
+        <p:txBody>
+          <a:bodyPr anchor="t">
+            <a:normAutofit/>
+          </a:bodyPr>
+          <a:lstStyle>
+            <a:lvl1pPr marL="0" indent="0">
+              <a:buNone/>
+              <a:defRPr sz="1400"/>
+            </a:lvl1pPr>
+            <a:lvl2pPr marL="457200" indent="0">
+              <a:buNone/>
+              <a:defRPr sz="1200"/>
+            </a:lvl2pPr>
+            <a:lvl3pPr marL="914400" indent="0">
+              <a:buNone/>
+              <a:defRPr sz="1000"/>
+            </a:lvl3pPr>
+            <a:lvl4pPr marL="1371600" indent="0">
+              <a:buNone/>
+              <a:defRPr sz="900"/>
+            </a:lvl4pPr>
+            <a:lvl5pPr marL="1828800" indent="0">
+              <a:buNone/>
+              <a:defRPr sz="900"/>
+            </a:lvl5pPr>
+            <a:lvl6pPr marL="2286000" indent="0">
+              <a:buNone/>
+              <a:defRPr sz="900"/>
+            </a:lvl6pPr>
+            <a:lvl7pPr marL="2743200" indent="0">
+              <a:buNone/>
+              <a:defRPr sz="900"/>
+            </a:lvl7pPr>
+            <a:lvl8pPr marL="3200400" indent="0">
+              <a:buNone/>
+              <a:defRPr sz="900"/>
+            </a:lvl8pPr>
+            <a:lvl9pPr marL="3657600" indent="0">
+              <a:buNone/>
+              <a:defRPr sz="900"/>
+            </a:lvl9pPr>
+          </a:lstStyle>
+          <a:p>
+            <a:pPr lvl="0"/>
+            <a:r>
+              <a:rPr lang="en-US"/>
+              <a:t>Click to edit Master text styles</a:t>
+            </a:r>
+          </a:p>
+        </p:txBody>
+      </p:sp>
+      <p:sp>
+        <p:nvSpPr>
+          <p:cNvPr id="3" name="Date Placeholder 2"/>
+          <p:cNvSpPr>
+            <a:spLocks noGrp="1"/>
+          </p:cNvSpPr>
+          <p:nvPr>
+            <p:ph type="dt" sz="half" idx="10"/>
+          </p:nvPr>
+        </p:nvSpPr>
+        <p:spPr/>
+        <p:txBody>
+          <a:bodyPr/>
+          <a:lstStyle/>
+          <a:p>
+            <a:fld id="{515F6A62-06CA-4DB5-852B-E45D0C348D54}" type="datetimeFigureOut">
+              <a:rPr lang="en-US" smtClean="0"/>
+              <a:t>6/21/2021</a:t>
+            </a:fld>
+            <a:endParaRPr lang="en-US"/>
+          </a:p>
+        </p:txBody>
+      </p:sp>
+      <p:sp>
+        <p:nvSpPr>
+          <p:cNvPr id="4" name="Footer Placeholder 3"/>
+          <p:cNvSpPr>
+            <a:spLocks noGrp="1"/>
+          </p:cNvSpPr>
+          <p:nvPr>
+            <p:ph type="ftr" sz="quarter" idx="11"/>
+          </p:nvPr>
+        </p:nvSpPr>
+        <p:spPr/>
+        <p:txBody>
+          <a:bodyPr/>
+          <a:lstStyle/>
+          <a:p>
+            <a:endParaRPr lang="en-US"/>
+          </a:p>
+        </p:txBody>
+      </p:sp>
+      <p:sp>
+        <p:nvSpPr>
+          <p:cNvPr id="5" name="Slide Number Placeholder 4"/>
+          <p:cNvSpPr>
+            <a:spLocks noGrp="1"/>
+          </p:cNvSpPr>
+          <p:nvPr>
+            <p:ph type="sldNum" sz="quarter" idx="12"/>
+          </p:nvPr>
+        </p:nvSpPr>
+        <p:spPr/>
+        <p:txBody>
+          <a:bodyPr/>
+          <a:lstStyle/>
+          <a:p>
+            <a:fld id="{C578A479-9446-4FA7-B84E-B3815F1021B9}" type="slidenum">
+              <a:rPr lang="en-US" smtClean="0"/>
+              <a:t>‹#›</a:t>
+            </a:fld>
+            <a:endParaRPr lang="en-US"/>
+          </a:p>
+        </p:txBody>
+      </p:sp>
+    </p:spTree>
+    <p:extLst>
+      <p:ext uri="{BB962C8B-B14F-4D97-AF65-F5344CB8AC3E}">
+        <p14:creationId xmlns:p14="http://schemas.microsoft.com/office/powerpoint/2010/main" val="1279250734"/>
+      </p:ext>
+    </p:extLst>
+  </p:cSld>
+  <p:clrMapOvr>
+    <a:masterClrMapping/>
+  </p:clrMapOvr>
+</p:sldLayout>
+</file>
+
+<file path=ppt/slideLayouts/slideLayout15.xml><?xml version="1.0" encoding="utf-8"?>
+<p:sldLayout xmlns:a="http://schemas.openxmlformats.org/drawingml/2006/main" xmlns:r="http://schemas.openxmlformats.org/officeDocument/2006/relationships" xmlns:p="http://schemas.openxmlformats.org/presentationml/2006/main" preserve="1">
+  <p:cSld name="3 Picture Column">
+    <p:spTree>
+      <p:nvGrpSpPr>
+        <p:cNvPr id="1" name=""/>
+        <p:cNvGrpSpPr/>
+        <p:nvPr/>
+      </p:nvGrpSpPr>
+      <p:grpSpPr>
+        <a:xfrm>
+          <a:off x="0" y="0"/>
+          <a:ext cx="0" cy="0"/>
+          <a:chOff x="0" y="0"/>
+          <a:chExt cx="0" cy="0"/>
+        </a:xfrm>
+      </p:grpSpPr>
+      <p:sp>
+        <p:nvSpPr>
+          <p:cNvPr id="30" name="Title 1"/>
+          <p:cNvSpPr>
+            <a:spLocks noGrp="1"/>
+          </p:cNvSpPr>
+          <p:nvPr>
+            <p:ph type="title"/>
+          </p:nvPr>
+        </p:nvSpPr>
+        <p:spPr>
+          <a:xfrm>
+            <a:off x="838200" y="365125"/>
+            <a:ext cx="10515600" cy="1325563"/>
+          </a:xfrm>
+        </p:spPr>
+        <p:txBody>
+          <a:bodyPr/>
+          <a:lstStyle/>
+          <a:p>
+            <a:r>
+              <a:rPr lang="en-US"/>
+              <a:t>Click to edit Master title style</a:t>
+            </a:r>
+            <a:endParaRPr lang="en-US" dirty="0"/>
+          </a:p>
+        </p:txBody>
+      </p:sp>
+      <p:sp>
+        <p:nvSpPr>
+          <p:cNvPr id="19" name="Text Placeholder 2"/>
+          <p:cNvSpPr>
+            <a:spLocks noGrp="1"/>
+          </p:cNvSpPr>
+          <p:nvPr>
+            <p:ph type="body" idx="1"/>
+          </p:nvPr>
+        </p:nvSpPr>
+        <p:spPr>
+          <a:xfrm>
+            <a:off x="1332085" y="4297503"/>
+            <a:ext cx="2940050" cy="576262"/>
+          </a:xfrm>
+        </p:spPr>
+        <p:txBody>
+          <a:bodyPr anchor="b">
+            <a:noAutofit/>
+          </a:bodyPr>
+          <a:lstStyle>
+            <a:lvl1pPr marL="0" indent="0">
+              <a:buNone/>
+              <a:defRPr sz="2400" b="0">
+                <a:gradFill>
+                  <a:gsLst>
+                    <a:gs pos="34000">
+                      <a:schemeClr val="tx1">
+                        <a:lumMod val="93000"/>
+                      </a:schemeClr>
+                    </a:gs>
+                    <a:gs pos="0">
+                      <a:schemeClr val="bg1">
+                        <a:lumMod val="41000"/>
+                        <a:lumOff val="59000"/>
+                      </a:schemeClr>
+                    </a:gs>
+                    <a:gs pos="100000">
+                      <a:schemeClr val="tx2">
+                        <a:lumMod val="0"/>
+                        <a:lumOff val="100000"/>
+                      </a:schemeClr>
+                    </a:gs>
+                  </a:gsLst>
+                  <a:lin ang="4800000" scaled="0"/>
+                </a:gradFill>
+              </a:defRPr>
+            </a:lvl1pPr>
+            <a:lvl2pPr marL="457200" indent="0">
+              <a:buNone/>
+              <a:defRPr sz="2000" b="1"/>
+            </a:lvl2pPr>
+            <a:lvl3pPr marL="914400" indent="0">
+              <a:buNone/>
+              <a:defRPr sz="1800" b="1"/>
+            </a:lvl3pPr>
+            <a:lvl4pPr marL="1371600" indent="0">
+              <a:buNone/>
+              <a:defRPr sz="1600" b="1"/>
+            </a:lvl4pPr>
+            <a:lvl5pPr marL="1828800" indent="0">
+              <a:buNone/>
+              <a:defRPr sz="1600" b="1"/>
+            </a:lvl5pPr>
+            <a:lvl6pPr marL="2286000" indent="0">
+              <a:buNone/>
+              <a:defRPr sz="1600" b="1"/>
+            </a:lvl6pPr>
+            <a:lvl7pPr marL="2743200" indent="0">
+              <a:buNone/>
+              <a:defRPr sz="1600" b="1"/>
+            </a:lvl7pPr>
+            <a:lvl8pPr marL="3200400" indent="0">
+              <a:buNone/>
+              <a:defRPr sz="1600" b="1"/>
+            </a:lvl8pPr>
+            <a:lvl9pPr marL="3657600" indent="0">
+              <a:buNone/>
+              <a:defRPr sz="1600" b="1"/>
+            </a:lvl9pPr>
+          </a:lstStyle>
+          <a:p>
+            <a:pPr lvl="0"/>
+            <a:r>
+              <a:rPr lang="en-US"/>
+              <a:t>Click to edit Master text styles</a:t>
+            </a:r>
+          </a:p>
+        </p:txBody>
+      </p:sp>
+      <p:sp>
+        <p:nvSpPr>
+          <p:cNvPr id="20" name="Picture Placeholder 2"/>
+          <p:cNvSpPr>
+            <a:spLocks noGrp="1" noChangeAspect="1"/>
+          </p:cNvSpPr>
+          <p:nvPr>
+            <p:ph type="pic" idx="15"/>
+          </p:nvPr>
+        </p:nvSpPr>
+        <p:spPr>
+          <a:xfrm>
+            <a:off x="1332085" y="2256354"/>
+            <a:ext cx="2940050" cy="1524000"/>
+          </a:xfrm>
+          <a:prstGeom prst="roundRect">
+            <a:avLst>
+              <a:gd name="adj" fmla="val 1858"/>
+            </a:avLst>
+          </a:prstGeom>
+          <a:effectLst>
+            <a:outerShdw blurRad="50800" dist="50800" dir="5400000" algn="tl" rotWithShape="0">
+              <a:srgbClr val="000000">
+                <a:alpha val="43000"/>
+              </a:srgbClr>
+            </a:outerShdw>
+          </a:effectLst>
+        </p:spPr>
+        <p:txBody>
+          <a:bodyPr anchor="t">
+            <a:normAutofit/>
+          </a:bodyPr>
+          <a:lstStyle>
+            <a:lvl1pPr marL="0" indent="0" algn="ctr">
+              <a:buNone/>
+              <a:defRPr sz="1600"/>
+            </a:lvl1pPr>
+            <a:lvl2pPr marL="457200" indent="0">
+              <a:buNone/>
+              <a:defRPr sz="1600"/>
+            </a:lvl2pPr>
+            <a:lvl3pPr marL="914400" indent="0">
+              <a:buNone/>
+              <a:defRPr sz="1600"/>
+            </a:lvl3pPr>
+            <a:lvl4pPr marL="1371600" indent="0">
+              <a:buNone/>
+              <a:defRPr sz="1600"/>
+            </a:lvl4pPr>
+            <a:lvl5pPr marL="1828800" indent="0">
+              <a:buNone/>
+              <a:defRPr sz="1600"/>
+            </a:lvl5pPr>
+            <a:lvl6pPr marL="2286000" indent="0">
+              <a:buNone/>
+              <a:defRPr sz="1600"/>
+            </a:lvl6pPr>
+            <a:lvl7pPr marL="2743200" indent="0">
+              <a:buNone/>
+              <a:defRPr sz="1600"/>
+            </a:lvl7pPr>
+            <a:lvl8pPr marL="3200400" indent="0">
+              <a:buNone/>
+              <a:defRPr sz="1600"/>
+            </a:lvl8pPr>
+            <a:lvl9pPr marL="3657600" indent="0">
+              <a:buNone/>
+              <a:defRPr sz="1600"/>
+            </a:lvl9pPr>
+          </a:lstStyle>
+          <a:p>
+            <a:r>
+              <a:rPr lang="en-US"/>
+              <a:t>Click icon to add picture</a:t>
+            </a:r>
+            <a:endParaRPr lang="en-US" dirty="0"/>
+          </a:p>
+        </p:txBody>
+      </p:sp>
+      <p:sp>
+        <p:nvSpPr>
+          <p:cNvPr id="21" name="Text Placeholder 3"/>
+          <p:cNvSpPr>
+            <a:spLocks noGrp="1"/>
+          </p:cNvSpPr>
+          <p:nvPr>
+            <p:ph type="body" sz="half" idx="18"/>
+          </p:nvPr>
+        </p:nvSpPr>
+        <p:spPr>
+          <a:xfrm>
+            <a:off x="1332085" y="4873765"/>
+            <a:ext cx="2940050" cy="659189"/>
+          </a:xfrm>
+        </p:spPr>
+        <p:txBody>
+          <a:bodyPr anchor="t">
+            <a:normAutofit/>
+          </a:bodyPr>
+          <a:lstStyle>
+            <a:lvl1pPr marL="0" indent="0">
+              <a:buNone/>
+              <a:defRPr sz="1400"/>
+            </a:lvl1pPr>
+            <a:lvl2pPr marL="457200" indent="0">
+              <a:buNone/>
+              <a:defRPr sz="1200"/>
+            </a:lvl2pPr>
+            <a:lvl3pPr marL="914400" indent="0">
+              <a:buNone/>
+              <a:defRPr sz="1000"/>
+            </a:lvl3pPr>
+            <a:lvl4pPr marL="1371600" indent="0">
+              <a:buNone/>
+              <a:defRPr sz="900"/>
+            </a:lvl4pPr>
+            <a:lvl5pPr marL="1828800" indent="0">
+              <a:buNone/>
+              <a:defRPr sz="900"/>
+            </a:lvl5pPr>
+            <a:lvl6pPr marL="2286000" indent="0">
+              <a:buNone/>
+              <a:defRPr sz="900"/>
+            </a:lvl6pPr>
+            <a:lvl7pPr marL="2743200" indent="0">
+              <a:buNone/>
+              <a:defRPr sz="900"/>
+            </a:lvl7pPr>
+            <a:lvl8pPr marL="3200400" indent="0">
+              <a:buNone/>
+              <a:defRPr sz="900"/>
+            </a:lvl8pPr>
+            <a:lvl9pPr marL="3657600" indent="0">
+              <a:buNone/>
+              <a:defRPr sz="900"/>
+            </a:lvl9pPr>
+          </a:lstStyle>
+          <a:p>
+            <a:pPr lvl="0"/>
+            <a:r>
+              <a:rPr lang="en-US"/>
+              <a:t>Click to edit Master text styles</a:t>
+            </a:r>
+          </a:p>
+        </p:txBody>
+      </p:sp>
+      <p:sp>
+        <p:nvSpPr>
+          <p:cNvPr id="22" name="Text Placeholder 4"/>
+          <p:cNvSpPr>
+            <a:spLocks noGrp="1"/>
+          </p:cNvSpPr>
+          <p:nvPr>
+            <p:ph type="body" sz="quarter" idx="3"/>
+          </p:nvPr>
+        </p:nvSpPr>
+        <p:spPr>
+          <a:xfrm>
+            <a:off x="4568997" y="4297503"/>
+            <a:ext cx="2930525" cy="576262"/>
+          </a:xfrm>
+        </p:spPr>
+        <p:txBody>
+          <a:bodyPr anchor="b">
+            <a:noAutofit/>
+          </a:bodyPr>
+          <a:lstStyle>
+            <a:lvl1pPr marL="0" indent="0">
+              <a:buNone/>
+              <a:defRPr sz="2400" b="0">
+                <a:gradFill>
+                  <a:gsLst>
+                    <a:gs pos="34000">
+                      <a:schemeClr val="tx1">
+                        <a:lumMod val="93000"/>
+                      </a:schemeClr>
+                    </a:gs>
+                    <a:gs pos="0">
+                      <a:schemeClr val="bg1">
+                        <a:lumMod val="41000"/>
+                        <a:lumOff val="59000"/>
+                      </a:schemeClr>
+                    </a:gs>
+                    <a:gs pos="100000">
+                      <a:schemeClr val="tx2">
+                        <a:lumMod val="0"/>
+                        <a:lumOff val="100000"/>
+                      </a:schemeClr>
+                    </a:gs>
+                  </a:gsLst>
+                  <a:lin ang="4800000" scaled="0"/>
+                </a:gradFill>
+              </a:defRPr>
+            </a:lvl1pPr>
+            <a:lvl2pPr marL="457200" indent="0">
+              <a:buNone/>
+              <a:defRPr sz="2000" b="1"/>
+            </a:lvl2pPr>
+            <a:lvl3pPr marL="914400" indent="0">
+              <a:buNone/>
+              <a:defRPr sz="1800" b="1"/>
+            </a:lvl3pPr>
+            <a:lvl4pPr marL="1371600" indent="0">
+              <a:buNone/>
+              <a:defRPr sz="1600" b="1"/>
+            </a:lvl4pPr>
+            <a:lvl5pPr marL="1828800" indent="0">
+              <a:buNone/>
+              <a:defRPr sz="1600" b="1"/>
+            </a:lvl5pPr>
+            <a:lvl6pPr marL="2286000" indent="0">
+              <a:buNone/>
+              <a:defRPr sz="1600" b="1"/>
+            </a:lvl6pPr>
+            <a:lvl7pPr marL="2743200" indent="0">
+              <a:buNone/>
+              <a:defRPr sz="1600" b="1"/>
+            </a:lvl7pPr>
+            <a:lvl8pPr marL="3200400" indent="0">
+              <a:buNone/>
+              <a:defRPr sz="1600" b="1"/>
+            </a:lvl8pPr>
+            <a:lvl9pPr marL="3657600" indent="0">
+              <a:buNone/>
+              <a:defRPr sz="1600" b="1"/>
+            </a:lvl9pPr>
+          </a:lstStyle>
+          <a:p>
+            <a:pPr lvl="0"/>
+            <a:r>
+              <a:rPr lang="en-US"/>
+              <a:t>Click to edit Master text styles</a:t>
+            </a:r>
+          </a:p>
+        </p:txBody>
+      </p:sp>
+      <p:sp>
+        <p:nvSpPr>
+          <p:cNvPr id="23" name="Picture Placeholder 2"/>
+          <p:cNvSpPr>
+            <a:spLocks noGrp="1" noChangeAspect="1"/>
+          </p:cNvSpPr>
+          <p:nvPr>
+            <p:ph type="pic" idx="21"/>
+          </p:nvPr>
+        </p:nvSpPr>
+        <p:spPr>
+          <a:xfrm>
+            <a:off x="4568996" y="2256354"/>
+            <a:ext cx="2930525" cy="1524000"/>
+          </a:xfrm>
+          <a:prstGeom prst="roundRect">
+            <a:avLst>
+              <a:gd name="adj" fmla="val 1858"/>
+            </a:avLst>
+          </a:prstGeom>
+          <a:effectLst>
+            <a:outerShdw blurRad="50800" dist="50800" dir="5400000" algn="tl" rotWithShape="0">
+              <a:srgbClr val="000000">
+                <a:alpha val="43000"/>
+              </a:srgbClr>
+            </a:outerShdw>
+          </a:effectLst>
+        </p:spPr>
+        <p:txBody>
+          <a:bodyPr anchor="t">
+            <a:normAutofit/>
+          </a:bodyPr>
+          <a:lstStyle>
+            <a:lvl1pPr marL="0" indent="0" algn="ctr">
+              <a:buNone/>
+              <a:defRPr sz="1600"/>
+            </a:lvl1pPr>
+            <a:lvl2pPr marL="457200" indent="0">
+              <a:buNone/>
+              <a:defRPr sz="1600"/>
+            </a:lvl2pPr>
+            <a:lvl3pPr marL="914400" indent="0">
+              <a:buNone/>
+              <a:defRPr sz="1600"/>
+            </a:lvl3pPr>
+            <a:lvl4pPr marL="1371600" indent="0">
+              <a:buNone/>
+              <a:defRPr sz="1600"/>
+            </a:lvl4pPr>
+            <a:lvl5pPr marL="1828800" indent="0">
+              <a:buNone/>
+              <a:defRPr sz="1600"/>
+            </a:lvl5pPr>
+            <a:lvl6pPr marL="2286000" indent="0">
+              <a:buNone/>
+              <a:defRPr sz="1600"/>
+            </a:lvl6pPr>
+            <a:lvl7pPr marL="2743200" indent="0">
+              <a:buNone/>
+              <a:defRPr sz="1600"/>
+            </a:lvl7pPr>
+            <a:lvl8pPr marL="3200400" indent="0">
+              <a:buNone/>
+              <a:defRPr sz="1600"/>
+            </a:lvl8pPr>
+            <a:lvl9pPr marL="3657600" indent="0">
+              <a:buNone/>
+              <a:defRPr sz="1600"/>
+            </a:lvl9pPr>
+          </a:lstStyle>
+          <a:p>
+            <a:r>
+              <a:rPr lang="en-US"/>
+              <a:t>Click icon to add picture</a:t>
+            </a:r>
+            <a:endParaRPr lang="en-US" dirty="0"/>
+          </a:p>
+        </p:txBody>
+      </p:sp>
+      <p:sp>
+        <p:nvSpPr>
+          <p:cNvPr id="24" name="Text Placeholder 3"/>
+          <p:cNvSpPr>
+            <a:spLocks noGrp="1"/>
+          </p:cNvSpPr>
+          <p:nvPr>
+            <p:ph type="body" sz="half" idx="19"/>
+          </p:nvPr>
+        </p:nvSpPr>
+        <p:spPr>
+          <a:xfrm>
+            <a:off x="4567644" y="4873764"/>
+            <a:ext cx="2934406" cy="659189"/>
+          </a:xfrm>
+        </p:spPr>
+        <p:txBody>
+          <a:bodyPr anchor="t">
+            <a:normAutofit/>
+          </a:bodyPr>
+          <a:lstStyle>
+            <a:lvl1pPr marL="0" indent="0">
+              <a:buNone/>
+              <a:defRPr sz="1400"/>
+            </a:lvl1pPr>
+            <a:lvl2pPr marL="457200" indent="0">
+              <a:buNone/>
+              <a:defRPr sz="1200"/>
+            </a:lvl2pPr>
+            <a:lvl3pPr marL="914400" indent="0">
+              <a:buNone/>
+              <a:defRPr sz="1000"/>
+            </a:lvl3pPr>
+            <a:lvl4pPr marL="1371600" indent="0">
+              <a:buNone/>
+              <a:defRPr sz="900"/>
+            </a:lvl4pPr>
+            <a:lvl5pPr marL="1828800" indent="0">
+              <a:buNone/>
+              <a:defRPr sz="900"/>
+            </a:lvl5pPr>
+            <a:lvl6pPr marL="2286000" indent="0">
+              <a:buNone/>
+              <a:defRPr sz="900"/>
+            </a:lvl6pPr>
+            <a:lvl7pPr marL="2743200" indent="0">
+              <a:buNone/>
+              <a:defRPr sz="900"/>
+            </a:lvl7pPr>
+            <a:lvl8pPr marL="3200400" indent="0">
+              <a:buNone/>
+              <a:defRPr sz="900"/>
+            </a:lvl8pPr>
+            <a:lvl9pPr marL="3657600" indent="0">
+              <a:buNone/>
+              <a:defRPr sz="900"/>
+            </a:lvl9pPr>
+          </a:lstStyle>
+          <a:p>
+            <a:pPr lvl="0"/>
+            <a:r>
+              <a:rPr lang="en-US"/>
+              <a:t>Click to edit Master text styles</a:t>
+            </a:r>
+          </a:p>
+        </p:txBody>
+      </p:sp>
+      <p:sp>
+        <p:nvSpPr>
+          <p:cNvPr id="25" name="Text Placeholder 4"/>
+          <p:cNvSpPr>
+            <a:spLocks noGrp="1"/>
+          </p:cNvSpPr>
+          <p:nvPr>
+            <p:ph type="body" sz="quarter" idx="13"/>
+          </p:nvPr>
+        </p:nvSpPr>
+        <p:spPr>
+          <a:xfrm>
+            <a:off x="7804322" y="4297503"/>
+            <a:ext cx="2932113" cy="576262"/>
+          </a:xfrm>
+        </p:spPr>
+        <p:txBody>
+          <a:bodyPr anchor="b">
+            <a:noAutofit/>
+          </a:bodyPr>
+          <a:lstStyle>
+            <a:lvl1pPr marL="0" indent="0">
+              <a:buNone/>
+              <a:defRPr sz="2400" b="0">
+                <a:gradFill>
+                  <a:gsLst>
+                    <a:gs pos="34000">
+                      <a:schemeClr val="tx1">
+                        <a:lumMod val="93000"/>
+                      </a:schemeClr>
+                    </a:gs>
+                    <a:gs pos="0">
+                      <a:schemeClr val="bg1">
+                        <a:lumMod val="41000"/>
+                        <a:lumOff val="59000"/>
+                      </a:schemeClr>
+                    </a:gs>
+                    <a:gs pos="100000">
+                      <a:schemeClr val="tx2">
+                        <a:lumMod val="0"/>
+                        <a:lumOff val="100000"/>
+                      </a:schemeClr>
+                    </a:gs>
+                  </a:gsLst>
+                  <a:lin ang="4800000" scaled="0"/>
+                </a:gradFill>
+              </a:defRPr>
+            </a:lvl1pPr>
+            <a:lvl2pPr marL="457200" indent="0">
+              <a:buNone/>
+              <a:defRPr sz="2000" b="1"/>
+            </a:lvl2pPr>
+            <a:lvl3pPr marL="914400" indent="0">
+              <a:buNone/>
+              <a:defRPr sz="1800" b="1"/>
+            </a:lvl3pPr>
+            <a:lvl4pPr marL="1371600" indent="0">
+              <a:buNone/>
+              <a:defRPr sz="1600" b="1"/>
+            </a:lvl4pPr>
+            <a:lvl5pPr marL="1828800" indent="0">
+              <a:buNone/>
+              <a:defRPr sz="1600" b="1"/>
+            </a:lvl5pPr>
+            <a:lvl6pPr marL="2286000" indent="0">
+              <a:buNone/>
+              <a:defRPr sz="1600" b="1"/>
+            </a:lvl6pPr>
+            <a:lvl7pPr marL="2743200" indent="0">
+              <a:buNone/>
+              <a:defRPr sz="1600" b="1"/>
+            </a:lvl7pPr>
+            <a:lvl8pPr marL="3200400" indent="0">
+              <a:buNone/>
+              <a:defRPr sz="1600" b="1"/>
+            </a:lvl8pPr>
+            <a:lvl9pPr marL="3657600" indent="0">
+              <a:buNone/>
+              <a:defRPr sz="1600" b="1"/>
+            </a:lvl9pPr>
+          </a:lstStyle>
+          <a:p>
+            <a:pPr lvl="0"/>
+            <a:r>
+              <a:rPr lang="en-US"/>
+              <a:t>Click to edit Master text styles</a:t>
+            </a:r>
+          </a:p>
+        </p:txBody>
+      </p:sp>
+      <p:sp>
+        <p:nvSpPr>
+          <p:cNvPr id="26" name="Picture Placeholder 2"/>
+          <p:cNvSpPr>
+            <a:spLocks noGrp="1" noChangeAspect="1"/>
+          </p:cNvSpPr>
+          <p:nvPr>
+            <p:ph type="pic" idx="22"/>
+          </p:nvPr>
+        </p:nvSpPr>
+        <p:spPr>
+          <a:xfrm>
+            <a:off x="7804321" y="2256354"/>
+            <a:ext cx="2932113" cy="1524000"/>
+          </a:xfrm>
+          <a:prstGeom prst="roundRect">
+            <a:avLst>
+              <a:gd name="adj" fmla="val 1858"/>
+            </a:avLst>
+          </a:prstGeom>
+          <a:effectLst>
+            <a:outerShdw blurRad="50800" dist="50800" dir="5400000" algn="tl" rotWithShape="0">
+              <a:srgbClr val="000000">
+                <a:alpha val="43000"/>
+              </a:srgbClr>
+            </a:outerShdw>
+          </a:effectLst>
+        </p:spPr>
+        <p:txBody>
+          <a:bodyPr anchor="t">
+            <a:normAutofit/>
+          </a:bodyPr>
+          <a:lstStyle>
+            <a:lvl1pPr marL="0" indent="0" algn="ctr">
+              <a:buNone/>
+              <a:defRPr sz="1600"/>
+            </a:lvl1pPr>
+            <a:lvl2pPr marL="457200" indent="0">
+              <a:buNone/>
+              <a:defRPr sz="1600"/>
+            </a:lvl2pPr>
+            <a:lvl3pPr marL="914400" indent="0">
+              <a:buNone/>
+              <a:defRPr sz="1600"/>
+            </a:lvl3pPr>
+            <a:lvl4pPr marL="1371600" indent="0">
+              <a:buNone/>
+              <a:defRPr sz="1600"/>
+            </a:lvl4pPr>
+            <a:lvl5pPr marL="1828800" indent="0">
+              <a:buNone/>
+              <a:defRPr sz="1600"/>
+            </a:lvl5pPr>
+            <a:lvl6pPr marL="2286000" indent="0">
+              <a:buNone/>
+              <a:defRPr sz="1600"/>
+            </a:lvl6pPr>
+            <a:lvl7pPr marL="2743200" indent="0">
+              <a:buNone/>
+              <a:defRPr sz="1600"/>
+            </a:lvl7pPr>
+            <a:lvl8pPr marL="3200400" indent="0">
+              <a:buNone/>
+              <a:defRPr sz="1600"/>
+            </a:lvl8pPr>
+            <a:lvl9pPr marL="3657600" indent="0">
+              <a:buNone/>
+              <a:defRPr sz="1600"/>
+            </a:lvl9pPr>
+          </a:lstStyle>
+          <a:p>
+            <a:r>
+              <a:rPr lang="en-US"/>
+              <a:t>Click icon to add picture</a:t>
+            </a:r>
+            <a:endParaRPr lang="en-US" dirty="0"/>
+          </a:p>
+        </p:txBody>
+      </p:sp>
+      <p:sp>
+        <p:nvSpPr>
+          <p:cNvPr id="27" name="Text Placeholder 3"/>
+          <p:cNvSpPr>
+            <a:spLocks noGrp="1"/>
+          </p:cNvSpPr>
+          <p:nvPr>
+            <p:ph type="body" sz="half" idx="20"/>
+          </p:nvPr>
+        </p:nvSpPr>
+        <p:spPr>
+          <a:xfrm>
+            <a:off x="7804197" y="4873762"/>
+            <a:ext cx="2935997" cy="659189"/>
+          </a:xfrm>
+        </p:spPr>
+        <p:txBody>
+          <a:bodyPr anchor="t">
+            <a:normAutofit/>
+          </a:bodyPr>
+          <a:lstStyle>
+            <a:lvl1pPr marL="0" indent="0">
+              <a:buNone/>
+              <a:defRPr sz="1400"/>
+            </a:lvl1pPr>
+            <a:lvl2pPr marL="457200" indent="0">
+              <a:buNone/>
+              <a:defRPr sz="1200"/>
+            </a:lvl2pPr>
+            <a:lvl3pPr marL="914400" indent="0">
+              <a:buNone/>
+              <a:defRPr sz="1000"/>
+            </a:lvl3pPr>
+            <a:lvl4pPr marL="1371600" indent="0">
+              <a:buNone/>
+              <a:defRPr sz="900"/>
+            </a:lvl4pPr>
+            <a:lvl5pPr marL="1828800" indent="0">
+              <a:buNone/>
+              <a:defRPr sz="900"/>
+            </a:lvl5pPr>
+            <a:lvl6pPr marL="2286000" indent="0">
+              <a:buNone/>
+              <a:defRPr sz="900"/>
+            </a:lvl6pPr>
+            <a:lvl7pPr marL="2743200" indent="0">
+              <a:buNone/>
+              <a:defRPr sz="900"/>
+            </a:lvl7pPr>
+            <a:lvl8pPr marL="3200400" indent="0">
+              <a:buNone/>
+              <a:defRPr sz="900"/>
+            </a:lvl8pPr>
+            <a:lvl9pPr marL="3657600" indent="0">
+              <a:buNone/>
+              <a:defRPr sz="900"/>
+            </a:lvl9pPr>
+          </a:lstStyle>
+          <a:p>
+            <a:pPr lvl="0"/>
+            <a:r>
+              <a:rPr lang="en-US"/>
+              <a:t>Click to edit Master text styles</a:t>
+            </a:r>
+          </a:p>
+        </p:txBody>
+      </p:sp>
+      <p:sp>
+        <p:nvSpPr>
+          <p:cNvPr id="3" name="Date Placeholder 2"/>
+          <p:cNvSpPr>
+            <a:spLocks noGrp="1"/>
+          </p:cNvSpPr>
+          <p:nvPr>
+            <p:ph type="dt" sz="half" idx="10"/>
+          </p:nvPr>
+        </p:nvSpPr>
+        <p:spPr/>
+        <p:txBody>
+          <a:bodyPr/>
+          <a:lstStyle/>
+          <a:p>
+            <a:fld id="{515F6A62-06CA-4DB5-852B-E45D0C348D54}" type="datetimeFigureOut">
+              <a:rPr lang="en-US" smtClean="0"/>
+              <a:t>6/21/2021</a:t>
+            </a:fld>
+            <a:endParaRPr lang="en-US"/>
+          </a:p>
+        </p:txBody>
+      </p:sp>
+      <p:sp>
+        <p:nvSpPr>
+          <p:cNvPr id="4" name="Footer Placeholder 3"/>
+          <p:cNvSpPr>
+            <a:spLocks noGrp="1"/>
+          </p:cNvSpPr>
+          <p:nvPr>
+            <p:ph type="ftr" sz="quarter" idx="11"/>
+          </p:nvPr>
+        </p:nvSpPr>
+        <p:spPr/>
+        <p:txBody>
+          <a:bodyPr/>
+          <a:lstStyle/>
+          <a:p>
+            <a:endParaRPr lang="en-US"/>
+          </a:p>
+        </p:txBody>
+      </p:sp>
+      <p:sp>
+        <p:nvSpPr>
+          <p:cNvPr id="5" name="Slide Number Placeholder 4"/>
+          <p:cNvSpPr>
+            <a:spLocks noGrp="1"/>
+          </p:cNvSpPr>
+          <p:nvPr>
+            <p:ph type="sldNum" sz="quarter" idx="12"/>
+          </p:nvPr>
+        </p:nvSpPr>
+        <p:spPr/>
+        <p:txBody>
+          <a:bodyPr/>
+          <a:lstStyle/>
+          <a:p>
+            <a:fld id="{C578A479-9446-4FA7-B84E-B3815F1021B9}" type="slidenum">
+              <a:rPr lang="en-US" smtClean="0"/>
+              <a:t>‹#›</a:t>
+            </a:fld>
+            <a:endParaRPr lang="en-US"/>
+          </a:p>
+        </p:txBody>
+      </p:sp>
+    </p:spTree>
+    <p:extLst>
+      <p:ext uri="{BB962C8B-B14F-4D97-AF65-F5344CB8AC3E}">
+        <p14:creationId xmlns:p14="http://schemas.microsoft.com/office/powerpoint/2010/main" val="2927241924"/>
+      </p:ext>
+    </p:extLst>
+  </p:cSld>
+  <p:clrMapOvr>
+    <a:masterClrMapping/>
+  </p:clrMapOvr>
+</p:sldLayout>
+</file>
+
+<file path=ppt/slideLayouts/slideLayout16.xml><?xml version="1.0" encoding="utf-8"?>
 <p:sldLayout xmlns:a="http://schemas.openxmlformats.org/drawingml/2006/main" xmlns:r="http://schemas.openxmlformats.org/officeDocument/2006/relationships" xmlns:p="http://schemas.openxmlformats.org/presentationml/2006/main" type="vertTx" preserve="1">
   <p:cSld name="Title and Vertical Text">
     <p:spTree>
@@ -358,13 +2934,7 @@
       </p:grpSpPr>
       <p:sp>
         <p:nvSpPr>
-          <p:cNvPr id="2" name="Title 1">
-            <a:extLst>
-              <a:ext uri="{FF2B5EF4-FFF2-40B4-BE49-F238E27FC236}">
-                <a16:creationId xmlns:a16="http://schemas.microsoft.com/office/drawing/2014/main" id="{C4CBB4A4-755C-4DBF-B7FB-C03EA0695585}"/>
-              </a:ext>
-            </a:extLst>
-          </p:cNvPr>
+          <p:cNvPr id="2" name="Title 1"/>
           <p:cNvSpPr>
             <a:spLocks noGrp="1"/>
           </p:cNvSpPr>
@@ -381,18 +2951,13 @@
               <a:rPr lang="en-US"/>
               <a:t>Click to edit Master title style</a:t>
             </a:r>
-          </a:p>
-        </p:txBody>
-      </p:sp>
-      <p:sp>
-        <p:nvSpPr>
-          <p:cNvPr id="3" name="Vertical Text Placeholder 2">
-            <a:extLst>
-              <a:ext uri="{FF2B5EF4-FFF2-40B4-BE49-F238E27FC236}">
-                <a16:creationId xmlns:a16="http://schemas.microsoft.com/office/drawing/2014/main" id="{CF673F05-E3F2-4064-BDF9-4758E8391669}"/>
-              </a:ext>
-            </a:extLst>
-          </p:cNvPr>
+            <a:endParaRPr lang="en-US" dirty="0"/>
+          </a:p>
+        </p:txBody>
+      </p:sp>
+      <p:sp>
+        <p:nvSpPr>
+          <p:cNvPr id="3" name="Vertical Text Placeholder 2"/>
           <p:cNvSpPr>
             <a:spLocks noGrp="1"/>
           </p:cNvSpPr>
@@ -438,18 +3003,13 @@
               <a:rPr lang="en-US"/>
               <a:t>Fifth level</a:t>
             </a:r>
-          </a:p>
-        </p:txBody>
-      </p:sp>
-      <p:sp>
-        <p:nvSpPr>
-          <p:cNvPr id="4" name="Date Placeholder 3">
-            <a:extLst>
-              <a:ext uri="{FF2B5EF4-FFF2-40B4-BE49-F238E27FC236}">
-                <a16:creationId xmlns:a16="http://schemas.microsoft.com/office/drawing/2014/main" id="{2CCF27B0-E121-4BD9-8D28-AAF01111144A}"/>
-              </a:ext>
-            </a:extLst>
-          </p:cNvPr>
+            <a:endParaRPr lang="en-US" dirty="0"/>
+          </a:p>
+        </p:txBody>
+      </p:sp>
+      <p:sp>
+        <p:nvSpPr>
+          <p:cNvPr id="4" name="Date Placeholder 3"/>
           <p:cNvSpPr>
             <a:spLocks noGrp="1"/>
           </p:cNvSpPr>
@@ -472,13 +3032,7 @@
       </p:sp>
       <p:sp>
         <p:nvSpPr>
-          <p:cNvPr id="5" name="Footer Placeholder 4">
-            <a:extLst>
-              <a:ext uri="{FF2B5EF4-FFF2-40B4-BE49-F238E27FC236}">
-                <a16:creationId xmlns:a16="http://schemas.microsoft.com/office/drawing/2014/main" id="{4AC00D08-627D-48DF-A87F-E3AA7CA1FDDA}"/>
-              </a:ext>
-            </a:extLst>
-          </p:cNvPr>
+          <p:cNvPr id="5" name="Footer Placeholder 4"/>
           <p:cNvSpPr>
             <a:spLocks noGrp="1"/>
           </p:cNvSpPr>
@@ -497,13 +3051,7 @@
       </p:sp>
       <p:sp>
         <p:nvSpPr>
-          <p:cNvPr id="6" name="Slide Number Placeholder 5">
-            <a:extLst>
-              <a:ext uri="{FF2B5EF4-FFF2-40B4-BE49-F238E27FC236}">
-                <a16:creationId xmlns:a16="http://schemas.microsoft.com/office/drawing/2014/main" id="{709E1EB8-F09D-40B7-A074-8144E3E2BA8E}"/>
-              </a:ext>
-            </a:extLst>
-          </p:cNvPr>
+          <p:cNvPr id="6" name="Slide Number Placeholder 5"/>
           <p:cNvSpPr>
             <a:spLocks noGrp="1"/>
           </p:cNvSpPr>
@@ -527,7 +3075,7 @@
     </p:spTree>
     <p:extLst>
       <p:ext uri="{BB962C8B-B14F-4D97-AF65-F5344CB8AC3E}">
-        <p14:creationId xmlns:p14="http://schemas.microsoft.com/office/powerpoint/2010/main" val="1257882506"/>
+        <p14:creationId xmlns:p14="http://schemas.microsoft.com/office/powerpoint/2010/main" val="274244993"/>
       </p:ext>
     </p:extLst>
   </p:cSld>
@@ -537,7 +3085,7 @@
 </p:sldLayout>
 </file>
 
-<file path=ppt/slideLayouts/slideLayout11.xml><?xml version="1.0" encoding="utf-8"?>
+<file path=ppt/slideLayouts/slideLayout17.xml><?xml version="1.0" encoding="utf-8"?>
 <p:sldLayout xmlns:a="http://schemas.openxmlformats.org/drawingml/2006/main" xmlns:r="http://schemas.openxmlformats.org/officeDocument/2006/relationships" xmlns:p="http://schemas.openxmlformats.org/presentationml/2006/main" type="vertTitleAndTx" preserve="1">
   <p:cSld name="Vertical Title and Text">
     <p:spTree>
@@ -556,13 +3104,7 @@
       </p:grpSpPr>
       <p:sp>
         <p:nvSpPr>
-          <p:cNvPr id="2" name="Vertical Title 1">
-            <a:extLst>
-              <a:ext uri="{FF2B5EF4-FFF2-40B4-BE49-F238E27FC236}">
-                <a16:creationId xmlns:a16="http://schemas.microsoft.com/office/drawing/2014/main" id="{C31107F2-FEC6-4515-A3E6-63032EA59603}"/>
-              </a:ext>
-            </a:extLst>
-          </p:cNvPr>
+          <p:cNvPr id="2" name="Vertical Title 1"/>
           <p:cNvSpPr>
             <a:spLocks noGrp="1"/>
           </p:cNvSpPr>
@@ -584,18 +3126,13 @@
               <a:rPr lang="en-US"/>
               <a:t>Click to edit Master title style</a:t>
             </a:r>
-          </a:p>
-        </p:txBody>
-      </p:sp>
-      <p:sp>
-        <p:nvSpPr>
-          <p:cNvPr id="3" name="Vertical Text Placeholder 2">
-            <a:extLst>
-              <a:ext uri="{FF2B5EF4-FFF2-40B4-BE49-F238E27FC236}">
-                <a16:creationId xmlns:a16="http://schemas.microsoft.com/office/drawing/2014/main" id="{A788D3E9-754A-4C5B-BFAF-4FA97E261668}"/>
-              </a:ext>
-            </a:extLst>
-          </p:cNvPr>
+            <a:endParaRPr lang="en-US" dirty="0"/>
+          </a:p>
+        </p:txBody>
+      </p:sp>
+      <p:sp>
+        <p:nvSpPr>
+          <p:cNvPr id="3" name="Vertical Text Placeholder 2"/>
           <p:cNvSpPr>
             <a:spLocks noGrp="1"/>
           </p:cNvSpPr>
@@ -646,18 +3183,13 @@
               <a:rPr lang="en-US"/>
               <a:t>Fifth level</a:t>
             </a:r>
-          </a:p>
-        </p:txBody>
-      </p:sp>
-      <p:sp>
-        <p:nvSpPr>
-          <p:cNvPr id="4" name="Date Placeholder 3">
-            <a:extLst>
-              <a:ext uri="{FF2B5EF4-FFF2-40B4-BE49-F238E27FC236}">
-                <a16:creationId xmlns:a16="http://schemas.microsoft.com/office/drawing/2014/main" id="{0A127F74-009C-48D2-9ED5-1EC4E24AF424}"/>
-              </a:ext>
-            </a:extLst>
-          </p:cNvPr>
+            <a:endParaRPr lang="en-US" dirty="0"/>
+          </a:p>
+        </p:txBody>
+      </p:sp>
+      <p:sp>
+        <p:nvSpPr>
+          <p:cNvPr id="4" name="Date Placeholder 3"/>
           <p:cNvSpPr>
             <a:spLocks noGrp="1"/>
           </p:cNvSpPr>
@@ -680,13 +3212,7 @@
       </p:sp>
       <p:sp>
         <p:nvSpPr>
-          <p:cNvPr id="5" name="Footer Placeholder 4">
-            <a:extLst>
-              <a:ext uri="{FF2B5EF4-FFF2-40B4-BE49-F238E27FC236}">
-                <a16:creationId xmlns:a16="http://schemas.microsoft.com/office/drawing/2014/main" id="{DB689C11-F610-4498-8659-E3C2EBA1CC61}"/>
-              </a:ext>
-            </a:extLst>
-          </p:cNvPr>
+          <p:cNvPr id="5" name="Footer Placeholder 4"/>
           <p:cNvSpPr>
             <a:spLocks noGrp="1"/>
           </p:cNvSpPr>
@@ -705,13 +3231,7 @@
       </p:sp>
       <p:sp>
         <p:nvSpPr>
-          <p:cNvPr id="6" name="Slide Number Placeholder 5">
-            <a:extLst>
-              <a:ext uri="{FF2B5EF4-FFF2-40B4-BE49-F238E27FC236}">
-                <a16:creationId xmlns:a16="http://schemas.microsoft.com/office/drawing/2014/main" id="{E8FD15A9-58AD-4249-BAD1-F7F17BE9563D}"/>
-              </a:ext>
-            </a:extLst>
-          </p:cNvPr>
+          <p:cNvPr id="6" name="Slide Number Placeholder 5"/>
           <p:cNvSpPr>
             <a:spLocks noGrp="1"/>
           </p:cNvSpPr>
@@ -735,7 +3255,7 @@
     </p:spTree>
     <p:extLst>
       <p:ext uri="{BB962C8B-B14F-4D97-AF65-F5344CB8AC3E}">
-        <p14:creationId xmlns:p14="http://schemas.microsoft.com/office/powerpoint/2010/main" val="3872349128"/>
+        <p14:creationId xmlns:p14="http://schemas.microsoft.com/office/powerpoint/2010/main" val="3999860489"/>
       </p:ext>
     </p:extLst>
   </p:cSld>
@@ -764,13 +3284,7 @@
       </p:grpSpPr>
       <p:sp>
         <p:nvSpPr>
-          <p:cNvPr id="2" name="Title 1">
-            <a:extLst>
-              <a:ext uri="{FF2B5EF4-FFF2-40B4-BE49-F238E27FC236}">
-                <a16:creationId xmlns:a16="http://schemas.microsoft.com/office/drawing/2014/main" id="{E8E40118-33CD-4EED-932A-7259EDCB1322}"/>
-              </a:ext>
-            </a:extLst>
-          </p:cNvPr>
+          <p:cNvPr id="8" name="Title 1"/>
           <p:cNvSpPr>
             <a:spLocks noGrp="1"/>
           </p:cNvSpPr>
@@ -787,18 +3301,13 @@
               <a:rPr lang="en-US"/>
               <a:t>Click to edit Master title style</a:t>
             </a:r>
-          </a:p>
-        </p:txBody>
-      </p:sp>
-      <p:sp>
-        <p:nvSpPr>
-          <p:cNvPr id="3" name="Content Placeholder 2">
-            <a:extLst>
-              <a:ext uri="{FF2B5EF4-FFF2-40B4-BE49-F238E27FC236}">
-                <a16:creationId xmlns:a16="http://schemas.microsoft.com/office/drawing/2014/main" id="{71D77CD2-36F1-41A5-8703-24C3E020FEB0}"/>
-              </a:ext>
-            </a:extLst>
-          </p:cNvPr>
+            <a:endParaRPr lang="en-US" dirty="0"/>
+          </a:p>
+        </p:txBody>
+      </p:sp>
+      <p:sp>
+        <p:nvSpPr>
+          <p:cNvPr id="3" name="Content Placeholder 2"/>
           <p:cNvSpPr>
             <a:spLocks noGrp="1"/>
           </p:cNvSpPr>
@@ -844,18 +3353,13 @@
               <a:rPr lang="en-US"/>
               <a:t>Fifth level</a:t>
             </a:r>
-          </a:p>
-        </p:txBody>
-      </p:sp>
-      <p:sp>
-        <p:nvSpPr>
-          <p:cNvPr id="4" name="Date Placeholder 3">
-            <a:extLst>
-              <a:ext uri="{FF2B5EF4-FFF2-40B4-BE49-F238E27FC236}">
-                <a16:creationId xmlns:a16="http://schemas.microsoft.com/office/drawing/2014/main" id="{EBAC0E71-AA46-453F-9025-BA205A506E28}"/>
-              </a:ext>
-            </a:extLst>
-          </p:cNvPr>
+            <a:endParaRPr lang="en-US" dirty="0"/>
+          </a:p>
+        </p:txBody>
+      </p:sp>
+      <p:sp>
+        <p:nvSpPr>
+          <p:cNvPr id="4" name="Date Placeholder 3"/>
           <p:cNvSpPr>
             <a:spLocks noGrp="1"/>
           </p:cNvSpPr>
@@ -878,13 +3382,7 @@
       </p:sp>
       <p:sp>
         <p:nvSpPr>
-          <p:cNvPr id="5" name="Footer Placeholder 4">
-            <a:extLst>
-              <a:ext uri="{FF2B5EF4-FFF2-40B4-BE49-F238E27FC236}">
-                <a16:creationId xmlns:a16="http://schemas.microsoft.com/office/drawing/2014/main" id="{4252FAE9-0958-465B-9D12-74961835A4BF}"/>
-              </a:ext>
-            </a:extLst>
-          </p:cNvPr>
+          <p:cNvPr id="5" name="Footer Placeholder 4"/>
           <p:cNvSpPr>
             <a:spLocks noGrp="1"/>
           </p:cNvSpPr>
@@ -903,13 +3401,7 @@
       </p:sp>
       <p:sp>
         <p:nvSpPr>
-          <p:cNvPr id="6" name="Slide Number Placeholder 5">
-            <a:extLst>
-              <a:ext uri="{FF2B5EF4-FFF2-40B4-BE49-F238E27FC236}">
-                <a16:creationId xmlns:a16="http://schemas.microsoft.com/office/drawing/2014/main" id="{9283D611-D6BF-4DD8-A044-3AE4D619826C}"/>
-              </a:ext>
-            </a:extLst>
-          </p:cNvPr>
+          <p:cNvPr id="6" name="Slide Number Placeholder 5"/>
           <p:cNvSpPr>
             <a:spLocks noGrp="1"/>
           </p:cNvSpPr>
@@ -933,7 +3425,7 @@
     </p:spTree>
     <p:extLst>
       <p:ext uri="{BB962C8B-B14F-4D97-AF65-F5344CB8AC3E}">
-        <p14:creationId xmlns:p14="http://schemas.microsoft.com/office/powerpoint/2010/main" val="3725987929"/>
+        <p14:creationId xmlns:p14="http://schemas.microsoft.com/office/powerpoint/2010/main" val="2332258588"/>
       </p:ext>
     </p:extLst>
   </p:cSld>
@@ -962,31 +3454,59 @@
       </p:grpSpPr>
       <p:sp>
         <p:nvSpPr>
-          <p:cNvPr id="2" name="Title 1">
-            <a:extLst>
-              <a:ext uri="{FF2B5EF4-FFF2-40B4-BE49-F238E27FC236}">
-                <a16:creationId xmlns:a16="http://schemas.microsoft.com/office/drawing/2014/main" id="{B049673C-DBCF-4F27-BE3B-84A060494DB4}"/>
-              </a:ext>
-            </a:extLst>
-          </p:cNvPr>
-          <p:cNvSpPr>
-            <a:spLocks noGrp="1"/>
-          </p:cNvSpPr>
-          <p:nvPr>
-            <p:ph type="title"/>
-          </p:nvPr>
-        </p:nvSpPr>
-        <p:spPr>
-          <a:xfrm>
-            <a:off x="831850" y="1709738"/>
-            <a:ext cx="10515600" cy="2852737"/>
-          </a:xfrm>
-        </p:spPr>
-        <p:txBody>
-          <a:bodyPr anchor="b"/>
+          <p:cNvPr id="7" name="Title 1"/>
+          <p:cNvSpPr>
+            <a:spLocks noGrp="1"/>
+          </p:cNvSpPr>
+          <p:nvPr>
+            <p:ph type="ctrTitle"/>
+          </p:nvPr>
+        </p:nvSpPr>
+        <p:spPr>
+          <a:xfrm>
+            <a:off x="854532" y="4464028"/>
+            <a:ext cx="9144000" cy="1641490"/>
+          </a:xfrm>
+        </p:spPr>
+        <p:txBody>
+          <a:bodyPr wrap="none" anchor="t">
+            <a:normAutofit/>
+          </a:bodyPr>
           <a:lstStyle>
-            <a:lvl1pPr>
-              <a:defRPr sz="6000"/>
+            <a:lvl1pPr algn="l">
+              <a:defRPr sz="9600" b="0" spc="-300">
+                <a:gradFill flip="none" rotWithShape="1">
+                  <a:gsLst>
+                    <a:gs pos="32000">
+                      <a:schemeClr val="tx1">
+                        <a:lumMod val="89000"/>
+                      </a:schemeClr>
+                    </a:gs>
+                    <a:gs pos="0">
+                      <a:schemeClr val="bg1">
+                        <a:lumMod val="47000"/>
+                        <a:lumOff val="53000"/>
+                      </a:schemeClr>
+                    </a:gs>
+                    <a:gs pos="100000">
+                      <a:schemeClr val="tx2">
+                        <a:lumMod val="0"/>
+                        <a:lumOff val="100000"/>
+                      </a:schemeClr>
+                    </a:gs>
+                  </a:gsLst>
+                  <a:lin ang="8100000" scaled="1"/>
+                  <a:tileRect/>
+                </a:gradFill>
+                <a:effectLst>
+                  <a:outerShdw blurRad="469900" dist="342900" dir="5400000" sy="-20000" rotWithShape="0">
+                    <a:prstClr val="black">
+                      <a:alpha val="66000"/>
+                    </a:prstClr>
+                  </a:outerShdw>
+                </a:effectLst>
+                <a:latin typeface="+mj-lt"/>
+              </a:defRPr>
             </a:lvl1pPr>
           </a:lstStyle>
           <a:p>
@@ -994,143 +3514,109 @@
               <a:rPr lang="en-US"/>
               <a:t>Click to edit Master title style</a:t>
             </a:r>
-          </a:p>
-        </p:txBody>
-      </p:sp>
-      <p:sp>
-        <p:nvSpPr>
-          <p:cNvPr id="3" name="Text Placeholder 2">
-            <a:extLst>
-              <a:ext uri="{FF2B5EF4-FFF2-40B4-BE49-F238E27FC236}">
-                <a16:creationId xmlns:a16="http://schemas.microsoft.com/office/drawing/2014/main" id="{37860DAD-8444-4059-8618-E116BC8F79FB}"/>
-              </a:ext>
-            </a:extLst>
-          </p:cNvPr>
-          <p:cNvSpPr>
-            <a:spLocks noGrp="1"/>
-          </p:cNvSpPr>
-          <p:nvPr>
-            <p:ph type="body" idx="1"/>
-          </p:nvPr>
-        </p:nvSpPr>
-        <p:spPr>
-          <a:xfrm>
-            <a:off x="831850" y="4589463"/>
-            <a:ext cx="10515600" cy="1500187"/>
-          </a:xfrm>
-        </p:spPr>
-        <p:txBody>
-          <a:bodyPr/>
+            <a:endParaRPr lang="en-US" dirty="0"/>
+          </a:p>
+        </p:txBody>
+      </p:sp>
+      <p:sp>
+        <p:nvSpPr>
+          <p:cNvPr id="8" name="Subtitle 2"/>
+          <p:cNvSpPr>
+            <a:spLocks noGrp="1"/>
+          </p:cNvSpPr>
+          <p:nvPr>
+            <p:ph type="subTitle" idx="1"/>
+          </p:nvPr>
+        </p:nvSpPr>
+        <p:spPr>
+          <a:xfrm>
+            <a:off x="854532" y="3693674"/>
+            <a:ext cx="9144000" cy="754025"/>
+          </a:xfrm>
+        </p:spPr>
+        <p:txBody>
+          <a:bodyPr anchor="b">
+            <a:normAutofit/>
+          </a:bodyPr>
           <a:lstStyle>
-            <a:lvl1pPr marL="0" indent="0">
-              <a:buNone/>
-              <a:defRPr sz="2400">
-                <a:solidFill>
-                  <a:schemeClr val="tx1">
-                    <a:tint val="75000"/>
-                  </a:schemeClr>
-                </a:solidFill>
+            <a:lvl1pPr marL="0" indent="0" algn="l">
+              <a:buNone/>
+              <a:defRPr sz="3200" b="0">
+                <a:gradFill flip="none" rotWithShape="1">
+                  <a:gsLst>
+                    <a:gs pos="15000">
+                      <a:schemeClr val="tx2"/>
+                    </a:gs>
+                    <a:gs pos="73000">
+                      <a:schemeClr val="tx2">
+                        <a:lumMod val="60000"/>
+                        <a:lumOff val="40000"/>
+                      </a:schemeClr>
+                    </a:gs>
+                    <a:gs pos="0">
+                      <a:schemeClr val="tx2">
+                        <a:lumMod val="90000"/>
+                        <a:lumOff val="10000"/>
+                      </a:schemeClr>
+                    </a:gs>
+                    <a:gs pos="100000">
+                      <a:schemeClr val="tx2">
+                        <a:lumMod val="0"/>
+                        <a:lumOff val="100000"/>
+                      </a:schemeClr>
+                    </a:gs>
+                  </a:gsLst>
+                  <a:lin ang="16200000" scaled="1"/>
+                  <a:tileRect/>
+                </a:gradFill>
+                <a:latin typeface="+mj-lt"/>
               </a:defRPr>
             </a:lvl1pPr>
-            <a:lvl2pPr marL="457200" indent="0">
-              <a:buNone/>
-              <a:defRPr sz="2000">
-                <a:solidFill>
-                  <a:schemeClr val="tx1">
-                    <a:tint val="75000"/>
-                  </a:schemeClr>
-                </a:solidFill>
-              </a:defRPr>
+            <a:lvl2pPr marL="457200" indent="0" algn="ctr">
+              <a:buNone/>
+              <a:defRPr sz="2000"/>
             </a:lvl2pPr>
-            <a:lvl3pPr marL="914400" indent="0">
-              <a:buNone/>
-              <a:defRPr sz="1800">
-                <a:solidFill>
-                  <a:schemeClr val="tx1">
-                    <a:tint val="75000"/>
-                  </a:schemeClr>
-                </a:solidFill>
-              </a:defRPr>
+            <a:lvl3pPr marL="914400" indent="0" algn="ctr">
+              <a:buNone/>
+              <a:defRPr sz="1800"/>
             </a:lvl3pPr>
-            <a:lvl4pPr marL="1371600" indent="0">
-              <a:buNone/>
-              <a:defRPr sz="1600">
-                <a:solidFill>
-                  <a:schemeClr val="tx1">
-                    <a:tint val="75000"/>
-                  </a:schemeClr>
-                </a:solidFill>
-              </a:defRPr>
+            <a:lvl4pPr marL="1371600" indent="0" algn="ctr">
+              <a:buNone/>
+              <a:defRPr sz="1600"/>
             </a:lvl4pPr>
-            <a:lvl5pPr marL="1828800" indent="0">
-              <a:buNone/>
-              <a:defRPr sz="1600">
-                <a:solidFill>
-                  <a:schemeClr val="tx1">
-                    <a:tint val="75000"/>
-                  </a:schemeClr>
-                </a:solidFill>
-              </a:defRPr>
+            <a:lvl5pPr marL="1828800" indent="0" algn="ctr">
+              <a:buNone/>
+              <a:defRPr sz="1600"/>
             </a:lvl5pPr>
-            <a:lvl6pPr marL="2286000" indent="0">
-              <a:buNone/>
-              <a:defRPr sz="1600">
-                <a:solidFill>
-                  <a:schemeClr val="tx1">
-                    <a:tint val="75000"/>
-                  </a:schemeClr>
-                </a:solidFill>
-              </a:defRPr>
+            <a:lvl6pPr marL="2286000" indent="0" algn="ctr">
+              <a:buNone/>
+              <a:defRPr sz="1600"/>
             </a:lvl6pPr>
-            <a:lvl7pPr marL="2743200" indent="0">
-              <a:buNone/>
-              <a:defRPr sz="1600">
-                <a:solidFill>
-                  <a:schemeClr val="tx1">
-                    <a:tint val="75000"/>
-                  </a:schemeClr>
-                </a:solidFill>
-              </a:defRPr>
+            <a:lvl7pPr marL="2743200" indent="0" algn="ctr">
+              <a:buNone/>
+              <a:defRPr sz="1600"/>
             </a:lvl7pPr>
-            <a:lvl8pPr marL="3200400" indent="0">
-              <a:buNone/>
-              <a:defRPr sz="1600">
-                <a:solidFill>
-                  <a:schemeClr val="tx1">
-                    <a:tint val="75000"/>
-                  </a:schemeClr>
-                </a:solidFill>
-              </a:defRPr>
+            <a:lvl8pPr marL="3200400" indent="0" algn="ctr">
+              <a:buNone/>
+              <a:defRPr sz="1600"/>
             </a:lvl8pPr>
-            <a:lvl9pPr marL="3657600" indent="0">
-              <a:buNone/>
-              <a:defRPr sz="1600">
-                <a:solidFill>
-                  <a:schemeClr val="tx1">
-                    <a:tint val="75000"/>
-                  </a:schemeClr>
-                </a:solidFill>
-              </a:defRPr>
+            <a:lvl9pPr marL="3657600" indent="0" algn="ctr">
+              <a:buNone/>
+              <a:defRPr sz="1600"/>
             </a:lvl9pPr>
           </a:lstStyle>
           <a:p>
-            <a:pPr lvl="0"/>
-            <a:r>
-              <a:rPr lang="en-US"/>
-              <a:t>Click to edit Master text styles</a:t>
-            </a:r>
-          </a:p>
-        </p:txBody>
-      </p:sp>
-      <p:sp>
-        <p:nvSpPr>
-          <p:cNvPr id="4" name="Date Placeholder 3">
-            <a:extLst>
-              <a:ext uri="{FF2B5EF4-FFF2-40B4-BE49-F238E27FC236}">
-                <a16:creationId xmlns:a16="http://schemas.microsoft.com/office/drawing/2014/main" id="{3AF58EE3-563C-4909-86B5-69AC9AFE0E78}"/>
-              </a:ext>
-            </a:extLst>
-          </p:cNvPr>
+            <a:r>
+              <a:rPr lang="en-US"/>
+              <a:t>Click to edit Master subtitle style</a:t>
+            </a:r>
+            <a:endParaRPr lang="en-US" dirty="0"/>
+          </a:p>
+        </p:txBody>
+      </p:sp>
+      <p:sp>
+        <p:nvSpPr>
+          <p:cNvPr id="4" name="Date Placeholder 3"/>
           <p:cNvSpPr>
             <a:spLocks noGrp="1"/>
           </p:cNvSpPr>
@@ -1153,13 +3639,7 @@
       </p:sp>
       <p:sp>
         <p:nvSpPr>
-          <p:cNvPr id="5" name="Footer Placeholder 4">
-            <a:extLst>
-              <a:ext uri="{FF2B5EF4-FFF2-40B4-BE49-F238E27FC236}">
-                <a16:creationId xmlns:a16="http://schemas.microsoft.com/office/drawing/2014/main" id="{A9FD576F-4891-4677-B30C-14C664674518}"/>
-              </a:ext>
-            </a:extLst>
-          </p:cNvPr>
+          <p:cNvPr id="5" name="Footer Placeholder 4"/>
           <p:cNvSpPr>
             <a:spLocks noGrp="1"/>
           </p:cNvSpPr>
@@ -1178,13 +3658,7 @@
       </p:sp>
       <p:sp>
         <p:nvSpPr>
-          <p:cNvPr id="6" name="Slide Number Placeholder 5">
-            <a:extLst>
-              <a:ext uri="{FF2B5EF4-FFF2-40B4-BE49-F238E27FC236}">
-                <a16:creationId xmlns:a16="http://schemas.microsoft.com/office/drawing/2014/main" id="{92F96719-DEC9-499D-8BD4-1FF1BF177201}"/>
-              </a:ext>
-            </a:extLst>
-          </p:cNvPr>
+          <p:cNvPr id="6" name="Slide Number Placeholder 5"/>
           <p:cNvSpPr>
             <a:spLocks noGrp="1"/>
           </p:cNvSpPr>
@@ -1208,7 +3682,7 @@
     </p:spTree>
     <p:extLst>
       <p:ext uri="{BB962C8B-B14F-4D97-AF65-F5344CB8AC3E}">
-        <p14:creationId xmlns:p14="http://schemas.microsoft.com/office/powerpoint/2010/main" val="2159089809"/>
+        <p14:creationId xmlns:p14="http://schemas.microsoft.com/office/powerpoint/2010/main" val="53341798"/>
       </p:ext>
     </p:extLst>
   </p:cSld>
@@ -1237,13 +3711,7 @@
       </p:grpSpPr>
       <p:sp>
         <p:nvSpPr>
-          <p:cNvPr id="2" name="Title 1">
-            <a:extLst>
-              <a:ext uri="{FF2B5EF4-FFF2-40B4-BE49-F238E27FC236}">
-                <a16:creationId xmlns:a16="http://schemas.microsoft.com/office/drawing/2014/main" id="{1F79BE6E-AAA6-462A-B7D9-CBECF1A2900A}"/>
-              </a:ext>
-            </a:extLst>
-          </p:cNvPr>
+          <p:cNvPr id="2" name="Title 1"/>
           <p:cNvSpPr>
             <a:spLocks noGrp="1"/>
           </p:cNvSpPr>
@@ -1260,18 +3728,13 @@
               <a:rPr lang="en-US"/>
               <a:t>Click to edit Master title style</a:t>
             </a:r>
-          </a:p>
-        </p:txBody>
-      </p:sp>
-      <p:sp>
-        <p:nvSpPr>
-          <p:cNvPr id="3" name="Content Placeholder 2">
-            <a:extLst>
-              <a:ext uri="{FF2B5EF4-FFF2-40B4-BE49-F238E27FC236}">
-                <a16:creationId xmlns:a16="http://schemas.microsoft.com/office/drawing/2014/main" id="{F505C98B-D7B2-4C2E-AFB9-130C05035114}"/>
-              </a:ext>
-            </a:extLst>
-          </p:cNvPr>
+            <a:endParaRPr lang="en-US" dirty="0"/>
+          </a:p>
+        </p:txBody>
+      </p:sp>
+      <p:sp>
+        <p:nvSpPr>
+          <p:cNvPr id="3" name="Content Placeholder 2"/>
           <p:cNvSpPr>
             <a:spLocks noGrp="1"/>
           </p:cNvSpPr>
@@ -1281,8 +3744,8 @@
         </p:nvSpPr>
         <p:spPr>
           <a:xfrm>
-            <a:off x="838200" y="1825625"/>
-            <a:ext cx="5181600" cy="4351338"/>
+            <a:off x="1120000" y="1825625"/>
+            <a:ext cx="5025216" cy="4351338"/>
           </a:xfrm>
         </p:spPr>
         <p:txBody>
@@ -1322,18 +3785,13 @@
               <a:rPr lang="en-US"/>
               <a:t>Fifth level</a:t>
             </a:r>
-          </a:p>
-        </p:txBody>
-      </p:sp>
-      <p:sp>
-        <p:nvSpPr>
-          <p:cNvPr id="4" name="Content Placeholder 3">
-            <a:extLst>
-              <a:ext uri="{FF2B5EF4-FFF2-40B4-BE49-F238E27FC236}">
-                <a16:creationId xmlns:a16="http://schemas.microsoft.com/office/drawing/2014/main" id="{2A35339A-A377-48F1-98FA-E69273740AB5}"/>
-              </a:ext>
-            </a:extLst>
-          </p:cNvPr>
+            <a:endParaRPr lang="en-US" dirty="0"/>
+          </a:p>
+        </p:txBody>
+      </p:sp>
+      <p:sp>
+        <p:nvSpPr>
+          <p:cNvPr id="4" name="Content Placeholder 3"/>
           <p:cNvSpPr>
             <a:spLocks noGrp="1"/>
           </p:cNvSpPr>
@@ -1343,8 +3801,8 @@
         </p:nvSpPr>
         <p:spPr>
           <a:xfrm>
-            <a:off x="6172200" y="1825625"/>
-            <a:ext cx="5181600" cy="4351338"/>
+            <a:off x="6319840" y="1825625"/>
+            <a:ext cx="5033960" cy="4351338"/>
           </a:xfrm>
         </p:spPr>
         <p:txBody>
@@ -1384,18 +3842,13 @@
               <a:rPr lang="en-US"/>
               <a:t>Fifth level</a:t>
             </a:r>
-          </a:p>
-        </p:txBody>
-      </p:sp>
-      <p:sp>
-        <p:nvSpPr>
-          <p:cNvPr id="5" name="Date Placeholder 4">
-            <a:extLst>
-              <a:ext uri="{FF2B5EF4-FFF2-40B4-BE49-F238E27FC236}">
-                <a16:creationId xmlns:a16="http://schemas.microsoft.com/office/drawing/2014/main" id="{6AA352A8-9145-4B2E-A48A-DBDCFFBF7ABD}"/>
-              </a:ext>
-            </a:extLst>
-          </p:cNvPr>
+            <a:endParaRPr lang="en-US" dirty="0"/>
+          </a:p>
+        </p:txBody>
+      </p:sp>
+      <p:sp>
+        <p:nvSpPr>
+          <p:cNvPr id="5" name="Date Placeholder 4"/>
           <p:cNvSpPr>
             <a:spLocks noGrp="1"/>
           </p:cNvSpPr>
@@ -1418,13 +3871,7 @@
       </p:sp>
       <p:sp>
         <p:nvSpPr>
-          <p:cNvPr id="6" name="Footer Placeholder 5">
-            <a:extLst>
-              <a:ext uri="{FF2B5EF4-FFF2-40B4-BE49-F238E27FC236}">
-                <a16:creationId xmlns:a16="http://schemas.microsoft.com/office/drawing/2014/main" id="{310E7DAA-1F9B-47B9-B481-E75C2FA7E889}"/>
-              </a:ext>
-            </a:extLst>
-          </p:cNvPr>
+          <p:cNvPr id="6" name="Footer Placeholder 5"/>
           <p:cNvSpPr>
             <a:spLocks noGrp="1"/>
           </p:cNvSpPr>
@@ -1443,13 +3890,7 @@
       </p:sp>
       <p:sp>
         <p:nvSpPr>
-          <p:cNvPr id="7" name="Slide Number Placeholder 6">
-            <a:extLst>
-              <a:ext uri="{FF2B5EF4-FFF2-40B4-BE49-F238E27FC236}">
-                <a16:creationId xmlns:a16="http://schemas.microsoft.com/office/drawing/2014/main" id="{3E718700-AC2E-4E56-8E02-C9F8F1B1DD6F}"/>
-              </a:ext>
-            </a:extLst>
-          </p:cNvPr>
+          <p:cNvPr id="7" name="Slide Number Placeholder 6"/>
           <p:cNvSpPr>
             <a:spLocks noGrp="1"/>
           </p:cNvSpPr>
@@ -1473,7 +3914,7 @@
     </p:spTree>
     <p:extLst>
       <p:ext uri="{BB962C8B-B14F-4D97-AF65-F5344CB8AC3E}">
-        <p14:creationId xmlns:p14="http://schemas.microsoft.com/office/powerpoint/2010/main" val="2243610707"/>
+        <p14:creationId xmlns:p14="http://schemas.microsoft.com/office/powerpoint/2010/main" val="3568560142"/>
       </p:ext>
     </p:extLst>
   </p:cSld>
@@ -1502,13 +3943,7 @@
       </p:grpSpPr>
       <p:sp>
         <p:nvSpPr>
-          <p:cNvPr id="2" name="Title 1">
-            <a:extLst>
-              <a:ext uri="{FF2B5EF4-FFF2-40B4-BE49-F238E27FC236}">
-                <a16:creationId xmlns:a16="http://schemas.microsoft.com/office/drawing/2014/main" id="{1AB3F855-15B3-46F4-97FE-EC214FE10D13}"/>
-              </a:ext>
-            </a:extLst>
-          </p:cNvPr>
+          <p:cNvPr id="2" name="Title 1"/>
           <p:cNvSpPr>
             <a:spLocks noGrp="1"/>
           </p:cNvSpPr>
@@ -1530,18 +3965,13 @@
               <a:rPr lang="en-US"/>
               <a:t>Click to edit Master title style</a:t>
             </a:r>
-          </a:p>
-        </p:txBody>
-      </p:sp>
-      <p:sp>
-        <p:nvSpPr>
-          <p:cNvPr id="3" name="Text Placeholder 2">
-            <a:extLst>
-              <a:ext uri="{FF2B5EF4-FFF2-40B4-BE49-F238E27FC236}">
-                <a16:creationId xmlns:a16="http://schemas.microsoft.com/office/drawing/2014/main" id="{F37B6AC3-A250-455A-9217-97A603C3B3EB}"/>
-              </a:ext>
-            </a:extLst>
-          </p:cNvPr>
+            <a:endParaRPr lang="en-US" dirty="0"/>
+          </a:p>
+        </p:txBody>
+      </p:sp>
+      <p:sp>
+        <p:nvSpPr>
+          <p:cNvPr id="3" name="Text Placeholder 2"/>
           <p:cNvSpPr>
             <a:spLocks noGrp="1"/>
           </p:cNvSpPr>
@@ -1551,8 +3981,8 @@
         </p:nvSpPr>
         <p:spPr>
           <a:xfrm>
-            <a:off x="839788" y="1681163"/>
-            <a:ext cx="5157787" cy="823912"/>
+            <a:off x="1120000" y="1681163"/>
+            <a:ext cx="5025216" cy="823912"/>
           </a:xfrm>
         </p:spPr>
         <p:txBody>
@@ -1560,7 +3990,34 @@
           <a:lstStyle>
             <a:lvl1pPr marL="0" indent="0">
               <a:buNone/>
-              <a:defRPr sz="2400" b="1"/>
+              <a:defRPr sz="2400" b="0">
+                <a:gradFill>
+                  <a:gsLst>
+                    <a:gs pos="15000">
+                      <a:schemeClr val="tx2"/>
+                    </a:gs>
+                    <a:gs pos="73000">
+                      <a:schemeClr val="tx2">
+                        <a:lumMod val="60000"/>
+                        <a:lumOff val="40000"/>
+                      </a:schemeClr>
+                    </a:gs>
+                    <a:gs pos="0">
+                      <a:schemeClr val="tx2">
+                        <a:lumMod val="90000"/>
+                        <a:lumOff val="10000"/>
+                      </a:schemeClr>
+                    </a:gs>
+                    <a:gs pos="100000">
+                      <a:schemeClr val="tx2">
+                        <a:lumMod val="0"/>
+                        <a:lumOff val="100000"/>
+                      </a:schemeClr>
+                    </a:gs>
+                  </a:gsLst>
+                  <a:lin ang="16200000" scaled="1"/>
+                </a:gradFill>
+              </a:defRPr>
             </a:lvl1pPr>
             <a:lvl2pPr marL="457200" indent="0">
               <a:buNone/>
@@ -1606,13 +4063,7 @@
       </p:sp>
       <p:sp>
         <p:nvSpPr>
-          <p:cNvPr id="4" name="Content Placeholder 3">
-            <a:extLst>
-              <a:ext uri="{FF2B5EF4-FFF2-40B4-BE49-F238E27FC236}">
-                <a16:creationId xmlns:a16="http://schemas.microsoft.com/office/drawing/2014/main" id="{32C165EC-A996-4162-AC33-D672B6637EB1}"/>
-              </a:ext>
-            </a:extLst>
-          </p:cNvPr>
+          <p:cNvPr id="4" name="Content Placeholder 3"/>
           <p:cNvSpPr>
             <a:spLocks noGrp="1"/>
           </p:cNvSpPr>
@@ -1622,8 +4073,8 @@
         </p:nvSpPr>
         <p:spPr>
           <a:xfrm>
-            <a:off x="839788" y="2505075"/>
-            <a:ext cx="5157787" cy="3684588"/>
+            <a:off x="1120000" y="2505075"/>
+            <a:ext cx="5025216" cy="3684588"/>
           </a:xfrm>
         </p:spPr>
         <p:txBody>
@@ -1663,18 +4114,13 @@
               <a:rPr lang="en-US"/>
               <a:t>Fifth level</a:t>
             </a:r>
-          </a:p>
-        </p:txBody>
-      </p:sp>
-      <p:sp>
-        <p:nvSpPr>
-          <p:cNvPr id="5" name="Text Placeholder 4">
-            <a:extLst>
-              <a:ext uri="{FF2B5EF4-FFF2-40B4-BE49-F238E27FC236}">
-                <a16:creationId xmlns:a16="http://schemas.microsoft.com/office/drawing/2014/main" id="{236FFF69-1B8F-4A31-AAB3-E5B7BC1F373E}"/>
-              </a:ext>
-            </a:extLst>
-          </p:cNvPr>
+            <a:endParaRPr lang="en-US" dirty="0"/>
+          </a:p>
+        </p:txBody>
+      </p:sp>
+      <p:sp>
+        <p:nvSpPr>
+          <p:cNvPr id="5" name="Text Placeholder 4"/>
           <p:cNvSpPr>
             <a:spLocks noGrp="1"/>
           </p:cNvSpPr>
@@ -1684,91 +4130,84 @@
         </p:nvSpPr>
         <p:spPr>
           <a:xfrm>
-            <a:off x="6172200" y="1681163"/>
-            <a:ext cx="5183188" cy="823912"/>
-          </a:xfrm>
-        </p:spPr>
-        <p:txBody>
-          <a:bodyPr anchor="b"/>
+            <a:off x="6319840" y="1681163"/>
+            <a:ext cx="5035548" cy="823912"/>
+          </a:xfrm>
+        </p:spPr>
+        <p:txBody>
+          <a:bodyPr vert="horz" lIns="91440" tIns="45720" rIns="91440" bIns="45720" rtlCol="0" anchor="b">
+            <a:normAutofit/>
+          </a:bodyPr>
           <a:lstStyle>
-            <a:lvl1pPr marL="0" indent="0">
-              <a:buNone/>
-              <a:defRPr sz="2400" b="1"/>
+            <a:lvl1pPr>
+              <a:buNone/>
+              <a:defRPr lang="en-US" sz="2400" b="0">
+                <a:gradFill>
+                  <a:gsLst>
+                    <a:gs pos="15000">
+                      <a:schemeClr val="tx2"/>
+                    </a:gs>
+                    <a:gs pos="73000">
+                      <a:schemeClr val="tx2">
+                        <a:lumMod val="60000"/>
+                        <a:lumOff val="40000"/>
+                      </a:schemeClr>
+                    </a:gs>
+                    <a:gs pos="0">
+                      <a:schemeClr val="tx2">
+                        <a:lumMod val="90000"/>
+                        <a:lumOff val="10000"/>
+                      </a:schemeClr>
+                    </a:gs>
+                    <a:gs pos="100000">
+                      <a:schemeClr val="tx2">
+                        <a:lumMod val="0"/>
+                        <a:lumOff val="100000"/>
+                      </a:schemeClr>
+                    </a:gs>
+                  </a:gsLst>
+                  <a:lin ang="16200000" scaled="1"/>
+                </a:gradFill>
+              </a:defRPr>
             </a:lvl1pPr>
-            <a:lvl2pPr marL="457200" indent="0">
-              <a:buNone/>
-              <a:defRPr sz="2000" b="1"/>
-            </a:lvl2pPr>
-            <a:lvl3pPr marL="914400" indent="0">
-              <a:buNone/>
-              <a:defRPr sz="1800" b="1"/>
-            </a:lvl3pPr>
-            <a:lvl4pPr marL="1371600" indent="0">
-              <a:buNone/>
-              <a:defRPr sz="1600" b="1"/>
-            </a:lvl4pPr>
-            <a:lvl5pPr marL="1828800" indent="0">
-              <a:buNone/>
-              <a:defRPr sz="1600" b="1"/>
-            </a:lvl5pPr>
-            <a:lvl6pPr marL="2286000" indent="0">
-              <a:buNone/>
-              <a:defRPr sz="1600" b="1"/>
-            </a:lvl6pPr>
-            <a:lvl7pPr marL="2743200" indent="0">
-              <a:buNone/>
-              <a:defRPr sz="1600" b="1"/>
-            </a:lvl7pPr>
-            <a:lvl8pPr marL="3200400" indent="0">
-              <a:buNone/>
-              <a:defRPr sz="1600" b="1"/>
-            </a:lvl8pPr>
-            <a:lvl9pPr marL="3657600" indent="0">
-              <a:buNone/>
-              <a:defRPr sz="1600" b="1"/>
-            </a:lvl9pPr>
           </a:lstStyle>
           <a:p>
+            <a:pPr marL="0" lvl="0" indent="0">
+              <a:buNone/>
+            </a:pPr>
+            <a:r>
+              <a:rPr lang="en-US"/>
+              <a:t>Click to edit Master text styles</a:t>
+            </a:r>
+          </a:p>
+        </p:txBody>
+      </p:sp>
+      <p:sp>
+        <p:nvSpPr>
+          <p:cNvPr id="6" name="Content Placeholder 5"/>
+          <p:cNvSpPr>
+            <a:spLocks noGrp="1"/>
+          </p:cNvSpPr>
+          <p:nvPr>
+            <p:ph sz="quarter" idx="4"/>
+          </p:nvPr>
+        </p:nvSpPr>
+        <p:spPr>
+          <a:xfrm>
+            <a:off x="6319840" y="2505075"/>
+            <a:ext cx="5035548" cy="3684588"/>
+          </a:xfrm>
+        </p:spPr>
+        <p:txBody>
+          <a:bodyPr/>
+          <a:lstStyle/>
+          <a:p>
             <a:pPr lvl="0"/>
             <a:r>
               <a:rPr lang="en-US"/>
               <a:t>Click to edit Master text styles</a:t>
             </a:r>
           </a:p>
-        </p:txBody>
-      </p:sp>
-      <p:sp>
-        <p:nvSpPr>
-          <p:cNvPr id="6" name="Content Placeholder 5">
-            <a:extLst>
-              <a:ext uri="{FF2B5EF4-FFF2-40B4-BE49-F238E27FC236}">
-                <a16:creationId xmlns:a16="http://schemas.microsoft.com/office/drawing/2014/main" id="{F1D8E676-BB5B-4C88-8FD6-E3245EE80041}"/>
-              </a:ext>
-            </a:extLst>
-          </p:cNvPr>
-          <p:cNvSpPr>
-            <a:spLocks noGrp="1"/>
-          </p:cNvSpPr>
-          <p:nvPr>
-            <p:ph sz="quarter" idx="4"/>
-          </p:nvPr>
-        </p:nvSpPr>
-        <p:spPr>
-          <a:xfrm>
-            <a:off x="6172200" y="2505075"/>
-            <a:ext cx="5183188" cy="3684588"/>
-          </a:xfrm>
-        </p:spPr>
-        <p:txBody>
-          <a:bodyPr/>
-          <a:lstStyle/>
-          <a:p>
-            <a:pPr lvl="0"/>
-            <a:r>
-              <a:rPr lang="en-US"/>
-              <a:t>Click to edit Master text styles</a:t>
-            </a:r>
-          </a:p>
           <a:p>
             <a:pPr lvl="1"/>
             <a:r>
@@ -1796,18 +4235,13 @@
               <a:rPr lang="en-US"/>
               <a:t>Fifth level</a:t>
             </a:r>
-          </a:p>
-        </p:txBody>
-      </p:sp>
-      <p:sp>
-        <p:nvSpPr>
-          <p:cNvPr id="7" name="Date Placeholder 6">
-            <a:extLst>
-              <a:ext uri="{FF2B5EF4-FFF2-40B4-BE49-F238E27FC236}">
-                <a16:creationId xmlns:a16="http://schemas.microsoft.com/office/drawing/2014/main" id="{096BC676-CC38-49CB-BA24-46210943634A}"/>
-              </a:ext>
-            </a:extLst>
-          </p:cNvPr>
+            <a:endParaRPr lang="en-US" dirty="0"/>
+          </a:p>
+        </p:txBody>
+      </p:sp>
+      <p:sp>
+        <p:nvSpPr>
+          <p:cNvPr id="7" name="Date Placeholder 6"/>
           <p:cNvSpPr>
             <a:spLocks noGrp="1"/>
           </p:cNvSpPr>
@@ -1830,13 +4264,7 @@
       </p:sp>
       <p:sp>
         <p:nvSpPr>
-          <p:cNvPr id="8" name="Footer Placeholder 7">
-            <a:extLst>
-              <a:ext uri="{FF2B5EF4-FFF2-40B4-BE49-F238E27FC236}">
-                <a16:creationId xmlns:a16="http://schemas.microsoft.com/office/drawing/2014/main" id="{3C99D075-13E5-4A10-B247-4773B44DED8E}"/>
-              </a:ext>
-            </a:extLst>
-          </p:cNvPr>
+          <p:cNvPr id="8" name="Footer Placeholder 7"/>
           <p:cNvSpPr>
             <a:spLocks noGrp="1"/>
           </p:cNvSpPr>
@@ -1855,13 +4283,7 @@
       </p:sp>
       <p:sp>
         <p:nvSpPr>
-          <p:cNvPr id="9" name="Slide Number Placeholder 8">
-            <a:extLst>
-              <a:ext uri="{FF2B5EF4-FFF2-40B4-BE49-F238E27FC236}">
-                <a16:creationId xmlns:a16="http://schemas.microsoft.com/office/drawing/2014/main" id="{BA7B8FFF-E7C4-43D1-A732-70619D30F7E0}"/>
-              </a:ext>
-            </a:extLst>
-          </p:cNvPr>
+          <p:cNvPr id="9" name="Slide Number Placeholder 8"/>
           <p:cNvSpPr>
             <a:spLocks noGrp="1"/>
           </p:cNvSpPr>
@@ -1885,7 +4307,7 @@
     </p:spTree>
     <p:extLst>
       <p:ext uri="{BB962C8B-B14F-4D97-AF65-F5344CB8AC3E}">
-        <p14:creationId xmlns:p14="http://schemas.microsoft.com/office/powerpoint/2010/main" val="1639816223"/>
+        <p14:creationId xmlns:p14="http://schemas.microsoft.com/office/powerpoint/2010/main" val="4066725334"/>
       </p:ext>
     </p:extLst>
   </p:cSld>
@@ -1914,13 +4336,7 @@
       </p:grpSpPr>
       <p:sp>
         <p:nvSpPr>
-          <p:cNvPr id="2" name="Title 1">
-            <a:extLst>
-              <a:ext uri="{FF2B5EF4-FFF2-40B4-BE49-F238E27FC236}">
-                <a16:creationId xmlns:a16="http://schemas.microsoft.com/office/drawing/2014/main" id="{4E8528D8-97BF-4420-B5E6-429CB7E1F47A}"/>
-              </a:ext>
-            </a:extLst>
-          </p:cNvPr>
+          <p:cNvPr id="2" name="Title 1"/>
           <p:cNvSpPr>
             <a:spLocks noGrp="1"/>
           </p:cNvSpPr>
@@ -1937,18 +4353,13 @@
               <a:rPr lang="en-US"/>
               <a:t>Click to edit Master title style</a:t>
             </a:r>
-          </a:p>
-        </p:txBody>
-      </p:sp>
-      <p:sp>
-        <p:nvSpPr>
-          <p:cNvPr id="3" name="Date Placeholder 2">
-            <a:extLst>
-              <a:ext uri="{FF2B5EF4-FFF2-40B4-BE49-F238E27FC236}">
-                <a16:creationId xmlns:a16="http://schemas.microsoft.com/office/drawing/2014/main" id="{D8C29BBE-4020-4FF4-960B-AA5DB7784FFA}"/>
-              </a:ext>
-            </a:extLst>
-          </p:cNvPr>
+            <a:endParaRPr lang="en-US" dirty="0"/>
+          </a:p>
+        </p:txBody>
+      </p:sp>
+      <p:sp>
+        <p:nvSpPr>
+          <p:cNvPr id="3" name="Date Placeholder 2"/>
           <p:cNvSpPr>
             <a:spLocks noGrp="1"/>
           </p:cNvSpPr>
@@ -1971,13 +4382,7 @@
       </p:sp>
       <p:sp>
         <p:nvSpPr>
-          <p:cNvPr id="4" name="Footer Placeholder 3">
-            <a:extLst>
-              <a:ext uri="{FF2B5EF4-FFF2-40B4-BE49-F238E27FC236}">
-                <a16:creationId xmlns:a16="http://schemas.microsoft.com/office/drawing/2014/main" id="{7531C748-4F8C-4644-BD0B-6794D0C605EE}"/>
-              </a:ext>
-            </a:extLst>
-          </p:cNvPr>
+          <p:cNvPr id="4" name="Footer Placeholder 3"/>
           <p:cNvSpPr>
             <a:spLocks noGrp="1"/>
           </p:cNvSpPr>
@@ -1996,13 +4401,7 @@
       </p:sp>
       <p:sp>
         <p:nvSpPr>
-          <p:cNvPr id="5" name="Slide Number Placeholder 4">
-            <a:extLst>
-              <a:ext uri="{FF2B5EF4-FFF2-40B4-BE49-F238E27FC236}">
-                <a16:creationId xmlns:a16="http://schemas.microsoft.com/office/drawing/2014/main" id="{254A9E0B-DD6F-4FB7-A836-A9238CB39CB6}"/>
-              </a:ext>
-            </a:extLst>
-          </p:cNvPr>
+          <p:cNvPr id="5" name="Slide Number Placeholder 4"/>
           <p:cNvSpPr>
             <a:spLocks noGrp="1"/>
           </p:cNvSpPr>
@@ -2026,7 +4425,7 @@
     </p:spTree>
     <p:extLst>
       <p:ext uri="{BB962C8B-B14F-4D97-AF65-F5344CB8AC3E}">
-        <p14:creationId xmlns:p14="http://schemas.microsoft.com/office/powerpoint/2010/main" val="1261531081"/>
+        <p14:creationId xmlns:p14="http://schemas.microsoft.com/office/powerpoint/2010/main" val="1398664655"/>
       </p:ext>
     </p:extLst>
   </p:cSld>
@@ -2055,13 +4454,7 @@
       </p:grpSpPr>
       <p:sp>
         <p:nvSpPr>
-          <p:cNvPr id="2" name="Date Placeholder 1">
-            <a:extLst>
-              <a:ext uri="{FF2B5EF4-FFF2-40B4-BE49-F238E27FC236}">
-                <a16:creationId xmlns:a16="http://schemas.microsoft.com/office/drawing/2014/main" id="{8351167B-679D-4D80-A867-716A7AC23DCF}"/>
-              </a:ext>
-            </a:extLst>
-          </p:cNvPr>
+          <p:cNvPr id="2" name="Date Placeholder 1"/>
           <p:cNvSpPr>
             <a:spLocks noGrp="1"/>
           </p:cNvSpPr>
@@ -2084,13 +4477,7 @@
       </p:sp>
       <p:sp>
         <p:nvSpPr>
-          <p:cNvPr id="3" name="Footer Placeholder 2">
-            <a:extLst>
-              <a:ext uri="{FF2B5EF4-FFF2-40B4-BE49-F238E27FC236}">
-                <a16:creationId xmlns:a16="http://schemas.microsoft.com/office/drawing/2014/main" id="{BC0745D1-F79B-4219-B64E-79CFD8EA0B98}"/>
-              </a:ext>
-            </a:extLst>
-          </p:cNvPr>
+          <p:cNvPr id="3" name="Footer Placeholder 2"/>
           <p:cNvSpPr>
             <a:spLocks noGrp="1"/>
           </p:cNvSpPr>
@@ -2109,13 +4496,7 @@
       </p:sp>
       <p:sp>
         <p:nvSpPr>
-          <p:cNvPr id="4" name="Slide Number Placeholder 3">
-            <a:extLst>
-              <a:ext uri="{FF2B5EF4-FFF2-40B4-BE49-F238E27FC236}">
-                <a16:creationId xmlns:a16="http://schemas.microsoft.com/office/drawing/2014/main" id="{EEB0EFEA-B2CF-4BBF-9BBB-114C466290DC}"/>
-              </a:ext>
-            </a:extLst>
-          </p:cNvPr>
+          <p:cNvPr id="4" name="Slide Number Placeholder 3"/>
           <p:cNvSpPr>
             <a:spLocks noGrp="1"/>
           </p:cNvSpPr>
@@ -2139,7 +4520,7 @@
     </p:spTree>
     <p:extLst>
       <p:ext uri="{BB962C8B-B14F-4D97-AF65-F5344CB8AC3E}">
-        <p14:creationId xmlns:p14="http://schemas.microsoft.com/office/powerpoint/2010/main" val="3237548524"/>
+        <p14:creationId xmlns:p14="http://schemas.microsoft.com/office/powerpoint/2010/main" val="4088463847"/>
       </p:ext>
     </p:extLst>
   </p:cSld>
@@ -2168,13 +4549,7 @@
       </p:grpSpPr>
       <p:sp>
         <p:nvSpPr>
-          <p:cNvPr id="2" name="Title 1">
-            <a:extLst>
-              <a:ext uri="{FF2B5EF4-FFF2-40B4-BE49-F238E27FC236}">
-                <a16:creationId xmlns:a16="http://schemas.microsoft.com/office/drawing/2014/main" id="{B297B8DD-2A86-4BE6-958A-C55AF5D9F4C7}"/>
-              </a:ext>
-            </a:extLst>
-          </p:cNvPr>
+          <p:cNvPr id="2" name="Title 1"/>
           <p:cNvSpPr>
             <a:spLocks noGrp="1"/>
           </p:cNvSpPr>
@@ -2200,18 +4575,13 @@
               <a:rPr lang="en-US"/>
               <a:t>Click to edit Master title style</a:t>
             </a:r>
-          </a:p>
-        </p:txBody>
-      </p:sp>
-      <p:sp>
-        <p:nvSpPr>
-          <p:cNvPr id="3" name="Content Placeholder 2">
-            <a:extLst>
-              <a:ext uri="{FF2B5EF4-FFF2-40B4-BE49-F238E27FC236}">
-                <a16:creationId xmlns:a16="http://schemas.microsoft.com/office/drawing/2014/main" id="{DEB18902-CD0C-4428-919C-75DCC7D2B7AA}"/>
-              </a:ext>
-            </a:extLst>
-          </p:cNvPr>
+            <a:endParaRPr lang="en-US" dirty="0"/>
+          </a:p>
+        </p:txBody>
+      </p:sp>
+      <p:sp>
+        <p:nvSpPr>
+          <p:cNvPr id="3" name="Content Placeholder 2"/>
           <p:cNvSpPr>
             <a:spLocks noGrp="1"/>
           </p:cNvSpPr>
@@ -2227,35 +4597,7 @@
         </p:spPr>
         <p:txBody>
           <a:bodyPr/>
-          <a:lstStyle>
-            <a:lvl1pPr>
-              <a:defRPr sz="3200"/>
-            </a:lvl1pPr>
-            <a:lvl2pPr>
-              <a:defRPr sz="2800"/>
-            </a:lvl2pPr>
-            <a:lvl3pPr>
-              <a:defRPr sz="2400"/>
-            </a:lvl3pPr>
-            <a:lvl4pPr>
-              <a:defRPr sz="2000"/>
-            </a:lvl4pPr>
-            <a:lvl5pPr>
-              <a:defRPr sz="2000"/>
-            </a:lvl5pPr>
-            <a:lvl6pPr>
-              <a:defRPr sz="2000"/>
-            </a:lvl6pPr>
-            <a:lvl7pPr>
-              <a:defRPr sz="2000"/>
-            </a:lvl7pPr>
-            <a:lvl8pPr>
-              <a:defRPr sz="2000"/>
-            </a:lvl8pPr>
-            <a:lvl9pPr>
-              <a:defRPr sz="2000"/>
-            </a:lvl9pPr>
-          </a:lstStyle>
+          <a:lstStyle/>
           <a:p>
             <a:pPr lvl="0"/>
             <a:r>
@@ -2290,18 +4632,13 @@
               <a:rPr lang="en-US"/>
               <a:t>Fifth level</a:t>
             </a:r>
-          </a:p>
-        </p:txBody>
-      </p:sp>
-      <p:sp>
-        <p:nvSpPr>
-          <p:cNvPr id="4" name="Text Placeholder 3">
-            <a:extLst>
-              <a:ext uri="{FF2B5EF4-FFF2-40B4-BE49-F238E27FC236}">
-                <a16:creationId xmlns:a16="http://schemas.microsoft.com/office/drawing/2014/main" id="{AA464E07-AAEB-40EB-8F3C-C4B75C8B5BD4}"/>
-              </a:ext>
-            </a:extLst>
-          </p:cNvPr>
+            <a:endParaRPr lang="en-US" dirty="0"/>
+          </a:p>
+        </p:txBody>
+      </p:sp>
+      <p:sp>
+        <p:nvSpPr>
+          <p:cNvPr id="4" name="Text Placeholder 3"/>
           <p:cNvSpPr>
             <a:spLocks noGrp="1"/>
           </p:cNvSpPr>
@@ -2311,8 +4648,8 @@
         </p:nvSpPr>
         <p:spPr>
           <a:xfrm>
-            <a:off x="839788" y="2057400"/>
-            <a:ext cx="3932237" cy="3811588"/>
+            <a:off x="1120000" y="2057400"/>
+            <a:ext cx="3652025" cy="3811588"/>
           </a:xfrm>
         </p:spPr>
         <p:txBody>
@@ -2320,7 +4657,31 @@
           <a:lstStyle>
             <a:lvl1pPr marL="0" indent="0">
               <a:buNone/>
-              <a:defRPr sz="1600"/>
+              <a:defRPr sz="1600">
+                <a:gradFill>
+                  <a:gsLst>
+                    <a:gs pos="15000">
+                      <a:schemeClr val="tx2"/>
+                    </a:gs>
+                    <a:gs pos="73000">
+                      <a:schemeClr val="tx2">
+                        <a:lumMod val="60000"/>
+                        <a:lumOff val="40000"/>
+                      </a:schemeClr>
+                    </a:gs>
+                    <a:gs pos="0">
+                      <a:schemeClr val="tx1"/>
+                    </a:gs>
+                    <a:gs pos="100000">
+                      <a:schemeClr val="tx2">
+                        <a:lumMod val="0"/>
+                        <a:lumOff val="100000"/>
+                      </a:schemeClr>
+                    </a:gs>
+                  </a:gsLst>
+                  <a:lin ang="16200000" scaled="1"/>
+                </a:gradFill>
+              </a:defRPr>
             </a:lvl1pPr>
             <a:lvl2pPr marL="457200" indent="0">
               <a:buNone/>
@@ -2366,13 +4727,7 @@
       </p:sp>
       <p:sp>
         <p:nvSpPr>
-          <p:cNvPr id="5" name="Date Placeholder 4">
-            <a:extLst>
-              <a:ext uri="{FF2B5EF4-FFF2-40B4-BE49-F238E27FC236}">
-                <a16:creationId xmlns:a16="http://schemas.microsoft.com/office/drawing/2014/main" id="{91EED348-6DBA-4E58-AF16-17504671FBB9}"/>
-              </a:ext>
-            </a:extLst>
-          </p:cNvPr>
+          <p:cNvPr id="5" name="Date Placeholder 4"/>
           <p:cNvSpPr>
             <a:spLocks noGrp="1"/>
           </p:cNvSpPr>
@@ -2395,13 +4750,7 @@
       </p:sp>
       <p:sp>
         <p:nvSpPr>
-          <p:cNvPr id="6" name="Footer Placeholder 5">
-            <a:extLst>
-              <a:ext uri="{FF2B5EF4-FFF2-40B4-BE49-F238E27FC236}">
-                <a16:creationId xmlns:a16="http://schemas.microsoft.com/office/drawing/2014/main" id="{8D5F9C2C-F2FC-4A54-BC82-ABA0F34A1428}"/>
-              </a:ext>
-            </a:extLst>
-          </p:cNvPr>
+          <p:cNvPr id="6" name="Footer Placeholder 5"/>
           <p:cNvSpPr>
             <a:spLocks noGrp="1"/>
           </p:cNvSpPr>
@@ -2420,13 +4769,7 @@
       </p:sp>
       <p:sp>
         <p:nvSpPr>
-          <p:cNvPr id="7" name="Slide Number Placeholder 6">
-            <a:extLst>
-              <a:ext uri="{FF2B5EF4-FFF2-40B4-BE49-F238E27FC236}">
-                <a16:creationId xmlns:a16="http://schemas.microsoft.com/office/drawing/2014/main" id="{810B8BA3-DDE8-4AF6-B9DC-223575AAC5C2}"/>
-              </a:ext>
-            </a:extLst>
-          </p:cNvPr>
+          <p:cNvPr id="7" name="Slide Number Placeholder 6"/>
           <p:cNvSpPr>
             <a:spLocks noGrp="1"/>
           </p:cNvSpPr>
@@ -2450,7 +4793,7 @@
     </p:spTree>
     <p:extLst>
       <p:ext uri="{BB962C8B-B14F-4D97-AF65-F5344CB8AC3E}">
-        <p14:creationId xmlns:p14="http://schemas.microsoft.com/office/powerpoint/2010/main" val="1533878738"/>
+        <p14:creationId xmlns:p14="http://schemas.microsoft.com/office/powerpoint/2010/main" val="3484714256"/>
       </p:ext>
     </p:extLst>
   </p:cSld>
@@ -2479,13 +4822,7 @@
       </p:grpSpPr>
       <p:sp>
         <p:nvSpPr>
-          <p:cNvPr id="2" name="Title 1">
-            <a:extLst>
-              <a:ext uri="{FF2B5EF4-FFF2-40B4-BE49-F238E27FC236}">
-                <a16:creationId xmlns:a16="http://schemas.microsoft.com/office/drawing/2014/main" id="{B3B6CCA0-2DCA-48EB-8F4E-2231FD9DA2F1}"/>
-              </a:ext>
-            </a:extLst>
-          </p:cNvPr>
+          <p:cNvPr id="2" name="Title 1"/>
           <p:cNvSpPr>
             <a:spLocks noGrp="1"/>
           </p:cNvSpPr>
@@ -2511,20 +4848,15 @@
               <a:rPr lang="en-US"/>
               <a:t>Click to edit Master title style</a:t>
             </a:r>
-          </a:p>
-        </p:txBody>
-      </p:sp>
-      <p:sp>
-        <p:nvSpPr>
-          <p:cNvPr id="3" name="Picture Placeholder 2">
-            <a:extLst>
-              <a:ext uri="{FF2B5EF4-FFF2-40B4-BE49-F238E27FC236}">
-                <a16:creationId xmlns:a16="http://schemas.microsoft.com/office/drawing/2014/main" id="{51EB9909-6657-446B-A7F4-7769CC32E44B}"/>
-              </a:ext>
-            </a:extLst>
-          </p:cNvPr>
-          <p:cNvSpPr>
-            <a:spLocks noGrp="1"/>
+            <a:endParaRPr lang="en-US" dirty="0"/>
+          </a:p>
+        </p:txBody>
+      </p:sp>
+      <p:sp>
+        <p:nvSpPr>
+          <p:cNvPr id="3" name="Picture Placeholder 2"/>
+          <p:cNvSpPr>
+            <a:spLocks noGrp="1" noChangeAspect="1"/>
           </p:cNvSpPr>
           <p:nvPr>
             <p:ph type="pic" idx="1"/>
@@ -2534,6 +4866,71 @@
           <a:xfrm>
             <a:off x="5183188" y="987425"/>
             <a:ext cx="6172200" cy="4873625"/>
+          </a:xfrm>
+        </p:spPr>
+        <p:txBody>
+          <a:bodyPr anchor="t"/>
+          <a:lstStyle>
+            <a:lvl1pPr marL="0" indent="0">
+              <a:buNone/>
+              <a:defRPr sz="3200"/>
+            </a:lvl1pPr>
+            <a:lvl2pPr marL="457200" indent="0">
+              <a:buNone/>
+              <a:defRPr sz="2800"/>
+            </a:lvl2pPr>
+            <a:lvl3pPr marL="914400" indent="0">
+              <a:buNone/>
+              <a:defRPr sz="2400"/>
+            </a:lvl3pPr>
+            <a:lvl4pPr marL="1371600" indent="0">
+              <a:buNone/>
+              <a:defRPr sz="2000"/>
+            </a:lvl4pPr>
+            <a:lvl5pPr marL="1828800" indent="0">
+              <a:buNone/>
+              <a:defRPr sz="2000"/>
+            </a:lvl5pPr>
+            <a:lvl6pPr marL="2286000" indent="0">
+              <a:buNone/>
+              <a:defRPr sz="2000"/>
+            </a:lvl6pPr>
+            <a:lvl7pPr marL="2743200" indent="0">
+              <a:buNone/>
+              <a:defRPr sz="2000"/>
+            </a:lvl7pPr>
+            <a:lvl8pPr marL="3200400" indent="0">
+              <a:buNone/>
+              <a:defRPr sz="2000"/>
+            </a:lvl8pPr>
+            <a:lvl9pPr marL="3657600" indent="0">
+              <a:buNone/>
+              <a:defRPr sz="2000"/>
+            </a:lvl9pPr>
+          </a:lstStyle>
+          <a:p>
+            <a:r>
+              <a:rPr lang="en-US"/>
+              <a:t>Click icon to add picture</a:t>
+            </a:r>
+            <a:endParaRPr lang="en-US" dirty="0"/>
+          </a:p>
+        </p:txBody>
+      </p:sp>
+      <p:sp>
+        <p:nvSpPr>
+          <p:cNvPr id="4" name="Text Placeholder 3"/>
+          <p:cNvSpPr>
+            <a:spLocks noGrp="1"/>
+          </p:cNvSpPr>
+          <p:nvPr>
+            <p:ph type="body" sz="half" idx="2"/>
+          </p:nvPr>
+        </p:nvSpPr>
+        <p:spPr>
+          <a:xfrm>
+            <a:off x="1120000" y="2057400"/>
+            <a:ext cx="3652025" cy="3811588"/>
           </a:xfrm>
         </p:spPr>
         <p:txBody>
@@ -2541,74 +4938,31 @@
           <a:lstStyle>
             <a:lvl1pPr marL="0" indent="0">
               <a:buNone/>
-              <a:defRPr sz="3200"/>
-            </a:lvl1pPr>
-            <a:lvl2pPr marL="457200" indent="0">
-              <a:buNone/>
-              <a:defRPr sz="2800"/>
-            </a:lvl2pPr>
-            <a:lvl3pPr marL="914400" indent="0">
-              <a:buNone/>
-              <a:defRPr sz="2400"/>
-            </a:lvl3pPr>
-            <a:lvl4pPr marL="1371600" indent="0">
-              <a:buNone/>
-              <a:defRPr sz="2000"/>
-            </a:lvl4pPr>
-            <a:lvl5pPr marL="1828800" indent="0">
-              <a:buNone/>
-              <a:defRPr sz="2000"/>
-            </a:lvl5pPr>
-            <a:lvl6pPr marL="2286000" indent="0">
-              <a:buNone/>
-              <a:defRPr sz="2000"/>
-            </a:lvl6pPr>
-            <a:lvl7pPr marL="2743200" indent="0">
-              <a:buNone/>
-              <a:defRPr sz="2000"/>
-            </a:lvl7pPr>
-            <a:lvl8pPr marL="3200400" indent="0">
-              <a:buNone/>
-              <a:defRPr sz="2000"/>
-            </a:lvl8pPr>
-            <a:lvl9pPr marL="3657600" indent="0">
-              <a:buNone/>
-              <a:defRPr sz="2000"/>
-            </a:lvl9pPr>
-          </a:lstStyle>
-          <a:p>
-            <a:endParaRPr lang="en-US"/>
-          </a:p>
-        </p:txBody>
-      </p:sp>
-      <p:sp>
-        <p:nvSpPr>
-          <p:cNvPr id="4" name="Text Placeholder 3">
-            <a:extLst>
-              <a:ext uri="{FF2B5EF4-FFF2-40B4-BE49-F238E27FC236}">
-                <a16:creationId xmlns:a16="http://schemas.microsoft.com/office/drawing/2014/main" id="{9883A6BF-6650-4FEE-AB32-DB4903569D6A}"/>
-              </a:ext>
-            </a:extLst>
-          </p:cNvPr>
-          <p:cNvSpPr>
-            <a:spLocks noGrp="1"/>
-          </p:cNvSpPr>
-          <p:nvPr>
-            <p:ph type="body" sz="half" idx="2"/>
-          </p:nvPr>
-        </p:nvSpPr>
-        <p:spPr>
-          <a:xfrm>
-            <a:off x="839788" y="2057400"/>
-            <a:ext cx="3932237" cy="3811588"/>
-          </a:xfrm>
-        </p:spPr>
-        <p:txBody>
-          <a:bodyPr/>
-          <a:lstStyle>
-            <a:lvl1pPr marL="0" indent="0">
-              <a:buNone/>
-              <a:defRPr sz="1600"/>
+              <a:defRPr sz="1600">
+                <a:gradFill>
+                  <a:gsLst>
+                    <a:gs pos="15000">
+                      <a:schemeClr val="tx2"/>
+                    </a:gs>
+                    <a:gs pos="73000">
+                      <a:schemeClr val="tx2">
+                        <a:lumMod val="60000"/>
+                        <a:lumOff val="40000"/>
+                      </a:schemeClr>
+                    </a:gs>
+                    <a:gs pos="0">
+                      <a:schemeClr val="tx1"/>
+                    </a:gs>
+                    <a:gs pos="100000">
+                      <a:schemeClr val="tx2">
+                        <a:lumMod val="0"/>
+                        <a:lumOff val="100000"/>
+                      </a:schemeClr>
+                    </a:gs>
+                  </a:gsLst>
+                  <a:lin ang="16200000" scaled="1"/>
+                </a:gradFill>
+              </a:defRPr>
             </a:lvl1pPr>
             <a:lvl2pPr marL="457200" indent="0">
               <a:buNone/>
@@ -2654,13 +5008,7 @@
       </p:sp>
       <p:sp>
         <p:nvSpPr>
-          <p:cNvPr id="5" name="Date Placeholder 4">
-            <a:extLst>
-              <a:ext uri="{FF2B5EF4-FFF2-40B4-BE49-F238E27FC236}">
-                <a16:creationId xmlns:a16="http://schemas.microsoft.com/office/drawing/2014/main" id="{E55E657F-8B1B-433C-B1C0-1F18AC6C0260}"/>
-              </a:ext>
-            </a:extLst>
-          </p:cNvPr>
+          <p:cNvPr id="5" name="Date Placeholder 4"/>
           <p:cNvSpPr>
             <a:spLocks noGrp="1"/>
           </p:cNvSpPr>
@@ -2683,13 +5031,7 @@
       </p:sp>
       <p:sp>
         <p:nvSpPr>
-          <p:cNvPr id="6" name="Footer Placeholder 5">
-            <a:extLst>
-              <a:ext uri="{FF2B5EF4-FFF2-40B4-BE49-F238E27FC236}">
-                <a16:creationId xmlns:a16="http://schemas.microsoft.com/office/drawing/2014/main" id="{95FC1F57-74F1-44B4-9540-5C58F45DEE15}"/>
-              </a:ext>
-            </a:extLst>
-          </p:cNvPr>
+          <p:cNvPr id="6" name="Footer Placeholder 5"/>
           <p:cNvSpPr>
             <a:spLocks noGrp="1"/>
           </p:cNvSpPr>
@@ -2708,13 +5050,7 @@
       </p:sp>
       <p:sp>
         <p:nvSpPr>
-          <p:cNvPr id="7" name="Slide Number Placeholder 6">
-            <a:extLst>
-              <a:ext uri="{FF2B5EF4-FFF2-40B4-BE49-F238E27FC236}">
-                <a16:creationId xmlns:a16="http://schemas.microsoft.com/office/drawing/2014/main" id="{7B6D71F6-4B48-40D3-ACF4-454B9AEDBC68}"/>
-              </a:ext>
-            </a:extLst>
-          </p:cNvPr>
+          <p:cNvPr id="7" name="Slide Number Placeholder 6"/>
           <p:cNvSpPr>
             <a:spLocks noGrp="1"/>
           </p:cNvSpPr>
@@ -2738,7 +5074,7 @@
     </p:spTree>
     <p:extLst>
       <p:ext uri="{BB962C8B-B14F-4D97-AF65-F5344CB8AC3E}">
-        <p14:creationId xmlns:p14="http://schemas.microsoft.com/office/powerpoint/2010/main" val="286497788"/>
+        <p14:creationId xmlns:p14="http://schemas.microsoft.com/office/powerpoint/2010/main" val="1456365439"/>
       </p:ext>
     </p:extLst>
   </p:cSld>
@@ -2752,9 +5088,18 @@
 <p:sldMaster xmlns:a="http://schemas.openxmlformats.org/drawingml/2006/main" xmlns:r="http://schemas.openxmlformats.org/officeDocument/2006/relationships" xmlns:p="http://schemas.openxmlformats.org/presentationml/2006/main">
   <p:cSld>
     <p:bg>
-      <p:bgRef idx="1001">
-        <a:schemeClr val="bg1"/>
-      </p:bgRef>
+      <p:bgPr>
+        <a:blipFill dpi="0" rotWithShape="1">
+          <a:blip r:embed="rId19">
+            <a:lum/>
+          </a:blip>
+          <a:srcRect/>
+          <a:stretch>
+            <a:fillRect/>
+          </a:stretch>
+        </a:blipFill>
+        <a:effectLst/>
+      </p:bgPr>
     </p:bg>
     <p:spTree>
       <p:nvGrpSpPr>
@@ -2772,13 +5117,7 @@
       </p:grpSpPr>
       <p:sp>
         <p:nvSpPr>
-          <p:cNvPr id="2" name="Title Placeholder 1">
-            <a:extLst>
-              <a:ext uri="{FF2B5EF4-FFF2-40B4-BE49-F238E27FC236}">
-                <a16:creationId xmlns:a16="http://schemas.microsoft.com/office/drawing/2014/main" id="{E501C022-EF2F-44B2-8F4B-090ED3B69BFD}"/>
-              </a:ext>
-            </a:extLst>
-          </p:cNvPr>
+          <p:cNvPr id="2" name="Title Placeholder 1"/>
           <p:cNvSpPr>
             <a:spLocks noGrp="1"/>
           </p:cNvSpPr>
@@ -2805,18 +5144,13 @@
               <a:rPr lang="en-US"/>
               <a:t>Click to edit Master title style</a:t>
             </a:r>
-          </a:p>
-        </p:txBody>
-      </p:sp>
-      <p:sp>
-        <p:nvSpPr>
-          <p:cNvPr id="3" name="Text Placeholder 2">
-            <a:extLst>
-              <a:ext uri="{FF2B5EF4-FFF2-40B4-BE49-F238E27FC236}">
-                <a16:creationId xmlns:a16="http://schemas.microsoft.com/office/drawing/2014/main" id="{9C552372-6623-4228-BF18-4518D6B11529}"/>
-              </a:ext>
-            </a:extLst>
-          </p:cNvPr>
+            <a:endParaRPr lang="en-US" dirty="0"/>
+          </a:p>
+        </p:txBody>
+      </p:sp>
+      <p:sp>
+        <p:nvSpPr>
+          <p:cNvPr id="3" name="Text Placeholder 2"/>
           <p:cNvSpPr>
             <a:spLocks noGrp="1"/>
           </p:cNvSpPr>
@@ -2826,8 +5160,8 @@
         </p:nvSpPr>
         <p:spPr>
           <a:xfrm>
-            <a:off x="838200" y="1825625"/>
-            <a:ext cx="10515600" cy="4351338"/>
+            <a:off x="1120000" y="1825625"/>
+            <a:ext cx="10233800" cy="4351338"/>
           </a:xfrm>
           <a:prstGeom prst="rect">
             <a:avLst/>
@@ -2872,18 +5206,13 @@
               <a:rPr lang="en-US"/>
               <a:t>Fifth level</a:t>
             </a:r>
-          </a:p>
-        </p:txBody>
-      </p:sp>
-      <p:sp>
-        <p:nvSpPr>
-          <p:cNvPr id="4" name="Date Placeholder 3">
-            <a:extLst>
-              <a:ext uri="{FF2B5EF4-FFF2-40B4-BE49-F238E27FC236}">
-                <a16:creationId xmlns:a16="http://schemas.microsoft.com/office/drawing/2014/main" id="{A3E8875A-34F1-4D07-A3F1-1212C9E7F7DA}"/>
-              </a:ext>
-            </a:extLst>
-          </p:cNvPr>
+            <a:endParaRPr lang="en-US" dirty="0"/>
+          </a:p>
+        </p:txBody>
+      </p:sp>
+      <p:sp>
+        <p:nvSpPr>
+          <p:cNvPr id="4" name="Date Placeholder 3"/>
           <p:cNvSpPr>
             <a:spLocks noGrp="1"/>
           </p:cNvSpPr>
@@ -2905,11 +5234,29 @@
           <a:lstStyle>
             <a:lvl1pPr algn="l">
               <a:defRPr sz="1200">
-                <a:solidFill>
-                  <a:schemeClr val="tx1">
-                    <a:tint val="75000"/>
-                  </a:schemeClr>
-                </a:solidFill>
+                <a:gradFill flip="none" rotWithShape="1">
+                  <a:gsLst>
+                    <a:gs pos="28000">
+                      <a:schemeClr val="tx1">
+                        <a:lumMod val="93000"/>
+                      </a:schemeClr>
+                    </a:gs>
+                    <a:gs pos="0">
+                      <a:schemeClr val="bg1">
+                        <a:lumMod val="38000"/>
+                        <a:lumOff val="62000"/>
+                      </a:schemeClr>
+                    </a:gs>
+                    <a:gs pos="100000">
+                      <a:schemeClr val="tx2">
+                        <a:lumMod val="0"/>
+                        <a:lumOff val="100000"/>
+                      </a:schemeClr>
+                    </a:gs>
+                  </a:gsLst>
+                  <a:lin ang="5400000" scaled="1"/>
+                  <a:tileRect/>
+                </a:gradFill>
               </a:defRPr>
             </a:lvl1pPr>
           </a:lstStyle>
@@ -2924,13 +5271,7 @@
       </p:sp>
       <p:sp>
         <p:nvSpPr>
-          <p:cNvPr id="5" name="Footer Placeholder 4">
-            <a:extLst>
-              <a:ext uri="{FF2B5EF4-FFF2-40B4-BE49-F238E27FC236}">
-                <a16:creationId xmlns:a16="http://schemas.microsoft.com/office/drawing/2014/main" id="{92D7FF8E-C8EB-4444-A0A3-03F172941A6C}"/>
-              </a:ext>
-            </a:extLst>
-          </p:cNvPr>
+          <p:cNvPr id="5" name="Footer Placeholder 4"/>
           <p:cNvSpPr>
             <a:spLocks noGrp="1"/>
           </p:cNvSpPr>
@@ -2952,11 +5293,29 @@
           <a:lstStyle>
             <a:lvl1pPr algn="ctr">
               <a:defRPr sz="1200">
-                <a:solidFill>
-                  <a:schemeClr val="tx1">
-                    <a:tint val="75000"/>
-                  </a:schemeClr>
-                </a:solidFill>
+                <a:gradFill flip="none" rotWithShape="1">
+                  <a:gsLst>
+                    <a:gs pos="28000">
+                      <a:schemeClr val="tx1">
+                        <a:lumMod val="93000"/>
+                      </a:schemeClr>
+                    </a:gs>
+                    <a:gs pos="0">
+                      <a:schemeClr val="bg1">
+                        <a:lumMod val="38000"/>
+                        <a:lumOff val="62000"/>
+                      </a:schemeClr>
+                    </a:gs>
+                    <a:gs pos="100000">
+                      <a:schemeClr val="tx2">
+                        <a:lumMod val="0"/>
+                        <a:lumOff val="100000"/>
+                      </a:schemeClr>
+                    </a:gs>
+                  </a:gsLst>
+                  <a:lin ang="5400000" scaled="1"/>
+                  <a:tileRect/>
+                </a:gradFill>
               </a:defRPr>
             </a:lvl1pPr>
           </a:lstStyle>
@@ -2967,13 +5326,7 @@
       </p:sp>
       <p:sp>
         <p:nvSpPr>
-          <p:cNvPr id="6" name="Slide Number Placeholder 5">
-            <a:extLst>
-              <a:ext uri="{FF2B5EF4-FFF2-40B4-BE49-F238E27FC236}">
-                <a16:creationId xmlns:a16="http://schemas.microsoft.com/office/drawing/2014/main" id="{D22D0A19-74C3-496A-BA9D-79E5FC33EE34}"/>
-              </a:ext>
-            </a:extLst>
-          </p:cNvPr>
+          <p:cNvPr id="6" name="Slide Number Placeholder 5"/>
           <p:cNvSpPr>
             <a:spLocks noGrp="1"/>
           </p:cNvSpPr>
@@ -2995,11 +5348,29 @@
           <a:lstStyle>
             <a:lvl1pPr algn="r">
               <a:defRPr sz="1200">
-                <a:solidFill>
-                  <a:schemeClr val="tx1">
-                    <a:tint val="75000"/>
-                  </a:schemeClr>
-                </a:solidFill>
+                <a:gradFill flip="none" rotWithShape="1">
+                  <a:gsLst>
+                    <a:gs pos="28000">
+                      <a:schemeClr val="tx1">
+                        <a:lumMod val="93000"/>
+                      </a:schemeClr>
+                    </a:gs>
+                    <a:gs pos="0">
+                      <a:schemeClr val="bg1">
+                        <a:lumMod val="38000"/>
+                        <a:lumOff val="62000"/>
+                      </a:schemeClr>
+                    </a:gs>
+                    <a:gs pos="100000">
+                      <a:schemeClr val="tx2">
+                        <a:lumMod val="0"/>
+                        <a:lumOff val="100000"/>
+                      </a:schemeClr>
+                    </a:gs>
+                  </a:gsLst>
+                  <a:lin ang="5400000" scaled="1"/>
+                  <a:tileRect/>
+                </a:gradFill>
               </a:defRPr>
             </a:lvl1pPr>
           </a:lstStyle>
@@ -3015,23 +5386,29 @@
     </p:spTree>
     <p:extLst>
       <p:ext uri="{BB962C8B-B14F-4D97-AF65-F5344CB8AC3E}">
-        <p14:creationId xmlns:p14="http://schemas.microsoft.com/office/powerpoint/2010/main" val="711514540"/>
+        <p14:creationId xmlns:p14="http://schemas.microsoft.com/office/powerpoint/2010/main" val="4012872326"/>
       </p:ext>
     </p:extLst>
   </p:cSld>
-  <p:clrMap bg1="lt1" tx1="dk1" bg2="lt2" tx2="dk2" accent1="accent1" accent2="accent2" accent3="accent3" accent4="accent4" accent5="accent5" accent6="accent6" hlink="hlink" folHlink="folHlink"/>
+  <p:clrMap bg1="dk1" tx1="lt1" bg2="dk2" tx2="lt2" accent1="accent1" accent2="accent2" accent3="accent3" accent4="accent4" accent5="accent5" accent6="accent6" hlink="hlink" folHlink="folHlink"/>
   <p:sldLayoutIdLst>
-    <p:sldLayoutId id="2147483649" r:id="rId1"/>
-    <p:sldLayoutId id="2147483650" r:id="rId2"/>
-    <p:sldLayoutId id="2147483651" r:id="rId3"/>
-    <p:sldLayoutId id="2147483652" r:id="rId4"/>
-    <p:sldLayoutId id="2147483653" r:id="rId5"/>
-    <p:sldLayoutId id="2147483654" r:id="rId6"/>
-    <p:sldLayoutId id="2147483655" r:id="rId7"/>
-    <p:sldLayoutId id="2147483656" r:id="rId8"/>
-    <p:sldLayoutId id="2147483657" r:id="rId9"/>
-    <p:sldLayoutId id="2147483658" r:id="rId10"/>
-    <p:sldLayoutId id="2147483659" r:id="rId11"/>
+    <p:sldLayoutId id="2147484000" r:id="rId1"/>
+    <p:sldLayoutId id="2147484001" r:id="rId2"/>
+    <p:sldLayoutId id="2147484002" r:id="rId3"/>
+    <p:sldLayoutId id="2147484003" r:id="rId4"/>
+    <p:sldLayoutId id="2147484004" r:id="rId5"/>
+    <p:sldLayoutId id="2147484005" r:id="rId6"/>
+    <p:sldLayoutId id="2147484006" r:id="rId7"/>
+    <p:sldLayoutId id="2147484007" r:id="rId8"/>
+    <p:sldLayoutId id="2147484008" r:id="rId9"/>
+    <p:sldLayoutId id="2147484009" r:id="rId10"/>
+    <p:sldLayoutId id="2147484010" r:id="rId11"/>
+    <p:sldLayoutId id="2147484011" r:id="rId12"/>
+    <p:sldLayoutId id="2147484012" r:id="rId13"/>
+    <p:sldLayoutId id="2147484013" r:id="rId14"/>
+    <p:sldLayoutId id="2147484014" r:id="rId15"/>
+    <p:sldLayoutId id="2147484015" r:id="rId16"/>
+    <p:sldLayoutId id="2147484016" r:id="rId17"/>
   </p:sldLayoutIdLst>
   <p:txStyles>
     <p:titleStyle>
@@ -3043,10 +5420,30 @@
           <a:spcPct val="0"/>
         </a:spcBef>
         <a:buNone/>
-        <a:defRPr sz="4400" kern="1200">
-          <a:solidFill>
-            <a:schemeClr val="tx1"/>
-          </a:solidFill>
+        <a:defRPr sz="5400" b="0" kern="1200">
+          <a:gradFill flip="none" rotWithShape="1">
+            <a:gsLst>
+              <a:gs pos="28000">
+                <a:schemeClr val="tx1">
+                  <a:lumMod val="93000"/>
+                </a:schemeClr>
+              </a:gs>
+              <a:gs pos="0">
+                <a:schemeClr val="bg1">
+                  <a:lumMod val="25000"/>
+                  <a:lumOff val="75000"/>
+                </a:schemeClr>
+              </a:gs>
+              <a:gs pos="100000">
+                <a:schemeClr val="tx2">
+                  <a:lumMod val="0"/>
+                  <a:lumOff val="100000"/>
+                </a:schemeClr>
+              </a:gs>
+            </a:gsLst>
+            <a:lin ang="4800000" scaled="0"/>
+            <a:tileRect/>
+          </a:gradFill>
           <a:latin typeface="+mj-lt"/>
           <a:ea typeface="+mj-ea"/>
           <a:cs typeface="+mj-cs"/>
@@ -3064,9 +5461,28 @@
         <a:buFont typeface="Arial" panose="020B0604020202020204" pitchFamily="34" charset="0"/>
         <a:buChar char="•"/>
         <a:defRPr sz="2800" kern="1200">
-          <a:solidFill>
-            <a:schemeClr val="tx1"/>
-          </a:solidFill>
+          <a:gradFill>
+            <a:gsLst>
+              <a:gs pos="34000">
+                <a:schemeClr val="tx1">
+                  <a:lumMod val="93000"/>
+                </a:schemeClr>
+              </a:gs>
+              <a:gs pos="0">
+                <a:schemeClr val="bg1">
+                  <a:lumMod val="25000"/>
+                  <a:lumOff val="75000"/>
+                </a:schemeClr>
+              </a:gs>
+              <a:gs pos="100000">
+                <a:schemeClr val="tx2">
+                  <a:lumMod val="0"/>
+                  <a:lumOff val="100000"/>
+                </a:schemeClr>
+              </a:gs>
+            </a:gsLst>
+            <a:lin ang="4800000" scaled="0"/>
+          </a:gradFill>
           <a:latin typeface="+mn-lt"/>
           <a:ea typeface="+mn-ea"/>
           <a:cs typeface="+mn-cs"/>
@@ -3082,9 +5498,28 @@
         <a:buFont typeface="Arial" panose="020B0604020202020204" pitchFamily="34" charset="0"/>
         <a:buChar char="•"/>
         <a:defRPr sz="2400" kern="1200">
-          <a:solidFill>
-            <a:schemeClr val="tx1"/>
-          </a:solidFill>
+          <a:gradFill>
+            <a:gsLst>
+              <a:gs pos="34000">
+                <a:schemeClr val="tx1">
+                  <a:lumMod val="93000"/>
+                </a:schemeClr>
+              </a:gs>
+              <a:gs pos="0">
+                <a:schemeClr val="bg1">
+                  <a:lumMod val="25000"/>
+                  <a:lumOff val="75000"/>
+                </a:schemeClr>
+              </a:gs>
+              <a:gs pos="100000">
+                <a:schemeClr val="tx2">
+                  <a:lumMod val="0"/>
+                  <a:lumOff val="100000"/>
+                </a:schemeClr>
+              </a:gs>
+            </a:gsLst>
+            <a:lin ang="4800000" scaled="0"/>
+          </a:gradFill>
           <a:latin typeface="+mn-lt"/>
           <a:ea typeface="+mn-ea"/>
           <a:cs typeface="+mn-cs"/>
@@ -3100,9 +5535,28 @@
         <a:buFont typeface="Arial" panose="020B0604020202020204" pitchFamily="34" charset="0"/>
         <a:buChar char="•"/>
         <a:defRPr sz="2000" kern="1200">
-          <a:solidFill>
-            <a:schemeClr val="tx1"/>
-          </a:solidFill>
+          <a:gradFill>
+            <a:gsLst>
+              <a:gs pos="34000">
+                <a:schemeClr val="tx1">
+                  <a:lumMod val="93000"/>
+                </a:schemeClr>
+              </a:gs>
+              <a:gs pos="0">
+                <a:schemeClr val="bg1">
+                  <a:lumMod val="25000"/>
+                  <a:lumOff val="75000"/>
+                </a:schemeClr>
+              </a:gs>
+              <a:gs pos="100000">
+                <a:schemeClr val="tx2">
+                  <a:lumMod val="0"/>
+                  <a:lumOff val="100000"/>
+                </a:schemeClr>
+              </a:gs>
+            </a:gsLst>
+            <a:lin ang="4800000" scaled="0"/>
+          </a:gradFill>
           <a:latin typeface="+mn-lt"/>
           <a:ea typeface="+mn-ea"/>
           <a:cs typeface="+mn-cs"/>
@@ -3118,9 +5572,28 @@
         <a:buFont typeface="Arial" panose="020B0604020202020204" pitchFamily="34" charset="0"/>
         <a:buChar char="•"/>
         <a:defRPr sz="1800" kern="1200">
-          <a:solidFill>
-            <a:schemeClr val="tx1"/>
-          </a:solidFill>
+          <a:gradFill>
+            <a:gsLst>
+              <a:gs pos="34000">
+                <a:schemeClr val="tx1">
+                  <a:lumMod val="93000"/>
+                </a:schemeClr>
+              </a:gs>
+              <a:gs pos="0">
+                <a:schemeClr val="bg1">
+                  <a:lumMod val="25000"/>
+                  <a:lumOff val="75000"/>
+                </a:schemeClr>
+              </a:gs>
+              <a:gs pos="100000">
+                <a:schemeClr val="tx2">
+                  <a:lumMod val="0"/>
+                  <a:lumOff val="100000"/>
+                </a:schemeClr>
+              </a:gs>
+            </a:gsLst>
+            <a:lin ang="4800000" scaled="0"/>
+          </a:gradFill>
           <a:latin typeface="+mn-lt"/>
           <a:ea typeface="+mn-ea"/>
           <a:cs typeface="+mn-cs"/>
@@ -3136,9 +5609,28 @@
         <a:buFont typeface="Arial" panose="020B0604020202020204" pitchFamily="34" charset="0"/>
         <a:buChar char="•"/>
         <a:defRPr sz="1800" kern="1200">
-          <a:solidFill>
-            <a:schemeClr val="tx1"/>
-          </a:solidFill>
+          <a:gradFill>
+            <a:gsLst>
+              <a:gs pos="34000">
+                <a:schemeClr val="tx1">
+                  <a:lumMod val="93000"/>
+                </a:schemeClr>
+              </a:gs>
+              <a:gs pos="0">
+                <a:schemeClr val="bg1">
+                  <a:lumMod val="25000"/>
+                  <a:lumOff val="75000"/>
+                </a:schemeClr>
+              </a:gs>
+              <a:gs pos="100000">
+                <a:schemeClr val="tx2">
+                  <a:lumMod val="0"/>
+                  <a:lumOff val="100000"/>
+                </a:schemeClr>
+              </a:gs>
+            </a:gsLst>
+            <a:lin ang="4800000" scaled="0"/>
+          </a:gradFill>
           <a:latin typeface="+mn-lt"/>
           <a:ea typeface="+mn-ea"/>
           <a:cs typeface="+mn-cs"/>
@@ -3319,6 +5811,17 @@
 <file path=ppt/slides/slide1.xml><?xml version="1.0" encoding="utf-8"?>
 <p:sld xmlns:a="http://schemas.openxmlformats.org/drawingml/2006/main" xmlns:r="http://schemas.openxmlformats.org/officeDocument/2006/relationships" xmlns:p="http://schemas.openxmlformats.org/presentationml/2006/main">
   <p:cSld>
+    <p:bg>
+      <p:bgPr>
+        <a:solidFill>
+          <a:schemeClr val="bg2">
+            <a:tint val="95000"/>
+            <a:satMod val="170000"/>
+          </a:schemeClr>
+        </a:solidFill>
+        <a:effectLst/>
+      </p:bgPr>
+    </p:bg>
     <p:spTree>
       <p:nvGrpSpPr>
         <p:cNvPr id="1" name=""/>
@@ -3335,6 +5838,133 @@
       </p:grpSpPr>
       <p:sp>
         <p:nvSpPr>
+          <p:cNvPr id="11" name="Rectangle 10">
+            <a:extLst>
+              <a:ext uri="{FF2B5EF4-FFF2-40B4-BE49-F238E27FC236}">
+                <a16:creationId xmlns:a16="http://schemas.microsoft.com/office/drawing/2014/main" id="{02DC0D56-2145-4CB8-979D-ADF8E921AF72}"/>
+              </a:ext>
+              <a:ext uri="{C183D7F6-B498-43B3-948B-1728B52AA6E4}">
+                <adec:decorative xmlns:adec="http://schemas.microsoft.com/office/drawing/2017/decorative" val="1"/>
+              </a:ext>
+            </a:extLst>
+          </p:cNvPr>
+          <p:cNvSpPr>
+            <a:spLocks noGrp="1" noRot="1" noChangeAspect="1" noMove="1" noResize="1" noEditPoints="1" noAdjustHandles="1" noChangeArrowheads="1" noChangeShapeType="1" noTextEdit="1"/>
+          </p:cNvSpPr>
+          <p:nvPr>
+            <p:extLst>
+              <p:ext uri="{386F3935-93C4-4BCD-93E2-E3B085C9AB24}">
+                <p16:designElem xmlns:p16="http://schemas.microsoft.com/office/powerpoint/2015/main" val="1"/>
+              </p:ext>
+            </p:extLst>
+          </p:nvPr>
+        </p:nvSpPr>
+        <p:spPr>
+          <a:xfrm>
+            <a:off x="0" y="0"/>
+            <a:ext cx="12192000" cy="6858000"/>
+          </a:xfrm>
+          <a:prstGeom prst="rect">
+            <a:avLst/>
+          </a:prstGeom>
+          <a:solidFill>
+            <a:schemeClr val="bg1">
+              <a:lumMod val="85000"/>
+              <a:lumOff val="15000"/>
+            </a:schemeClr>
+          </a:solidFill>
+          <a:ln>
+            <a:noFill/>
+          </a:ln>
+        </p:spPr>
+        <p:style>
+          <a:lnRef idx="2">
+            <a:schemeClr val="accent1">
+              <a:shade val="50000"/>
+            </a:schemeClr>
+          </a:lnRef>
+          <a:fillRef idx="1">
+            <a:schemeClr val="accent1"/>
+          </a:fillRef>
+          <a:effectRef idx="0">
+            <a:schemeClr val="accent1"/>
+          </a:effectRef>
+          <a:fontRef idx="minor">
+            <a:schemeClr val="lt1"/>
+          </a:fontRef>
+        </p:style>
+        <p:txBody>
+          <a:bodyPr rtlCol="0" anchor="ctr"/>
+          <a:lstStyle/>
+          <a:p>
+            <a:pPr algn="ctr"/>
+            <a:endParaRPr lang="en-US"/>
+          </a:p>
+        </p:txBody>
+      </p:sp>
+      <p:sp useBgFill="1">
+        <p:nvSpPr>
+          <p:cNvPr id="13" name="Rectangle 12">
+            <a:extLst>
+              <a:ext uri="{FF2B5EF4-FFF2-40B4-BE49-F238E27FC236}">
+                <a16:creationId xmlns:a16="http://schemas.microsoft.com/office/drawing/2014/main" id="{272BB16D-1B1A-4782-92FD-2CF21910DF1C}"/>
+              </a:ext>
+              <a:ext uri="{C183D7F6-B498-43B3-948B-1728B52AA6E4}">
+                <adec:decorative xmlns:adec="http://schemas.microsoft.com/office/drawing/2017/decorative" val="1"/>
+              </a:ext>
+            </a:extLst>
+          </p:cNvPr>
+          <p:cNvSpPr>
+            <a:spLocks noGrp="1" noRot="1" noChangeAspect="1" noMove="1" noResize="1" noEditPoints="1" noAdjustHandles="1" noChangeArrowheads="1" noChangeShapeType="1" noTextEdit="1"/>
+          </p:cNvSpPr>
+          <p:nvPr>
+            <p:extLst>
+              <p:ext uri="{386F3935-93C4-4BCD-93E2-E3B085C9AB24}">
+                <p16:designElem xmlns:p16="http://schemas.microsoft.com/office/powerpoint/2015/main" val="1"/>
+              </p:ext>
+            </p:extLst>
+          </p:nvPr>
+        </p:nvSpPr>
+        <p:spPr>
+          <a:xfrm>
+            <a:off x="0" y="4626429"/>
+            <a:ext cx="12192000" cy="2231571"/>
+          </a:xfrm>
+          <a:prstGeom prst="rect">
+            <a:avLst/>
+          </a:prstGeom>
+          <a:ln>
+            <a:noFill/>
+          </a:ln>
+          <a:effectLst/>
+        </p:spPr>
+        <p:style>
+          <a:lnRef idx="2">
+            <a:schemeClr val="accent1">
+              <a:shade val="50000"/>
+            </a:schemeClr>
+          </a:lnRef>
+          <a:fillRef idx="1">
+            <a:schemeClr val="accent1"/>
+          </a:fillRef>
+          <a:effectRef idx="0">
+            <a:schemeClr val="accent1"/>
+          </a:effectRef>
+          <a:fontRef idx="minor">
+            <a:schemeClr val="lt1"/>
+          </a:fontRef>
+        </p:style>
+        <p:txBody>
+          <a:bodyPr rtlCol="0" anchor="ctr"/>
+          <a:lstStyle/>
+          <a:p>
+            <a:pPr algn="ctr"/>
+            <a:endParaRPr lang="en-US"/>
+          </a:p>
+        </p:txBody>
+      </p:sp>
+      <p:sp>
+        <p:nvSpPr>
           <p:cNvPr id="2" name="Title 1">
             <a:extLst>
               <a:ext uri="{FF2B5EF4-FFF2-40B4-BE49-F238E27FC236}">
@@ -3349,15 +5979,26 @@
             <p:ph type="ctrTitle"/>
           </p:nvPr>
         </p:nvSpPr>
-        <p:spPr/>
-        <p:txBody>
-          <a:bodyPr>
-            <a:normAutofit/>
+        <p:spPr>
+          <a:xfrm>
+            <a:off x="838200" y="4963886"/>
+            <a:ext cx="10515600" cy="1141632"/>
+          </a:xfrm>
+        </p:spPr>
+        <p:txBody>
+          <a:bodyPr wrap="square">
+            <a:noAutofit/>
           </a:bodyPr>
           <a:lstStyle/>
           <a:p>
             <a:r>
-              <a:rPr lang="en-US" dirty="0"/>
+              <a:rPr lang="en-US" sz="8800" b="1" dirty="0">
+                <a:solidFill>
+                  <a:schemeClr val="tx1">
+                    <a:lumMod val="95000"/>
+                  </a:schemeClr>
+                </a:solidFill>
+              </a:rPr>
               <a:t>Cryptocurrencies</a:t>
             </a:r>
           </a:p>
@@ -3379,14 +6020,39 @@
             <p:ph type="subTitle" idx="1"/>
           </p:nvPr>
         </p:nvSpPr>
-        <p:spPr/>
-        <p:txBody>
-          <a:bodyPr/>
-          <a:lstStyle/>
-          <a:p>
-            <a:r>
-              <a:rPr lang="en-US" dirty="0"/>
-              <a:t>Group Members: Terrell Bradford and Ashleigh DeVito</a:t>
+        <p:spPr>
+          <a:xfrm>
+            <a:off x="657225" y="914400"/>
+            <a:ext cx="10696574" cy="3381939"/>
+          </a:xfrm>
+        </p:spPr>
+        <p:txBody>
+          <a:bodyPr>
+            <a:normAutofit/>
+          </a:bodyPr>
+          <a:lstStyle/>
+          <a:p>
+            <a:r>
+              <a:rPr lang="en-US" dirty="0">
+                <a:solidFill>
+                  <a:schemeClr val="tx1">
+                    <a:lumMod val="95000"/>
+                  </a:schemeClr>
+                </a:solidFill>
+              </a:rPr>
+              <a:t>Group Members: </a:t>
+            </a:r>
+          </a:p>
+          <a:p>
+            <a:r>
+              <a:rPr lang="en-US" dirty="0">
+                <a:solidFill>
+                  <a:schemeClr val="tx1">
+                    <a:lumMod val="95000"/>
+                  </a:schemeClr>
+                </a:solidFill>
+              </a:rPr>
+              <a:t>Terrell Bradford and Ashleigh DeVito</a:t>
             </a:r>
           </a:p>
         </p:txBody>
@@ -3404,9 +6070,20 @@
 </p:sld>
 </file>
 
-<file path=ppt/slides/slide2.xml><?xml version="1.0" encoding="utf-8"?>
+<file path=ppt/slides/slide10.xml><?xml version="1.0" encoding="utf-8"?>
 <p:sld xmlns:a="http://schemas.openxmlformats.org/drawingml/2006/main" xmlns:r="http://schemas.openxmlformats.org/officeDocument/2006/relationships" xmlns:p="http://schemas.openxmlformats.org/presentationml/2006/main">
   <p:cSld>
+    <p:bg>
+      <p:bgPr>
+        <a:solidFill>
+          <a:schemeClr val="bg2">
+            <a:tint val="95000"/>
+            <a:satMod val="170000"/>
+          </a:schemeClr>
+        </a:solidFill>
+        <a:effectLst/>
+      </p:bgPr>
+    </p:bg>
     <p:spTree>
       <p:nvGrpSpPr>
         <p:cNvPr id="1" name=""/>
@@ -3423,6 +6100,343 @@
       </p:grpSpPr>
       <p:sp>
         <p:nvSpPr>
+          <p:cNvPr id="15" name="Rectangle 14">
+            <a:extLst>
+              <a:ext uri="{FF2B5EF4-FFF2-40B4-BE49-F238E27FC236}">
+                <a16:creationId xmlns:a16="http://schemas.microsoft.com/office/drawing/2014/main" id="{02DC0D56-2145-4CB8-979D-ADF8E921AF72}"/>
+              </a:ext>
+              <a:ext uri="{C183D7F6-B498-43B3-948B-1728B52AA6E4}">
+                <adec:decorative xmlns:adec="http://schemas.microsoft.com/office/drawing/2017/decorative" val="1"/>
+              </a:ext>
+            </a:extLst>
+          </p:cNvPr>
+          <p:cNvSpPr>
+            <a:spLocks noGrp="1" noRot="1" noChangeAspect="1" noMove="1" noResize="1" noEditPoints="1" noAdjustHandles="1" noChangeArrowheads="1" noChangeShapeType="1" noTextEdit="1"/>
+          </p:cNvSpPr>
+          <p:nvPr>
+            <p:extLst>
+              <p:ext uri="{386F3935-93C4-4BCD-93E2-E3B085C9AB24}">
+                <p16:designElem xmlns:p16="http://schemas.microsoft.com/office/powerpoint/2015/main" val="1"/>
+              </p:ext>
+            </p:extLst>
+          </p:nvPr>
+        </p:nvSpPr>
+        <p:spPr>
+          <a:xfrm>
+            <a:off x="0" y="0"/>
+            <a:ext cx="12192000" cy="6858000"/>
+          </a:xfrm>
+          <a:prstGeom prst="rect">
+            <a:avLst/>
+          </a:prstGeom>
+          <a:solidFill>
+            <a:schemeClr val="bg1">
+              <a:lumMod val="85000"/>
+              <a:lumOff val="15000"/>
+            </a:schemeClr>
+          </a:solidFill>
+          <a:ln>
+            <a:noFill/>
+          </a:ln>
+        </p:spPr>
+        <p:style>
+          <a:lnRef idx="2">
+            <a:schemeClr val="accent1">
+              <a:shade val="50000"/>
+            </a:schemeClr>
+          </a:lnRef>
+          <a:fillRef idx="1">
+            <a:schemeClr val="accent1"/>
+          </a:fillRef>
+          <a:effectRef idx="0">
+            <a:schemeClr val="accent1"/>
+          </a:effectRef>
+          <a:fontRef idx="minor">
+            <a:schemeClr val="lt1"/>
+          </a:fontRef>
+        </p:style>
+        <p:txBody>
+          <a:bodyPr rtlCol="0" anchor="ctr"/>
+          <a:lstStyle/>
+          <a:p>
+            <a:pPr algn="ctr"/>
+            <a:endParaRPr lang="en-US"/>
+          </a:p>
+        </p:txBody>
+      </p:sp>
+      <p:sp useBgFill="1">
+        <p:nvSpPr>
+          <p:cNvPr id="17" name="Rectangle 16">
+            <a:extLst>
+              <a:ext uri="{FF2B5EF4-FFF2-40B4-BE49-F238E27FC236}">
+                <a16:creationId xmlns:a16="http://schemas.microsoft.com/office/drawing/2014/main" id="{272BB16D-1B1A-4782-92FD-2CF21910DF1C}"/>
+              </a:ext>
+              <a:ext uri="{C183D7F6-B498-43B3-948B-1728B52AA6E4}">
+                <adec:decorative xmlns:adec="http://schemas.microsoft.com/office/drawing/2017/decorative" val="1"/>
+              </a:ext>
+            </a:extLst>
+          </p:cNvPr>
+          <p:cNvSpPr>
+            <a:spLocks noGrp="1" noRot="1" noChangeAspect="1" noMove="1" noResize="1" noEditPoints="1" noAdjustHandles="1" noChangeArrowheads="1" noChangeShapeType="1" noTextEdit="1"/>
+          </p:cNvSpPr>
+          <p:nvPr>
+            <p:extLst>
+              <p:ext uri="{386F3935-93C4-4BCD-93E2-E3B085C9AB24}">
+                <p16:designElem xmlns:p16="http://schemas.microsoft.com/office/powerpoint/2015/main" val="1"/>
+              </p:ext>
+            </p:extLst>
+          </p:nvPr>
+        </p:nvSpPr>
+        <p:spPr>
+          <a:xfrm>
+            <a:off x="0" y="4626429"/>
+            <a:ext cx="12192000" cy="2231571"/>
+          </a:xfrm>
+          <a:prstGeom prst="rect">
+            <a:avLst/>
+          </a:prstGeom>
+          <a:ln>
+            <a:noFill/>
+          </a:ln>
+          <a:effectLst/>
+        </p:spPr>
+        <p:style>
+          <a:lnRef idx="2">
+            <a:schemeClr val="accent1">
+              <a:shade val="50000"/>
+            </a:schemeClr>
+          </a:lnRef>
+          <a:fillRef idx="1">
+            <a:schemeClr val="accent1"/>
+          </a:fillRef>
+          <a:effectRef idx="0">
+            <a:schemeClr val="accent1"/>
+          </a:effectRef>
+          <a:fontRef idx="minor">
+            <a:schemeClr val="lt1"/>
+          </a:fontRef>
+        </p:style>
+        <p:txBody>
+          <a:bodyPr rtlCol="0" anchor="ctr"/>
+          <a:lstStyle/>
+          <a:p>
+            <a:pPr algn="ctr"/>
+            <a:endParaRPr lang="en-US"/>
+          </a:p>
+        </p:txBody>
+      </p:sp>
+      <p:sp>
+        <p:nvSpPr>
+          <p:cNvPr id="2" name="Title 1">
+            <a:extLst>
+              <a:ext uri="{FF2B5EF4-FFF2-40B4-BE49-F238E27FC236}">
+                <a16:creationId xmlns:a16="http://schemas.microsoft.com/office/drawing/2014/main" id="{D599B37F-351B-42B2-A0C3-73DEA21BC39C}"/>
+              </a:ext>
+            </a:extLst>
+          </p:cNvPr>
+          <p:cNvSpPr>
+            <a:spLocks noGrp="1"/>
+          </p:cNvSpPr>
+          <p:nvPr>
+            <p:ph type="title"/>
+          </p:nvPr>
+        </p:nvSpPr>
+        <p:spPr>
+          <a:xfrm>
+            <a:off x="838200" y="4963886"/>
+            <a:ext cx="10515600" cy="1141632"/>
+          </a:xfrm>
+        </p:spPr>
+        <p:txBody>
+          <a:bodyPr vert="horz" wrap="square" lIns="91440" tIns="45720" rIns="91440" bIns="45720" rtlCol="0" anchor="t">
+            <a:noAutofit/>
+          </a:bodyPr>
+          <a:lstStyle/>
+          <a:p>
+            <a:pPr algn="r"/>
+            <a:r>
+              <a:rPr lang="en-US" sz="8800" spc="-300" dirty="0">
+                <a:solidFill>
+                  <a:schemeClr val="tx1">
+                    <a:lumMod val="95000"/>
+                  </a:schemeClr>
+                </a:solidFill>
+                <a:effectLst>
+                  <a:outerShdw blurRad="469900" dist="342900" dir="5400000" sy="-20000" rotWithShape="0">
+                    <a:prstClr val="black">
+                      <a:alpha val="66000"/>
+                    </a:prstClr>
+                  </a:outerShdw>
+                </a:effectLst>
+              </a:rPr>
+              <a:t>Questions</a:t>
+            </a:r>
+          </a:p>
+        </p:txBody>
+      </p:sp>
+    </p:spTree>
+    <p:extLst>
+      <p:ext uri="{BB962C8B-B14F-4D97-AF65-F5344CB8AC3E}">
+        <p14:creationId xmlns:p14="http://schemas.microsoft.com/office/powerpoint/2010/main" val="4031271768"/>
+      </p:ext>
+    </p:extLst>
+  </p:cSld>
+  <p:clrMapOvr>
+    <a:overrideClrMapping bg1="dk1" tx1="lt1" bg2="dk2" tx2="lt2" accent1="accent1" accent2="accent2" accent3="accent3" accent4="accent4" accent5="accent5" accent6="accent6" hlink="hlink" folHlink="folHlink"/>
+  </p:clrMapOvr>
+</p:sld>
+</file>
+
+<file path=ppt/slides/slide2.xml><?xml version="1.0" encoding="utf-8"?>
+<p:sld xmlns:a="http://schemas.openxmlformats.org/drawingml/2006/main" xmlns:r="http://schemas.openxmlformats.org/officeDocument/2006/relationships" xmlns:p="http://schemas.openxmlformats.org/presentationml/2006/main">
+  <p:cSld>
+    <p:bg>
+      <p:bgPr>
+        <a:solidFill>
+          <a:schemeClr val="bg2"/>
+        </a:solidFill>
+        <a:effectLst/>
+      </p:bgPr>
+    </p:bg>
+    <p:spTree>
+      <p:nvGrpSpPr>
+        <p:cNvPr id="1" name=""/>
+        <p:cNvGrpSpPr/>
+        <p:nvPr/>
+      </p:nvGrpSpPr>
+      <p:grpSpPr>
+        <a:xfrm>
+          <a:off x="0" y="0"/>
+          <a:ext cx="0" cy="0"/>
+          <a:chOff x="0" y="0"/>
+          <a:chExt cx="0" cy="0"/>
+        </a:xfrm>
+      </p:grpSpPr>
+      <p:sp useBgFill="1">
+        <p:nvSpPr>
+          <p:cNvPr id="11" name="Rectangle 10">
+            <a:extLst>
+              <a:ext uri="{FF2B5EF4-FFF2-40B4-BE49-F238E27FC236}">
+                <a16:creationId xmlns:a16="http://schemas.microsoft.com/office/drawing/2014/main" id="{87358089-2E54-4747-8D77-434291EB9A73}"/>
+              </a:ext>
+              <a:ext uri="{C183D7F6-B498-43B3-948B-1728B52AA6E4}">
+                <adec:decorative xmlns:adec="http://schemas.microsoft.com/office/drawing/2017/decorative" val="1"/>
+              </a:ext>
+            </a:extLst>
+          </p:cNvPr>
+          <p:cNvSpPr>
+            <a:spLocks noGrp="1" noRot="1" noChangeAspect="1" noMove="1" noResize="1" noEditPoints="1" noAdjustHandles="1" noChangeArrowheads="1" noChangeShapeType="1" noTextEdit="1"/>
+          </p:cNvSpPr>
+          <p:nvPr>
+            <p:extLst>
+              <p:ext uri="{386F3935-93C4-4BCD-93E2-E3B085C9AB24}">
+                <p16:designElem xmlns:p16="http://schemas.microsoft.com/office/powerpoint/2015/main" val="1"/>
+              </p:ext>
+            </p:extLst>
+          </p:nvPr>
+        </p:nvSpPr>
+        <p:spPr>
+          <a:xfrm>
+            <a:off x="0" y="0"/>
+            <a:ext cx="12192000" cy="6858000"/>
+          </a:xfrm>
+          <a:prstGeom prst="rect">
+            <a:avLst/>
+          </a:prstGeom>
+          <a:ln>
+            <a:noFill/>
+          </a:ln>
+        </p:spPr>
+        <p:style>
+          <a:lnRef idx="2">
+            <a:schemeClr val="accent1">
+              <a:shade val="50000"/>
+            </a:schemeClr>
+          </a:lnRef>
+          <a:fillRef idx="1">
+            <a:schemeClr val="accent1"/>
+          </a:fillRef>
+          <a:effectRef idx="0">
+            <a:schemeClr val="accent1"/>
+          </a:effectRef>
+          <a:fontRef idx="minor">
+            <a:schemeClr val="lt1"/>
+          </a:fontRef>
+        </p:style>
+        <p:txBody>
+          <a:bodyPr rtlCol="0" anchor="ctr"/>
+          <a:lstStyle/>
+          <a:p>
+            <a:pPr algn="ctr"/>
+            <a:endParaRPr lang="en-US"/>
+          </a:p>
+        </p:txBody>
+      </p:sp>
+      <p:sp>
+        <p:nvSpPr>
+          <p:cNvPr id="13" name="Rectangle 12">
+            <a:extLst>
+              <a:ext uri="{FF2B5EF4-FFF2-40B4-BE49-F238E27FC236}">
+                <a16:creationId xmlns:a16="http://schemas.microsoft.com/office/drawing/2014/main" id="{F0318841-B257-4D3A-A6E5-309C003E0430}"/>
+              </a:ext>
+              <a:ext uri="{C183D7F6-B498-43B3-948B-1728B52AA6E4}">
+                <adec:decorative xmlns:adec="http://schemas.microsoft.com/office/drawing/2017/decorative" val="1"/>
+              </a:ext>
+            </a:extLst>
+          </p:cNvPr>
+          <p:cNvSpPr>
+            <a:spLocks noGrp="1" noRot="1" noChangeAspect="1" noMove="1" noResize="1" noEditPoints="1" noAdjustHandles="1" noChangeArrowheads="1" noChangeShapeType="1" noTextEdit="1"/>
+          </p:cNvSpPr>
+          <p:nvPr>
+            <p:extLst>
+              <p:ext uri="{386F3935-93C4-4BCD-93E2-E3B085C9AB24}">
+                <p16:designElem xmlns:p16="http://schemas.microsoft.com/office/powerpoint/2015/main" val="1"/>
+              </p:ext>
+            </p:extLst>
+          </p:nvPr>
+        </p:nvSpPr>
+        <p:spPr>
+          <a:xfrm>
+            <a:off x="0" y="0"/>
+            <a:ext cx="4062127" cy="6858000"/>
+          </a:xfrm>
+          <a:prstGeom prst="rect">
+            <a:avLst/>
+          </a:prstGeom>
+          <a:solidFill>
+            <a:srgbClr val="262626"/>
+          </a:solidFill>
+          <a:ln>
+            <a:noFill/>
+          </a:ln>
+        </p:spPr>
+        <p:style>
+          <a:lnRef idx="2">
+            <a:schemeClr val="accent1">
+              <a:shade val="50000"/>
+            </a:schemeClr>
+          </a:lnRef>
+          <a:fillRef idx="1">
+            <a:schemeClr val="accent1"/>
+          </a:fillRef>
+          <a:effectRef idx="0">
+            <a:schemeClr val="accent1"/>
+          </a:effectRef>
+          <a:fontRef idx="minor">
+            <a:schemeClr val="lt1"/>
+          </a:fontRef>
+        </p:style>
+        <p:txBody>
+          <a:bodyPr rtlCol="0" anchor="ctr"/>
+          <a:lstStyle/>
+          <a:p>
+            <a:pPr algn="ctr"/>
+            <a:endParaRPr lang="en-US"/>
+          </a:p>
+        </p:txBody>
+      </p:sp>
+      <p:sp>
+        <p:nvSpPr>
           <p:cNvPr id="2" name="Title 1">
             <a:extLst>
               <a:ext uri="{FF2B5EF4-FFF2-40B4-BE49-F238E27FC236}">
@@ -3437,13 +6451,24 @@
             <p:ph type="title"/>
           </p:nvPr>
         </p:nvSpPr>
-        <p:spPr/>
-        <p:txBody>
-          <a:bodyPr/>
-          <a:lstStyle/>
-          <a:p>
-            <a:r>
-              <a:rPr lang="en-US" dirty="0"/>
+        <p:spPr>
+          <a:xfrm>
+            <a:off x="838200" y="688748"/>
+            <a:ext cx="2855140" cy="5480504"/>
+          </a:xfrm>
+        </p:spPr>
+        <p:txBody>
+          <a:bodyPr anchor="ctr">
+            <a:normAutofit/>
+          </a:bodyPr>
+          <a:lstStyle/>
+          <a:p>
+            <a:r>
+              <a:rPr lang="en-US" sz="3600">
+                <a:solidFill>
+                  <a:srgbClr val="F2F2F2"/>
+                </a:solidFill>
+              </a:rPr>
               <a:t>Motivation &amp; Summary</a:t>
             </a:r>
           </a:p>
@@ -3465,39 +6490,95 @@
             <p:ph idx="1"/>
           </p:nvPr>
         </p:nvSpPr>
-        <p:spPr/>
-        <p:txBody>
-          <a:bodyPr/>
-          <a:lstStyle/>
-          <a:p>
-            <a:r>
-              <a:rPr lang="en-US" dirty="0"/>
+        <p:spPr>
+          <a:xfrm>
+            <a:off x="4423890" y="688749"/>
+            <a:ext cx="6286442" cy="5480504"/>
+          </a:xfrm>
+        </p:spPr>
+        <p:txBody>
+          <a:bodyPr anchor="ctr">
+            <a:normAutofit/>
+          </a:bodyPr>
+          <a:lstStyle/>
+          <a:p>
+            <a:r>
+              <a:rPr lang="en-US" sz="2000">
+                <a:solidFill>
+                  <a:schemeClr val="tx1">
+                    <a:lumMod val="95000"/>
+                  </a:schemeClr>
+                </a:solidFill>
+              </a:rPr>
               <a:t>Does cryptocurrency value track with traditional stock market value?</a:t>
             </a:r>
           </a:p>
           <a:p>
             <a:pPr lvl="1"/>
             <a:r>
-              <a:rPr lang="en-US" dirty="0"/>
+              <a:rPr lang="en-US" sz="2000">
+                <a:solidFill>
+                  <a:schemeClr val="tx1">
+                    <a:lumMod val="95000"/>
+                  </a:schemeClr>
+                </a:solidFill>
+              </a:rPr>
               <a:t>There is a correlation</a:t>
             </a:r>
           </a:p>
           <a:p>
             <a:r>
-              <a:rPr lang="en-US" dirty="0"/>
+              <a:rPr lang="en-US" sz="2000">
+                <a:solidFill>
+                  <a:schemeClr val="tx1">
+                    <a:lumMod val="95000"/>
+                  </a:schemeClr>
+                </a:solidFill>
+              </a:rPr>
               <a:t>Does social media have an influence on value?</a:t>
             </a:r>
           </a:p>
           <a:p>
             <a:pPr lvl="1"/>
-            <a:endParaRPr lang="en-US" dirty="0"/>
-          </a:p>
-          <a:p>
-            <a:endParaRPr lang="en-US" dirty="0"/>
-          </a:p>
-          <a:p>
-            <a:r>
-              <a:rPr lang="en-US" dirty="0"/>
+            <a:r>
+              <a:rPr lang="en-US" sz="2000">
+                <a:solidFill>
+                  <a:schemeClr val="tx1">
+                    <a:lumMod val="95000"/>
+                  </a:schemeClr>
+                </a:solidFill>
+              </a:rPr>
+              <a:t>There is a correlation between change in price and number of comments</a:t>
+            </a:r>
+          </a:p>
+          <a:p>
+            <a:pPr lvl="1"/>
+            <a:endParaRPr lang="en-US" sz="2000">
+              <a:solidFill>
+                <a:schemeClr val="tx1">
+                  <a:lumMod val="95000"/>
+                </a:schemeClr>
+              </a:solidFill>
+            </a:endParaRPr>
+          </a:p>
+          <a:p>
+            <a:endParaRPr lang="en-US" sz="2000">
+              <a:solidFill>
+                <a:schemeClr val="tx1">
+                  <a:lumMod val="95000"/>
+                </a:schemeClr>
+              </a:solidFill>
+            </a:endParaRPr>
+          </a:p>
+          <a:p>
+            <a:r>
+              <a:rPr lang="en-US" sz="2000">
+                <a:solidFill>
+                  <a:schemeClr val="tx1">
+                    <a:lumMod val="95000"/>
+                  </a:schemeClr>
+                </a:solidFill>
+              </a:rPr>
               <a:t>To satisfaction: no</a:t>
             </a:r>
           </a:p>
@@ -3519,6 +6600,14 @@
 <file path=ppt/slides/slide3.xml><?xml version="1.0" encoding="utf-8"?>
 <p:sld xmlns:a="http://schemas.openxmlformats.org/drawingml/2006/main" xmlns:r="http://schemas.openxmlformats.org/officeDocument/2006/relationships" xmlns:p="http://schemas.openxmlformats.org/presentationml/2006/main">
   <p:cSld>
+    <p:bg>
+      <p:bgPr>
+        <a:solidFill>
+          <a:schemeClr val="bg2"/>
+        </a:solidFill>
+        <a:effectLst/>
+      </p:bgPr>
+    </p:bg>
     <p:spTree>
       <p:nvGrpSpPr>
         <p:cNvPr id="1" name=""/>
@@ -3533,6 +6622,129 @@
           <a:chExt cx="0" cy="0"/>
         </a:xfrm>
       </p:grpSpPr>
+      <p:sp useBgFill="1">
+        <p:nvSpPr>
+          <p:cNvPr id="12" name="Rectangle 7">
+            <a:extLst>
+              <a:ext uri="{FF2B5EF4-FFF2-40B4-BE49-F238E27FC236}">
+                <a16:creationId xmlns:a16="http://schemas.microsoft.com/office/drawing/2014/main" id="{87358089-2E54-4747-8D77-434291EB9A73}"/>
+              </a:ext>
+              <a:ext uri="{C183D7F6-B498-43B3-948B-1728B52AA6E4}">
+                <adec:decorative xmlns:adec="http://schemas.microsoft.com/office/drawing/2017/decorative" val="1"/>
+              </a:ext>
+            </a:extLst>
+          </p:cNvPr>
+          <p:cNvSpPr>
+            <a:spLocks noGrp="1" noRot="1" noChangeAspect="1" noMove="1" noResize="1" noEditPoints="1" noAdjustHandles="1" noChangeArrowheads="1" noChangeShapeType="1" noTextEdit="1"/>
+          </p:cNvSpPr>
+          <p:nvPr>
+            <p:extLst>
+              <p:ext uri="{386F3935-93C4-4BCD-93E2-E3B085C9AB24}">
+                <p16:designElem xmlns:p16="http://schemas.microsoft.com/office/powerpoint/2015/main" val="1"/>
+              </p:ext>
+            </p:extLst>
+          </p:nvPr>
+        </p:nvSpPr>
+        <p:spPr>
+          <a:xfrm>
+            <a:off x="0" y="0"/>
+            <a:ext cx="12192000" cy="6858000"/>
+          </a:xfrm>
+          <a:prstGeom prst="rect">
+            <a:avLst/>
+          </a:prstGeom>
+          <a:ln>
+            <a:noFill/>
+          </a:ln>
+        </p:spPr>
+        <p:style>
+          <a:lnRef idx="2">
+            <a:schemeClr val="accent1">
+              <a:shade val="50000"/>
+            </a:schemeClr>
+          </a:lnRef>
+          <a:fillRef idx="1">
+            <a:schemeClr val="accent1"/>
+          </a:fillRef>
+          <a:effectRef idx="0">
+            <a:schemeClr val="accent1"/>
+          </a:effectRef>
+          <a:fontRef idx="minor">
+            <a:schemeClr val="lt1"/>
+          </a:fontRef>
+        </p:style>
+        <p:txBody>
+          <a:bodyPr rtlCol="0" anchor="ctr"/>
+          <a:lstStyle/>
+          <a:p>
+            <a:pPr algn="ctr"/>
+            <a:endParaRPr lang="en-US"/>
+          </a:p>
+        </p:txBody>
+      </p:sp>
+      <p:sp>
+        <p:nvSpPr>
+          <p:cNvPr id="13" name="Rectangle 9">
+            <a:extLst>
+              <a:ext uri="{FF2B5EF4-FFF2-40B4-BE49-F238E27FC236}">
+                <a16:creationId xmlns:a16="http://schemas.microsoft.com/office/drawing/2014/main" id="{F0318841-B257-4D3A-A6E5-309C003E0430}"/>
+              </a:ext>
+              <a:ext uri="{C183D7F6-B498-43B3-948B-1728B52AA6E4}">
+                <adec:decorative xmlns:adec="http://schemas.microsoft.com/office/drawing/2017/decorative" val="1"/>
+              </a:ext>
+            </a:extLst>
+          </p:cNvPr>
+          <p:cNvSpPr>
+            <a:spLocks noGrp="1" noRot="1" noChangeAspect="1" noMove="1" noResize="1" noEditPoints="1" noAdjustHandles="1" noChangeArrowheads="1" noChangeShapeType="1" noTextEdit="1"/>
+          </p:cNvSpPr>
+          <p:nvPr>
+            <p:extLst>
+              <p:ext uri="{386F3935-93C4-4BCD-93E2-E3B085C9AB24}">
+                <p16:designElem xmlns:p16="http://schemas.microsoft.com/office/powerpoint/2015/main" val="1"/>
+              </p:ext>
+            </p:extLst>
+          </p:nvPr>
+        </p:nvSpPr>
+        <p:spPr>
+          <a:xfrm>
+            <a:off x="0" y="0"/>
+            <a:ext cx="4062127" cy="6858000"/>
+          </a:xfrm>
+          <a:prstGeom prst="rect">
+            <a:avLst/>
+          </a:prstGeom>
+          <a:solidFill>
+            <a:srgbClr val="262626"/>
+          </a:solidFill>
+          <a:ln>
+            <a:noFill/>
+          </a:ln>
+        </p:spPr>
+        <p:style>
+          <a:lnRef idx="2">
+            <a:schemeClr val="accent1">
+              <a:shade val="50000"/>
+            </a:schemeClr>
+          </a:lnRef>
+          <a:fillRef idx="1">
+            <a:schemeClr val="accent1"/>
+          </a:fillRef>
+          <a:effectRef idx="0">
+            <a:schemeClr val="accent1"/>
+          </a:effectRef>
+          <a:fontRef idx="minor">
+            <a:schemeClr val="lt1"/>
+          </a:fontRef>
+        </p:style>
+        <p:txBody>
+          <a:bodyPr rtlCol="0" anchor="ctr"/>
+          <a:lstStyle/>
+          <a:p>
+            <a:pPr algn="ctr"/>
+            <a:endParaRPr lang="en-US"/>
+          </a:p>
+        </p:txBody>
+      </p:sp>
       <p:sp>
         <p:nvSpPr>
           <p:cNvPr id="2" name="Title 1">
@@ -3549,13 +6761,24 @@
             <p:ph type="title"/>
           </p:nvPr>
         </p:nvSpPr>
-        <p:spPr/>
-        <p:txBody>
-          <a:bodyPr/>
-          <a:lstStyle/>
-          <a:p>
-            <a:r>
-              <a:rPr lang="en-US" dirty="0"/>
+        <p:spPr>
+          <a:xfrm>
+            <a:off x="838200" y="688748"/>
+            <a:ext cx="2855140" cy="5480504"/>
+          </a:xfrm>
+        </p:spPr>
+        <p:txBody>
+          <a:bodyPr anchor="ctr">
+            <a:normAutofit/>
+          </a:bodyPr>
+          <a:lstStyle/>
+          <a:p>
+            <a:r>
+              <a:rPr lang="en-US" sz="3600">
+                <a:solidFill>
+                  <a:srgbClr val="F2F2F2"/>
+                </a:solidFill>
+              </a:rPr>
               <a:t>Questions &amp; Data</a:t>
             </a:r>
           </a:p>
@@ -3577,40 +6800,49 @@
             <p:ph idx="1"/>
           </p:nvPr>
         </p:nvSpPr>
-        <p:spPr/>
-        <p:txBody>
-          <a:bodyPr/>
-          <a:lstStyle/>
-          <a:p>
-            <a:r>
-              <a:rPr lang="en-US" dirty="0"/>
-              <a:t>Financial Data was taken from the Pandas </a:t>
-            </a:r>
-            <a:r>
-              <a:rPr lang="en-US" dirty="0" err="1"/>
-              <a:t>Datareader</a:t>
-            </a:r>
-            <a:r>
-              <a:rPr lang="en-US" dirty="0"/>
-              <a:t> Library through Yahoo</a:t>
-            </a:r>
-          </a:p>
-          <a:p>
-            <a:r>
-              <a:rPr lang="en-US" dirty="0"/>
-              <a:t>Social Media Data was scraped from the </a:t>
-            </a:r>
-            <a:r>
-              <a:rPr lang="en-US" dirty="0" err="1"/>
-              <a:t>Pushshift</a:t>
-            </a:r>
-            <a:r>
-              <a:rPr lang="en-US" dirty="0"/>
-              <a:t> API</a:t>
-            </a:r>
-          </a:p>
-          <a:p>
-            <a:endParaRPr lang="en-US" dirty="0"/>
+        <p:spPr>
+          <a:xfrm>
+            <a:off x="4423890" y="688749"/>
+            <a:ext cx="6286442" cy="5480504"/>
+          </a:xfrm>
+        </p:spPr>
+        <p:txBody>
+          <a:bodyPr anchor="ctr">
+            <a:normAutofit/>
+          </a:bodyPr>
+          <a:lstStyle/>
+          <a:p>
+            <a:r>
+              <a:rPr lang="en-US" sz="2000">
+                <a:solidFill>
+                  <a:schemeClr val="tx1">
+                    <a:lumMod val="95000"/>
+                  </a:schemeClr>
+                </a:solidFill>
+              </a:rPr>
+              <a:t>Financial Data was taken from the Pandas Datareader Library through Yahoo</a:t>
+            </a:r>
+          </a:p>
+          <a:p>
+            <a:r>
+              <a:rPr lang="en-US" sz="2000">
+                <a:solidFill>
+                  <a:schemeClr val="tx1">
+                    <a:lumMod val="95000"/>
+                  </a:schemeClr>
+                </a:solidFill>
+              </a:rPr>
+              <a:t>Social Media Data was scraped from the Pushshift API</a:t>
+            </a:r>
+          </a:p>
+          <a:p>
+            <a:endParaRPr lang="en-US" sz="2000">
+              <a:solidFill>
+                <a:schemeClr val="tx1">
+                  <a:lumMod val="95000"/>
+                </a:schemeClr>
+              </a:solidFill>
+            </a:endParaRPr>
           </a:p>
         </p:txBody>
       </p:sp>
@@ -3630,6 +6862,14 @@
 <file path=ppt/slides/slide4.xml><?xml version="1.0" encoding="utf-8"?>
 <p:sld xmlns:a="http://schemas.openxmlformats.org/drawingml/2006/main" xmlns:r="http://schemas.openxmlformats.org/officeDocument/2006/relationships" xmlns:p="http://schemas.openxmlformats.org/presentationml/2006/main">
   <p:cSld>
+    <p:bg>
+      <p:bgPr>
+        <a:solidFill>
+          <a:schemeClr val="bg2"/>
+        </a:solidFill>
+        <a:effectLst/>
+      </p:bgPr>
+    </p:bg>
     <p:spTree>
       <p:nvGrpSpPr>
         <p:cNvPr id="1" name=""/>
@@ -3644,6 +6884,129 @@
           <a:chExt cx="0" cy="0"/>
         </a:xfrm>
       </p:grpSpPr>
+      <p:sp useBgFill="1">
+        <p:nvSpPr>
+          <p:cNvPr id="8" name="Rectangle 7">
+            <a:extLst>
+              <a:ext uri="{FF2B5EF4-FFF2-40B4-BE49-F238E27FC236}">
+                <a16:creationId xmlns:a16="http://schemas.microsoft.com/office/drawing/2014/main" id="{87358089-2E54-4747-8D77-434291EB9A73}"/>
+              </a:ext>
+              <a:ext uri="{C183D7F6-B498-43B3-948B-1728B52AA6E4}">
+                <adec:decorative xmlns:adec="http://schemas.microsoft.com/office/drawing/2017/decorative" val="1"/>
+              </a:ext>
+            </a:extLst>
+          </p:cNvPr>
+          <p:cNvSpPr>
+            <a:spLocks noGrp="1" noRot="1" noChangeAspect="1" noMove="1" noResize="1" noEditPoints="1" noAdjustHandles="1" noChangeArrowheads="1" noChangeShapeType="1" noTextEdit="1"/>
+          </p:cNvSpPr>
+          <p:nvPr>
+            <p:extLst>
+              <p:ext uri="{386F3935-93C4-4BCD-93E2-E3B085C9AB24}">
+                <p16:designElem xmlns:p16="http://schemas.microsoft.com/office/powerpoint/2015/main" val="1"/>
+              </p:ext>
+            </p:extLst>
+          </p:nvPr>
+        </p:nvSpPr>
+        <p:spPr>
+          <a:xfrm>
+            <a:off x="0" y="0"/>
+            <a:ext cx="12192000" cy="6858000"/>
+          </a:xfrm>
+          <a:prstGeom prst="rect">
+            <a:avLst/>
+          </a:prstGeom>
+          <a:ln>
+            <a:noFill/>
+          </a:ln>
+        </p:spPr>
+        <p:style>
+          <a:lnRef idx="2">
+            <a:schemeClr val="accent1">
+              <a:shade val="50000"/>
+            </a:schemeClr>
+          </a:lnRef>
+          <a:fillRef idx="1">
+            <a:schemeClr val="accent1"/>
+          </a:fillRef>
+          <a:effectRef idx="0">
+            <a:schemeClr val="accent1"/>
+          </a:effectRef>
+          <a:fontRef idx="minor">
+            <a:schemeClr val="lt1"/>
+          </a:fontRef>
+        </p:style>
+        <p:txBody>
+          <a:bodyPr rtlCol="0" anchor="ctr"/>
+          <a:lstStyle/>
+          <a:p>
+            <a:pPr algn="ctr"/>
+            <a:endParaRPr lang="en-US"/>
+          </a:p>
+        </p:txBody>
+      </p:sp>
+      <p:sp>
+        <p:nvSpPr>
+          <p:cNvPr id="10" name="Rectangle 9">
+            <a:extLst>
+              <a:ext uri="{FF2B5EF4-FFF2-40B4-BE49-F238E27FC236}">
+                <a16:creationId xmlns:a16="http://schemas.microsoft.com/office/drawing/2014/main" id="{F0318841-B257-4D3A-A6E5-309C003E0430}"/>
+              </a:ext>
+              <a:ext uri="{C183D7F6-B498-43B3-948B-1728B52AA6E4}">
+                <adec:decorative xmlns:adec="http://schemas.microsoft.com/office/drawing/2017/decorative" val="1"/>
+              </a:ext>
+            </a:extLst>
+          </p:cNvPr>
+          <p:cNvSpPr>
+            <a:spLocks noGrp="1" noRot="1" noChangeAspect="1" noMove="1" noResize="1" noEditPoints="1" noAdjustHandles="1" noChangeArrowheads="1" noChangeShapeType="1" noTextEdit="1"/>
+          </p:cNvSpPr>
+          <p:nvPr>
+            <p:extLst>
+              <p:ext uri="{386F3935-93C4-4BCD-93E2-E3B085C9AB24}">
+                <p16:designElem xmlns:p16="http://schemas.microsoft.com/office/powerpoint/2015/main" val="1"/>
+              </p:ext>
+            </p:extLst>
+          </p:nvPr>
+        </p:nvSpPr>
+        <p:spPr>
+          <a:xfrm>
+            <a:off x="0" y="0"/>
+            <a:ext cx="4062127" cy="6858000"/>
+          </a:xfrm>
+          <a:prstGeom prst="rect">
+            <a:avLst/>
+          </a:prstGeom>
+          <a:solidFill>
+            <a:srgbClr val="262626"/>
+          </a:solidFill>
+          <a:ln>
+            <a:noFill/>
+          </a:ln>
+        </p:spPr>
+        <p:style>
+          <a:lnRef idx="2">
+            <a:schemeClr val="accent1">
+              <a:shade val="50000"/>
+            </a:schemeClr>
+          </a:lnRef>
+          <a:fillRef idx="1">
+            <a:schemeClr val="accent1"/>
+          </a:fillRef>
+          <a:effectRef idx="0">
+            <a:schemeClr val="accent1"/>
+          </a:effectRef>
+          <a:fontRef idx="minor">
+            <a:schemeClr val="lt1"/>
+          </a:fontRef>
+        </p:style>
+        <p:txBody>
+          <a:bodyPr rtlCol="0" anchor="ctr"/>
+          <a:lstStyle/>
+          <a:p>
+            <a:pPr algn="ctr"/>
+            <a:endParaRPr lang="en-US"/>
+          </a:p>
+        </p:txBody>
+      </p:sp>
       <p:sp>
         <p:nvSpPr>
           <p:cNvPr id="2" name="Title 1">
@@ -3660,13 +7023,24 @@
             <p:ph type="title"/>
           </p:nvPr>
         </p:nvSpPr>
-        <p:spPr/>
-        <p:txBody>
-          <a:bodyPr/>
-          <a:lstStyle/>
-          <a:p>
-            <a:r>
-              <a:rPr lang="en-US" dirty="0"/>
+        <p:spPr>
+          <a:xfrm>
+            <a:off x="838200" y="688748"/>
+            <a:ext cx="2855140" cy="5480504"/>
+          </a:xfrm>
+        </p:spPr>
+        <p:txBody>
+          <a:bodyPr anchor="ctr">
+            <a:normAutofit/>
+          </a:bodyPr>
+          <a:lstStyle/>
+          <a:p>
+            <a:r>
+              <a:rPr lang="en-US" sz="3600">
+                <a:solidFill>
+                  <a:srgbClr val="F2F2F2"/>
+                </a:solidFill>
+              </a:rPr>
               <a:t>Data Cleanup &amp; Exploration</a:t>
             </a:r>
           </a:p>
@@ -3688,56 +7062,89 @@
             <p:ph idx="1"/>
           </p:nvPr>
         </p:nvSpPr>
-        <p:spPr/>
-        <p:txBody>
-          <a:bodyPr>
+        <p:spPr>
+          <a:xfrm>
+            <a:off x="4423890" y="688749"/>
+            <a:ext cx="6286442" cy="5480504"/>
+          </a:xfrm>
+        </p:spPr>
+        <p:txBody>
+          <a:bodyPr anchor="ctr">
             <a:normAutofit/>
           </a:bodyPr>
           <a:lstStyle/>
           <a:p>
             <a:r>
-              <a:rPr lang="en-US" dirty="0"/>
+              <a:rPr lang="en-US" sz="2000">
+                <a:solidFill>
+                  <a:schemeClr val="tx1">
+                    <a:lumMod val="95000"/>
+                  </a:schemeClr>
+                </a:solidFill>
+              </a:rPr>
               <a:t>Describe the exploration and cleanup process</a:t>
             </a:r>
           </a:p>
           <a:p>
             <a:r>
-              <a:rPr lang="en-US" dirty="0"/>
+              <a:rPr lang="en-US" sz="2000">
+                <a:solidFill>
+                  <a:schemeClr val="tx1">
+                    <a:lumMod val="95000"/>
+                  </a:schemeClr>
+                </a:solidFill>
+              </a:rPr>
               <a:t>Discuss insights you had while exploring the data that you didn't anticipate</a:t>
             </a:r>
           </a:p>
           <a:p>
             <a:r>
-              <a:rPr lang="en-US" dirty="0"/>
+              <a:rPr lang="en-US" sz="2000">
+                <a:solidFill>
+                  <a:schemeClr val="tx1">
+                    <a:lumMod val="95000"/>
+                  </a:schemeClr>
+                </a:solidFill>
+              </a:rPr>
               <a:t>Discuss any problems that arose after exploring the data, and how you resolved them</a:t>
             </a:r>
           </a:p>
           <a:p>
             <a:pPr lvl="1"/>
             <a:r>
-              <a:rPr lang="en-US" dirty="0"/>
+              <a:rPr lang="en-US" sz="2000">
+                <a:solidFill>
+                  <a:schemeClr val="tx1">
+                    <a:lumMod val="95000"/>
+                  </a:schemeClr>
+                </a:solidFill>
+              </a:rPr>
               <a:t>Cryptocurrencies included weekends</a:t>
             </a:r>
           </a:p>
           <a:p>
             <a:pPr lvl="1"/>
             <a:r>
-              <a:rPr lang="en-US" dirty="0"/>
+              <a:rPr lang="en-US" sz="2000">
+                <a:solidFill>
+                  <a:schemeClr val="tx1">
+                    <a:lumMod val="95000"/>
+                  </a:schemeClr>
+                </a:solidFill>
+              </a:rPr>
               <a:t>Tether multiple uses</a:t>
             </a:r>
           </a:p>
           <a:p>
             <a:r>
-              <a:rPr lang="en-US" dirty="0"/>
-              <a:t>Present and discuss interesting figures developed during exploration, ideally with the help of </a:t>
-            </a:r>
-            <a:r>
-              <a:rPr lang="en-US" dirty="0" err="1"/>
-              <a:t>Jupyter</a:t>
-            </a:r>
-            <a:r>
-              <a:rPr lang="en-US" dirty="0"/>
-              <a:t> Notebook</a:t>
+              <a:rPr lang="en-US" sz="2000">
+                <a:solidFill>
+                  <a:schemeClr val="tx1">
+                    <a:lumMod val="95000"/>
+                  </a:schemeClr>
+                </a:solidFill>
+              </a:rPr>
+              <a:t>Present and discuss interesting figures developed during exploration, ideally with the help of Jupyter Notebook</a:t>
             </a:r>
           </a:p>
         </p:txBody>
@@ -3750,7 +7157,7 @@
     </p:extLst>
   </p:cSld>
   <p:clrMapOvr>
-    <a:masterClrMapping/>
+    <a:overrideClrMapping bg1="dk1" tx1="lt1" bg2="dk2" tx2="lt2" accent1="accent1" accent2="accent2" accent3="accent3" accent4="accent4" accent5="accent5" accent6="accent6" hlink="hlink" folHlink="folHlink"/>
   </p:clrMapOvr>
 </p:sld>
 </file>
@@ -3758,6 +7165,17 @@
 <file path=ppt/slides/slide5.xml><?xml version="1.0" encoding="utf-8"?>
 <p:sld xmlns:a="http://schemas.openxmlformats.org/drawingml/2006/main" xmlns:r="http://schemas.openxmlformats.org/officeDocument/2006/relationships" xmlns:p="http://schemas.openxmlformats.org/presentationml/2006/main">
   <p:cSld>
+    <p:bg>
+      <p:bgPr>
+        <a:solidFill>
+          <a:schemeClr val="bg2">
+            <a:tint val="95000"/>
+            <a:satMod val="170000"/>
+          </a:schemeClr>
+        </a:solidFill>
+        <a:effectLst/>
+      </p:bgPr>
+    </p:bg>
     <p:spTree>
       <p:nvGrpSpPr>
         <p:cNvPr id="1" name=""/>
@@ -3774,10 +7192,137 @@
       </p:grpSpPr>
       <p:sp>
         <p:nvSpPr>
+          <p:cNvPr id="12" name="Rectangle 7">
+            <a:extLst>
+              <a:ext uri="{FF2B5EF4-FFF2-40B4-BE49-F238E27FC236}">
+                <a16:creationId xmlns:a16="http://schemas.microsoft.com/office/drawing/2014/main" id="{02DC0D56-2145-4CB8-979D-ADF8E921AF72}"/>
+              </a:ext>
+              <a:ext uri="{C183D7F6-B498-43B3-948B-1728B52AA6E4}">
+                <adec:decorative xmlns:adec="http://schemas.microsoft.com/office/drawing/2017/decorative" val="1"/>
+              </a:ext>
+            </a:extLst>
+          </p:cNvPr>
+          <p:cNvSpPr>
+            <a:spLocks noGrp="1" noRot="1" noChangeAspect="1" noMove="1" noResize="1" noEditPoints="1" noAdjustHandles="1" noChangeArrowheads="1" noChangeShapeType="1" noTextEdit="1"/>
+          </p:cNvSpPr>
+          <p:nvPr>
+            <p:extLst>
+              <p:ext uri="{386F3935-93C4-4BCD-93E2-E3B085C9AB24}">
+                <p16:designElem xmlns:p16="http://schemas.microsoft.com/office/powerpoint/2015/main" val="1"/>
+              </p:ext>
+            </p:extLst>
+          </p:nvPr>
+        </p:nvSpPr>
+        <p:spPr>
+          <a:xfrm>
+            <a:off x="0" y="0"/>
+            <a:ext cx="12192000" cy="6858000"/>
+          </a:xfrm>
+          <a:prstGeom prst="rect">
+            <a:avLst/>
+          </a:prstGeom>
+          <a:solidFill>
+            <a:schemeClr val="bg1">
+              <a:lumMod val="85000"/>
+              <a:lumOff val="15000"/>
+            </a:schemeClr>
+          </a:solidFill>
+          <a:ln>
+            <a:noFill/>
+          </a:ln>
+        </p:spPr>
+        <p:style>
+          <a:lnRef idx="2">
+            <a:schemeClr val="accent1">
+              <a:shade val="50000"/>
+            </a:schemeClr>
+          </a:lnRef>
+          <a:fillRef idx="1">
+            <a:schemeClr val="accent1"/>
+          </a:fillRef>
+          <a:effectRef idx="0">
+            <a:schemeClr val="accent1"/>
+          </a:effectRef>
+          <a:fontRef idx="minor">
+            <a:schemeClr val="lt1"/>
+          </a:fontRef>
+        </p:style>
+        <p:txBody>
+          <a:bodyPr rtlCol="0" anchor="ctr"/>
+          <a:lstStyle/>
+          <a:p>
+            <a:pPr algn="ctr"/>
+            <a:endParaRPr lang="en-US"/>
+          </a:p>
+        </p:txBody>
+      </p:sp>
+      <p:sp useBgFill="1">
+        <p:nvSpPr>
+          <p:cNvPr id="13" name="Rectangle 9">
+            <a:extLst>
+              <a:ext uri="{FF2B5EF4-FFF2-40B4-BE49-F238E27FC236}">
+                <a16:creationId xmlns:a16="http://schemas.microsoft.com/office/drawing/2014/main" id="{272BB16D-1B1A-4782-92FD-2CF21910DF1C}"/>
+              </a:ext>
+              <a:ext uri="{C183D7F6-B498-43B3-948B-1728B52AA6E4}">
+                <adec:decorative xmlns:adec="http://schemas.microsoft.com/office/drawing/2017/decorative" val="1"/>
+              </a:ext>
+            </a:extLst>
+          </p:cNvPr>
+          <p:cNvSpPr>
+            <a:spLocks noGrp="1" noRot="1" noChangeAspect="1" noMove="1" noResize="1" noEditPoints="1" noAdjustHandles="1" noChangeArrowheads="1" noChangeShapeType="1" noTextEdit="1"/>
+          </p:cNvSpPr>
+          <p:nvPr>
+            <p:extLst>
+              <p:ext uri="{386F3935-93C4-4BCD-93E2-E3B085C9AB24}">
+                <p16:designElem xmlns:p16="http://schemas.microsoft.com/office/powerpoint/2015/main" val="1"/>
+              </p:ext>
+            </p:extLst>
+          </p:nvPr>
+        </p:nvSpPr>
+        <p:spPr>
+          <a:xfrm>
+            <a:off x="0" y="4626429"/>
+            <a:ext cx="12192000" cy="2231571"/>
+          </a:xfrm>
+          <a:prstGeom prst="rect">
+            <a:avLst/>
+          </a:prstGeom>
+          <a:ln>
+            <a:noFill/>
+          </a:ln>
+          <a:effectLst/>
+        </p:spPr>
+        <p:style>
+          <a:lnRef idx="2">
+            <a:schemeClr val="accent1">
+              <a:shade val="50000"/>
+            </a:schemeClr>
+          </a:lnRef>
+          <a:fillRef idx="1">
+            <a:schemeClr val="accent1"/>
+          </a:fillRef>
+          <a:effectRef idx="0">
+            <a:schemeClr val="accent1"/>
+          </a:effectRef>
+          <a:fontRef idx="minor">
+            <a:schemeClr val="lt1"/>
+          </a:fontRef>
+        </p:style>
+        <p:txBody>
+          <a:bodyPr rtlCol="0" anchor="ctr"/>
+          <a:lstStyle/>
+          <a:p>
+            <a:pPr algn="ctr"/>
+            <a:endParaRPr lang="en-US"/>
+          </a:p>
+        </p:txBody>
+      </p:sp>
+      <p:sp>
+        <p:nvSpPr>
           <p:cNvPr id="2" name="Title 1">
             <a:extLst>
               <a:ext uri="{FF2B5EF4-FFF2-40B4-BE49-F238E27FC236}">
-                <a16:creationId xmlns:a16="http://schemas.microsoft.com/office/drawing/2014/main" id="{DF181E76-20E9-4E12-AD03-82900000BAD1}"/>
+                <a16:creationId xmlns:a16="http://schemas.microsoft.com/office/drawing/2014/main" id="{99C8213B-E952-42E8-8F04-C788A5EA6B25}"/>
               </a:ext>
             </a:extLst>
           </p:cNvPr>
@@ -3788,81 +7333,40 @@
             <p:ph type="title"/>
           </p:nvPr>
         </p:nvSpPr>
-        <p:spPr/>
-        <p:txBody>
-          <a:bodyPr/>
-          <a:lstStyle/>
-          <a:p>
-            <a:r>
-              <a:rPr lang="en-US" dirty="0"/>
-              <a:t>Data Analysis</a:t>
-            </a:r>
-          </a:p>
-        </p:txBody>
-      </p:sp>
-      <p:sp>
-        <p:nvSpPr>
-          <p:cNvPr id="3" name="Content Placeholder 2">
-            <a:extLst>
-              <a:ext uri="{FF2B5EF4-FFF2-40B4-BE49-F238E27FC236}">
-                <a16:creationId xmlns:a16="http://schemas.microsoft.com/office/drawing/2014/main" id="{7A9FD706-7603-4F88-BB30-8058360301ED}"/>
-              </a:ext>
-            </a:extLst>
-          </p:cNvPr>
-          <p:cNvSpPr>
-            <a:spLocks noGrp="1"/>
-          </p:cNvSpPr>
-          <p:nvPr>
-            <p:ph idx="1"/>
-          </p:nvPr>
-        </p:nvSpPr>
-        <p:spPr/>
-        <p:txBody>
-          <a:bodyPr/>
-          <a:lstStyle/>
-          <a:p>
-            <a:r>
-              <a:rPr lang="en-US" dirty="0"/>
-              <a:t>Analysis</a:t>
-            </a:r>
-          </a:p>
-          <a:p>
-            <a:endParaRPr lang="en-US" dirty="0"/>
-          </a:p>
-          <a:p>
-            <a:r>
-              <a:rPr lang="en-US" dirty="0"/>
-              <a:t>Discuss the steps you took to analyze the data and answer each question you asked I</a:t>
-            </a:r>
-          </a:p>
-          <a:p>
-            <a:r>
-              <a:rPr lang="en-US" dirty="0"/>
-              <a:t>Present and discuss interesting figures developed during analysis, ideally with the help of </a:t>
-            </a:r>
-            <a:r>
-              <a:rPr lang="en-US" dirty="0" err="1"/>
-              <a:t>Jupyter</a:t>
-            </a:r>
-            <a:r>
-              <a:rPr lang="en-US" dirty="0"/>
-              <a:t> </a:t>
-            </a:r>
-            <a:r>
-              <a:rPr lang="en-US" dirty="0" err="1"/>
-              <a:t>Notebookn</a:t>
-            </a:r>
-            <a:r>
-              <a:rPr lang="en-US" dirty="0"/>
-              <a:t> your proposal</a:t>
-            </a:r>
+        <p:spPr>
+          <a:xfrm>
+            <a:off x="838200" y="4963886"/>
+            <a:ext cx="10515600" cy="1141632"/>
+          </a:xfrm>
+        </p:spPr>
+        <p:txBody>
+          <a:bodyPr vert="horz" wrap="square" lIns="91440" tIns="45720" rIns="91440" bIns="45720" rtlCol="0" anchor="t">
+            <a:normAutofit/>
+          </a:bodyPr>
+          <a:lstStyle/>
+          <a:p>
+            <a:pPr algn="r"/>
+            <a:endParaRPr lang="en-US" sz="4400" spc="-300" dirty="0">
+              <a:solidFill>
+                <a:schemeClr val="tx1">
+                  <a:lumMod val="95000"/>
+                </a:schemeClr>
+              </a:solidFill>
+              <a:effectLst>
+                <a:outerShdw blurRad="469900" dist="342900" dir="5400000" sy="-20000" rotWithShape="0">
+                  <a:prstClr val="black">
+                    <a:alpha val="66000"/>
+                  </a:prstClr>
+                </a:outerShdw>
+              </a:effectLst>
+            </a:endParaRPr>
           </a:p>
         </p:txBody>
       </p:sp>
     </p:spTree>
     <p:extLst>
       <p:ext uri="{BB962C8B-B14F-4D97-AF65-F5344CB8AC3E}">
-        <p14:creationId xmlns:p14="http://schemas.microsoft.com/office/powerpoint/2010/main" val="3955815284"/>
+        <p14:creationId xmlns:p14="http://schemas.microsoft.com/office/powerpoint/2010/main" val="878122203"/>
       </p:ext>
     </p:extLst>
   </p:cSld>
@@ -3875,6 +7379,14 @@
 <file path=ppt/slides/slide6.xml><?xml version="1.0" encoding="utf-8"?>
 <p:sld xmlns:a="http://schemas.openxmlformats.org/drawingml/2006/main" xmlns:r="http://schemas.openxmlformats.org/officeDocument/2006/relationships" xmlns:p="http://schemas.openxmlformats.org/presentationml/2006/main">
   <p:cSld>
+    <p:bg>
+      <p:bgPr>
+        <a:solidFill>
+          <a:schemeClr val="bg2"/>
+        </a:solidFill>
+        <a:effectLst/>
+      </p:bgPr>
+    </p:bg>
     <p:spTree>
       <p:nvGrpSpPr>
         <p:cNvPr id="1" name=""/>
@@ -3889,12 +7401,135 @@
           <a:chExt cx="0" cy="0"/>
         </a:xfrm>
       </p:grpSpPr>
+      <p:sp useBgFill="1">
+        <p:nvSpPr>
+          <p:cNvPr id="8" name="Rectangle 7">
+            <a:extLst>
+              <a:ext uri="{FF2B5EF4-FFF2-40B4-BE49-F238E27FC236}">
+                <a16:creationId xmlns:a16="http://schemas.microsoft.com/office/drawing/2014/main" id="{87358089-2E54-4747-8D77-434291EB9A73}"/>
+              </a:ext>
+              <a:ext uri="{C183D7F6-B498-43B3-948B-1728B52AA6E4}">
+                <adec:decorative xmlns:adec="http://schemas.microsoft.com/office/drawing/2017/decorative" val="1"/>
+              </a:ext>
+            </a:extLst>
+          </p:cNvPr>
+          <p:cNvSpPr>
+            <a:spLocks noGrp="1" noRot="1" noChangeAspect="1" noMove="1" noResize="1" noEditPoints="1" noAdjustHandles="1" noChangeArrowheads="1" noChangeShapeType="1" noTextEdit="1"/>
+          </p:cNvSpPr>
+          <p:nvPr>
+            <p:extLst>
+              <p:ext uri="{386F3935-93C4-4BCD-93E2-E3B085C9AB24}">
+                <p16:designElem xmlns:p16="http://schemas.microsoft.com/office/powerpoint/2015/main" val="1"/>
+              </p:ext>
+            </p:extLst>
+          </p:nvPr>
+        </p:nvSpPr>
+        <p:spPr>
+          <a:xfrm>
+            <a:off x="0" y="0"/>
+            <a:ext cx="12192000" cy="6858000"/>
+          </a:xfrm>
+          <a:prstGeom prst="rect">
+            <a:avLst/>
+          </a:prstGeom>
+          <a:ln>
+            <a:noFill/>
+          </a:ln>
+        </p:spPr>
+        <p:style>
+          <a:lnRef idx="2">
+            <a:schemeClr val="accent1">
+              <a:shade val="50000"/>
+            </a:schemeClr>
+          </a:lnRef>
+          <a:fillRef idx="1">
+            <a:schemeClr val="accent1"/>
+          </a:fillRef>
+          <a:effectRef idx="0">
+            <a:schemeClr val="accent1"/>
+          </a:effectRef>
+          <a:fontRef idx="minor">
+            <a:schemeClr val="lt1"/>
+          </a:fontRef>
+        </p:style>
+        <p:txBody>
+          <a:bodyPr rtlCol="0" anchor="ctr"/>
+          <a:lstStyle/>
+          <a:p>
+            <a:pPr algn="ctr"/>
+            <a:endParaRPr lang="en-US"/>
+          </a:p>
+        </p:txBody>
+      </p:sp>
+      <p:sp>
+        <p:nvSpPr>
+          <p:cNvPr id="10" name="Rectangle 9">
+            <a:extLst>
+              <a:ext uri="{FF2B5EF4-FFF2-40B4-BE49-F238E27FC236}">
+                <a16:creationId xmlns:a16="http://schemas.microsoft.com/office/drawing/2014/main" id="{F0318841-B257-4D3A-A6E5-309C003E0430}"/>
+              </a:ext>
+              <a:ext uri="{C183D7F6-B498-43B3-948B-1728B52AA6E4}">
+                <adec:decorative xmlns:adec="http://schemas.microsoft.com/office/drawing/2017/decorative" val="1"/>
+              </a:ext>
+            </a:extLst>
+          </p:cNvPr>
+          <p:cNvSpPr>
+            <a:spLocks noGrp="1" noRot="1" noChangeAspect="1" noMove="1" noResize="1" noEditPoints="1" noAdjustHandles="1" noChangeArrowheads="1" noChangeShapeType="1" noTextEdit="1"/>
+          </p:cNvSpPr>
+          <p:nvPr>
+            <p:extLst>
+              <p:ext uri="{386F3935-93C4-4BCD-93E2-E3B085C9AB24}">
+                <p16:designElem xmlns:p16="http://schemas.microsoft.com/office/powerpoint/2015/main" val="1"/>
+              </p:ext>
+            </p:extLst>
+          </p:nvPr>
+        </p:nvSpPr>
+        <p:spPr>
+          <a:xfrm>
+            <a:off x="0" y="0"/>
+            <a:ext cx="4062127" cy="6858000"/>
+          </a:xfrm>
+          <a:prstGeom prst="rect">
+            <a:avLst/>
+          </a:prstGeom>
+          <a:solidFill>
+            <a:srgbClr val="262626"/>
+          </a:solidFill>
+          <a:ln>
+            <a:noFill/>
+          </a:ln>
+        </p:spPr>
+        <p:style>
+          <a:lnRef idx="2">
+            <a:schemeClr val="accent1">
+              <a:shade val="50000"/>
+            </a:schemeClr>
+          </a:lnRef>
+          <a:fillRef idx="1">
+            <a:schemeClr val="accent1"/>
+          </a:fillRef>
+          <a:effectRef idx="0">
+            <a:schemeClr val="accent1"/>
+          </a:effectRef>
+          <a:fontRef idx="minor">
+            <a:schemeClr val="lt1"/>
+          </a:fontRef>
+        </p:style>
+        <p:txBody>
+          <a:bodyPr rtlCol="0" anchor="ctr"/>
+          <a:lstStyle/>
+          <a:p>
+            <a:pPr algn="ctr"/>
+            <a:endParaRPr lang="en-US"/>
+          </a:p>
+        </p:txBody>
+      </p:sp>
       <p:sp>
         <p:nvSpPr>
           <p:cNvPr id="2" name="Title 1">
             <a:extLst>
               <a:ext uri="{FF2B5EF4-FFF2-40B4-BE49-F238E27FC236}">
-                <a16:creationId xmlns:a16="http://schemas.microsoft.com/office/drawing/2014/main" id="{3969A7ED-B6F1-451E-8F80-1C6F7D537BAF}"/>
+                <a16:creationId xmlns:a16="http://schemas.microsoft.com/office/drawing/2014/main" id="{DF181E76-20E9-4E12-AD03-82900000BAD1}"/>
               </a:ext>
             </a:extLst>
           </p:cNvPr>
@@ -3905,14 +7540,25 @@
             <p:ph type="title"/>
           </p:nvPr>
         </p:nvSpPr>
-        <p:spPr/>
-        <p:txBody>
-          <a:bodyPr/>
-          <a:lstStyle/>
-          <a:p>
-            <a:r>
-              <a:rPr lang="en-US" dirty="0"/>
-              <a:t>Discussion</a:t>
+        <p:spPr>
+          <a:xfrm>
+            <a:off x="838200" y="688748"/>
+            <a:ext cx="2855140" cy="5480504"/>
+          </a:xfrm>
+        </p:spPr>
+        <p:txBody>
+          <a:bodyPr anchor="ctr">
+            <a:normAutofit/>
+          </a:bodyPr>
+          <a:lstStyle/>
+          <a:p>
+            <a:r>
+              <a:rPr lang="en-US" sz="3600">
+                <a:solidFill>
+                  <a:srgbClr val="F2F2F2"/>
+                </a:solidFill>
+              </a:rPr>
+              <a:t>Data Analysis</a:t>
             </a:r>
           </a:p>
         </p:txBody>
@@ -3922,7 +7568,7 @@
           <p:cNvPr id="3" name="Content Placeholder 2">
             <a:extLst>
               <a:ext uri="{FF2B5EF4-FFF2-40B4-BE49-F238E27FC236}">
-                <a16:creationId xmlns:a16="http://schemas.microsoft.com/office/drawing/2014/main" id="{98C008D0-1E43-4D75-8694-1447CE4A1999}"/>
+                <a16:creationId xmlns:a16="http://schemas.microsoft.com/office/drawing/2014/main" id="{7A9FD706-7603-4F88-BB30-8058360301ED}"/>
               </a:ext>
             </a:extLst>
           </p:cNvPr>
@@ -3933,26 +7579,60 @@
             <p:ph idx="1"/>
           </p:nvPr>
         </p:nvSpPr>
-        <p:spPr/>
-        <p:txBody>
-          <a:bodyPr/>
-          <a:lstStyle/>
-          <a:p>
-            <a:r>
-              <a:rPr lang="en-US" dirty="0"/>
-              <a:t>General trends</a:t>
-            </a:r>
-          </a:p>
-          <a:p>
-            <a:endParaRPr lang="en-US" dirty="0"/>
-          </a:p>
-          <a:p>
-            <a:endParaRPr lang="en-US" dirty="0"/>
-          </a:p>
-          <a:p>
-            <a:r>
-              <a:rPr lang="en-US" dirty="0"/>
-              <a:t>Discuss your findings. Did you find what you expected to find? If not, why not? What inferences or general conclusions can you draw from your analysis?</a:t>
+        <p:spPr>
+          <a:xfrm>
+            <a:off x="4423890" y="688749"/>
+            <a:ext cx="6286442" cy="5480504"/>
+          </a:xfrm>
+        </p:spPr>
+        <p:txBody>
+          <a:bodyPr anchor="ctr">
+            <a:normAutofit/>
+          </a:bodyPr>
+          <a:lstStyle/>
+          <a:p>
+            <a:r>
+              <a:rPr lang="en-US" sz="2000">
+                <a:solidFill>
+                  <a:schemeClr val="tx1">
+                    <a:lumMod val="95000"/>
+                  </a:schemeClr>
+                </a:solidFill>
+              </a:rPr>
+              <a:t>Analysis</a:t>
+            </a:r>
+          </a:p>
+          <a:p>
+            <a:endParaRPr lang="en-US" sz="2000">
+              <a:solidFill>
+                <a:schemeClr val="tx1">
+                  <a:lumMod val="95000"/>
+                </a:schemeClr>
+              </a:solidFill>
+            </a:endParaRPr>
+          </a:p>
+          <a:p>
+            <a:r>
+              <a:rPr lang="en-US" sz="2000">
+                <a:solidFill>
+                  <a:schemeClr val="tx1">
+                    <a:lumMod val="95000"/>
+                  </a:schemeClr>
+                </a:solidFill>
+              </a:rPr>
+              <a:t>Discuss the steps you took to analyze the data and answer each question you asked I</a:t>
+            </a:r>
+          </a:p>
+          <a:p>
+            <a:r>
+              <a:rPr lang="en-US" sz="2000">
+                <a:solidFill>
+                  <a:schemeClr val="tx1">
+                    <a:lumMod val="95000"/>
+                  </a:schemeClr>
+                </a:solidFill>
+              </a:rPr>
+              <a:t>Present and discuss interesting figures developed during analysis, ideally with the help of Jupyter Notebookn your proposal</a:t>
             </a:r>
           </a:p>
         </p:txBody>
@@ -3960,12 +7640,12 @@
     </p:spTree>
     <p:extLst>
       <p:ext uri="{BB962C8B-B14F-4D97-AF65-F5344CB8AC3E}">
-        <p14:creationId xmlns:p14="http://schemas.microsoft.com/office/powerpoint/2010/main" val="246072277"/>
+        <p14:creationId xmlns:p14="http://schemas.microsoft.com/office/powerpoint/2010/main" val="3955815284"/>
       </p:ext>
     </p:extLst>
   </p:cSld>
   <p:clrMapOvr>
-    <a:masterClrMapping/>
+    <a:overrideClrMapping bg1="dk1" tx1="lt1" bg2="dk2" tx2="lt2" accent1="accent1" accent2="accent2" accent3="accent3" accent4="accent4" accent5="accent5" accent6="accent6" hlink="hlink" folHlink="folHlink"/>
   </p:clrMapOvr>
 </p:sld>
 </file>
@@ -3973,6 +7653,17 @@
 <file path=ppt/slides/slide7.xml><?xml version="1.0" encoding="utf-8"?>
 <p:sld xmlns:a="http://schemas.openxmlformats.org/drawingml/2006/main" xmlns:r="http://schemas.openxmlformats.org/officeDocument/2006/relationships" xmlns:p="http://schemas.openxmlformats.org/presentationml/2006/main">
   <p:cSld>
+    <p:bg>
+      <p:bgPr>
+        <a:solidFill>
+          <a:schemeClr val="bg2">
+            <a:tint val="95000"/>
+            <a:satMod val="170000"/>
+          </a:schemeClr>
+        </a:solidFill>
+        <a:effectLst/>
+      </p:bgPr>
+    </p:bg>
     <p:spTree>
       <p:nvGrpSpPr>
         <p:cNvPr id="1" name=""/>
@@ -3989,10 +7680,137 @@
       </p:grpSpPr>
       <p:sp>
         <p:nvSpPr>
+          <p:cNvPr id="8" name="Rectangle 7">
+            <a:extLst>
+              <a:ext uri="{FF2B5EF4-FFF2-40B4-BE49-F238E27FC236}">
+                <a16:creationId xmlns:a16="http://schemas.microsoft.com/office/drawing/2014/main" id="{02DC0D56-2145-4CB8-979D-ADF8E921AF72}"/>
+              </a:ext>
+              <a:ext uri="{C183D7F6-B498-43B3-948B-1728B52AA6E4}">
+                <adec:decorative xmlns:adec="http://schemas.microsoft.com/office/drawing/2017/decorative" val="1"/>
+              </a:ext>
+            </a:extLst>
+          </p:cNvPr>
+          <p:cNvSpPr>
+            <a:spLocks noGrp="1" noRot="1" noChangeAspect="1" noMove="1" noResize="1" noEditPoints="1" noAdjustHandles="1" noChangeArrowheads="1" noChangeShapeType="1" noTextEdit="1"/>
+          </p:cNvSpPr>
+          <p:nvPr>
+            <p:extLst>
+              <p:ext uri="{386F3935-93C4-4BCD-93E2-E3B085C9AB24}">
+                <p16:designElem xmlns:p16="http://schemas.microsoft.com/office/powerpoint/2015/main" val="1"/>
+              </p:ext>
+            </p:extLst>
+          </p:nvPr>
+        </p:nvSpPr>
+        <p:spPr>
+          <a:xfrm>
+            <a:off x="0" y="0"/>
+            <a:ext cx="12192000" cy="6858000"/>
+          </a:xfrm>
+          <a:prstGeom prst="rect">
+            <a:avLst/>
+          </a:prstGeom>
+          <a:solidFill>
+            <a:schemeClr val="bg1">
+              <a:lumMod val="85000"/>
+              <a:lumOff val="15000"/>
+            </a:schemeClr>
+          </a:solidFill>
+          <a:ln>
+            <a:noFill/>
+          </a:ln>
+        </p:spPr>
+        <p:style>
+          <a:lnRef idx="2">
+            <a:schemeClr val="accent1">
+              <a:shade val="50000"/>
+            </a:schemeClr>
+          </a:lnRef>
+          <a:fillRef idx="1">
+            <a:schemeClr val="accent1"/>
+          </a:fillRef>
+          <a:effectRef idx="0">
+            <a:schemeClr val="accent1"/>
+          </a:effectRef>
+          <a:fontRef idx="minor">
+            <a:schemeClr val="lt1"/>
+          </a:fontRef>
+        </p:style>
+        <p:txBody>
+          <a:bodyPr rtlCol="0" anchor="ctr"/>
+          <a:lstStyle/>
+          <a:p>
+            <a:pPr algn="ctr"/>
+            <a:endParaRPr lang="en-US"/>
+          </a:p>
+        </p:txBody>
+      </p:sp>
+      <p:sp useBgFill="1">
+        <p:nvSpPr>
+          <p:cNvPr id="10" name="Rectangle 9">
+            <a:extLst>
+              <a:ext uri="{FF2B5EF4-FFF2-40B4-BE49-F238E27FC236}">
+                <a16:creationId xmlns:a16="http://schemas.microsoft.com/office/drawing/2014/main" id="{272BB16D-1B1A-4782-92FD-2CF21910DF1C}"/>
+              </a:ext>
+              <a:ext uri="{C183D7F6-B498-43B3-948B-1728B52AA6E4}">
+                <adec:decorative xmlns:adec="http://schemas.microsoft.com/office/drawing/2017/decorative" val="1"/>
+              </a:ext>
+            </a:extLst>
+          </p:cNvPr>
+          <p:cNvSpPr>
+            <a:spLocks noGrp="1" noRot="1" noChangeAspect="1" noMove="1" noResize="1" noEditPoints="1" noAdjustHandles="1" noChangeArrowheads="1" noChangeShapeType="1" noTextEdit="1"/>
+          </p:cNvSpPr>
+          <p:nvPr>
+            <p:extLst>
+              <p:ext uri="{386F3935-93C4-4BCD-93E2-E3B085C9AB24}">
+                <p16:designElem xmlns:p16="http://schemas.microsoft.com/office/powerpoint/2015/main" val="1"/>
+              </p:ext>
+            </p:extLst>
+          </p:nvPr>
+        </p:nvSpPr>
+        <p:spPr>
+          <a:xfrm>
+            <a:off x="0" y="4626429"/>
+            <a:ext cx="12192000" cy="2231571"/>
+          </a:xfrm>
+          <a:prstGeom prst="rect">
+            <a:avLst/>
+          </a:prstGeom>
+          <a:ln>
+            <a:noFill/>
+          </a:ln>
+          <a:effectLst/>
+        </p:spPr>
+        <p:style>
+          <a:lnRef idx="2">
+            <a:schemeClr val="accent1">
+              <a:shade val="50000"/>
+            </a:schemeClr>
+          </a:lnRef>
+          <a:fillRef idx="1">
+            <a:schemeClr val="accent1"/>
+          </a:fillRef>
+          <a:effectRef idx="0">
+            <a:schemeClr val="accent1"/>
+          </a:effectRef>
+          <a:fontRef idx="minor">
+            <a:schemeClr val="lt1"/>
+          </a:fontRef>
+        </p:style>
+        <p:txBody>
+          <a:bodyPr rtlCol="0" anchor="ctr"/>
+          <a:lstStyle/>
+          <a:p>
+            <a:pPr algn="ctr"/>
+            <a:endParaRPr lang="en-US"/>
+          </a:p>
+        </p:txBody>
+      </p:sp>
+      <p:sp>
+        <p:nvSpPr>
           <p:cNvPr id="2" name="Title 1">
             <a:extLst>
               <a:ext uri="{FF2B5EF4-FFF2-40B4-BE49-F238E27FC236}">
-                <a16:creationId xmlns:a16="http://schemas.microsoft.com/office/drawing/2014/main" id="{6E44B138-DC35-42F7-B36E-A669A89F8108}"/>
+                <a16:creationId xmlns:a16="http://schemas.microsoft.com/office/drawing/2014/main" id="{5EEDC5F9-4247-4811-AD8A-D73A13412E4F}"/>
               </a:ext>
             </a:extLst>
           </p:cNvPr>
@@ -4003,71 +7821,40 @@
             <p:ph type="title"/>
           </p:nvPr>
         </p:nvSpPr>
-        <p:spPr/>
-        <p:txBody>
-          <a:bodyPr/>
-          <a:lstStyle/>
-          <a:p>
-            <a:r>
-              <a:rPr lang="en-US" dirty="0"/>
-              <a:t>Post Mortem</a:t>
-            </a:r>
-          </a:p>
-        </p:txBody>
-      </p:sp>
-      <p:sp>
-        <p:nvSpPr>
-          <p:cNvPr id="3" name="Content Placeholder 2">
-            <a:extLst>
-              <a:ext uri="{FF2B5EF4-FFF2-40B4-BE49-F238E27FC236}">
-                <a16:creationId xmlns:a16="http://schemas.microsoft.com/office/drawing/2014/main" id="{AFEE5EC2-CE1C-4E89-9C52-29C82A838F6F}"/>
-              </a:ext>
-            </a:extLst>
-          </p:cNvPr>
-          <p:cNvSpPr>
-            <a:spLocks noGrp="1"/>
-          </p:cNvSpPr>
-          <p:nvPr>
-            <p:ph idx="1"/>
-          </p:nvPr>
-        </p:nvSpPr>
-        <p:spPr/>
-        <p:txBody>
-          <a:bodyPr/>
-          <a:lstStyle/>
-          <a:p>
-            <a:r>
-              <a:rPr lang="en-US" dirty="0"/>
-              <a:t>Twitter API</a:t>
-            </a:r>
-          </a:p>
-          <a:p>
-            <a:r>
-              <a:rPr lang="en-US" dirty="0"/>
-              <a:t>Lo</a:t>
-            </a:r>
-          </a:p>
-          <a:p>
-            <a:endParaRPr lang="en-US" dirty="0"/>
-          </a:p>
-          <a:p>
-            <a:r>
-              <a:rPr lang="en-US" dirty="0"/>
-              <a:t>Discuss any difficulties that arose, and how you dealt with them</a:t>
-            </a:r>
-          </a:p>
-          <a:p>
-            <a:r>
-              <a:rPr lang="en-US" dirty="0"/>
-              <a:t>Discuss any additional questions that came up, but which you didn't have time to answer: What would you research next, if you had two more weeks?</a:t>
-            </a:r>
+        <p:spPr>
+          <a:xfrm>
+            <a:off x="838200" y="4963886"/>
+            <a:ext cx="10515600" cy="1141632"/>
+          </a:xfrm>
+        </p:spPr>
+        <p:txBody>
+          <a:bodyPr vert="horz" wrap="square" lIns="91440" tIns="45720" rIns="91440" bIns="45720" rtlCol="0" anchor="t">
+            <a:normAutofit/>
+          </a:bodyPr>
+          <a:lstStyle/>
+          <a:p>
+            <a:pPr algn="r"/>
+            <a:endParaRPr lang="en-US" sz="4400" spc="-300" dirty="0">
+              <a:solidFill>
+                <a:schemeClr val="tx1">
+                  <a:lumMod val="95000"/>
+                </a:schemeClr>
+              </a:solidFill>
+              <a:effectLst>
+                <a:outerShdw blurRad="469900" dist="342900" dir="5400000" sy="-20000" rotWithShape="0">
+                  <a:prstClr val="black">
+                    <a:alpha val="66000"/>
+                  </a:prstClr>
+                </a:outerShdw>
+              </a:effectLst>
+            </a:endParaRPr>
           </a:p>
         </p:txBody>
       </p:sp>
     </p:spTree>
     <p:extLst>
       <p:ext uri="{BB962C8B-B14F-4D97-AF65-F5344CB8AC3E}">
-        <p14:creationId xmlns:p14="http://schemas.microsoft.com/office/powerpoint/2010/main" val="977734179"/>
+        <p14:creationId xmlns:p14="http://schemas.microsoft.com/office/powerpoint/2010/main" val="471880116"/>
       </p:ext>
     </p:extLst>
   </p:cSld>
@@ -4080,6 +7867,14 @@
 <file path=ppt/slides/slide8.xml><?xml version="1.0" encoding="utf-8"?>
 <p:sld xmlns:a="http://schemas.openxmlformats.org/drawingml/2006/main" xmlns:r="http://schemas.openxmlformats.org/officeDocument/2006/relationships" xmlns:p="http://schemas.openxmlformats.org/presentationml/2006/main">
   <p:cSld>
+    <p:bg>
+      <p:bgPr>
+        <a:solidFill>
+          <a:schemeClr val="bg2"/>
+        </a:solidFill>
+        <a:effectLst/>
+      </p:bgPr>
+    </p:bg>
     <p:spTree>
       <p:nvGrpSpPr>
         <p:cNvPr id="1" name=""/>
@@ -4094,12 +7889,135 @@
           <a:chExt cx="0" cy="0"/>
         </a:xfrm>
       </p:grpSpPr>
+      <p:sp useBgFill="1">
+        <p:nvSpPr>
+          <p:cNvPr id="8" name="Rectangle 7">
+            <a:extLst>
+              <a:ext uri="{FF2B5EF4-FFF2-40B4-BE49-F238E27FC236}">
+                <a16:creationId xmlns:a16="http://schemas.microsoft.com/office/drawing/2014/main" id="{87358089-2E54-4747-8D77-434291EB9A73}"/>
+              </a:ext>
+              <a:ext uri="{C183D7F6-B498-43B3-948B-1728B52AA6E4}">
+                <adec:decorative xmlns:adec="http://schemas.microsoft.com/office/drawing/2017/decorative" val="1"/>
+              </a:ext>
+            </a:extLst>
+          </p:cNvPr>
+          <p:cNvSpPr>
+            <a:spLocks noGrp="1" noRot="1" noChangeAspect="1" noMove="1" noResize="1" noEditPoints="1" noAdjustHandles="1" noChangeArrowheads="1" noChangeShapeType="1" noTextEdit="1"/>
+          </p:cNvSpPr>
+          <p:nvPr>
+            <p:extLst>
+              <p:ext uri="{386F3935-93C4-4BCD-93E2-E3B085C9AB24}">
+                <p16:designElem xmlns:p16="http://schemas.microsoft.com/office/powerpoint/2015/main" val="1"/>
+              </p:ext>
+            </p:extLst>
+          </p:nvPr>
+        </p:nvSpPr>
+        <p:spPr>
+          <a:xfrm>
+            <a:off x="0" y="0"/>
+            <a:ext cx="12192000" cy="6858000"/>
+          </a:xfrm>
+          <a:prstGeom prst="rect">
+            <a:avLst/>
+          </a:prstGeom>
+          <a:ln>
+            <a:noFill/>
+          </a:ln>
+        </p:spPr>
+        <p:style>
+          <a:lnRef idx="2">
+            <a:schemeClr val="accent1">
+              <a:shade val="50000"/>
+            </a:schemeClr>
+          </a:lnRef>
+          <a:fillRef idx="1">
+            <a:schemeClr val="accent1"/>
+          </a:fillRef>
+          <a:effectRef idx="0">
+            <a:schemeClr val="accent1"/>
+          </a:effectRef>
+          <a:fontRef idx="minor">
+            <a:schemeClr val="lt1"/>
+          </a:fontRef>
+        </p:style>
+        <p:txBody>
+          <a:bodyPr rtlCol="0" anchor="ctr"/>
+          <a:lstStyle/>
+          <a:p>
+            <a:pPr algn="ctr"/>
+            <a:endParaRPr lang="en-US"/>
+          </a:p>
+        </p:txBody>
+      </p:sp>
+      <p:sp>
+        <p:nvSpPr>
+          <p:cNvPr id="10" name="Rectangle 9">
+            <a:extLst>
+              <a:ext uri="{FF2B5EF4-FFF2-40B4-BE49-F238E27FC236}">
+                <a16:creationId xmlns:a16="http://schemas.microsoft.com/office/drawing/2014/main" id="{F0318841-B257-4D3A-A6E5-309C003E0430}"/>
+              </a:ext>
+              <a:ext uri="{C183D7F6-B498-43B3-948B-1728B52AA6E4}">
+                <adec:decorative xmlns:adec="http://schemas.microsoft.com/office/drawing/2017/decorative" val="1"/>
+              </a:ext>
+            </a:extLst>
+          </p:cNvPr>
+          <p:cNvSpPr>
+            <a:spLocks noGrp="1" noRot="1" noChangeAspect="1" noMove="1" noResize="1" noEditPoints="1" noAdjustHandles="1" noChangeArrowheads="1" noChangeShapeType="1" noTextEdit="1"/>
+          </p:cNvSpPr>
+          <p:nvPr>
+            <p:extLst>
+              <p:ext uri="{386F3935-93C4-4BCD-93E2-E3B085C9AB24}">
+                <p16:designElem xmlns:p16="http://schemas.microsoft.com/office/powerpoint/2015/main" val="1"/>
+              </p:ext>
+            </p:extLst>
+          </p:nvPr>
+        </p:nvSpPr>
+        <p:spPr>
+          <a:xfrm>
+            <a:off x="0" y="0"/>
+            <a:ext cx="4062127" cy="6858000"/>
+          </a:xfrm>
+          <a:prstGeom prst="rect">
+            <a:avLst/>
+          </a:prstGeom>
+          <a:solidFill>
+            <a:srgbClr val="262626"/>
+          </a:solidFill>
+          <a:ln>
+            <a:noFill/>
+          </a:ln>
+        </p:spPr>
+        <p:style>
+          <a:lnRef idx="2">
+            <a:schemeClr val="accent1">
+              <a:shade val="50000"/>
+            </a:schemeClr>
+          </a:lnRef>
+          <a:fillRef idx="1">
+            <a:schemeClr val="accent1"/>
+          </a:fillRef>
+          <a:effectRef idx="0">
+            <a:schemeClr val="accent1"/>
+          </a:effectRef>
+          <a:fontRef idx="minor">
+            <a:schemeClr val="lt1"/>
+          </a:fontRef>
+        </p:style>
+        <p:txBody>
+          <a:bodyPr rtlCol="0" anchor="ctr"/>
+          <a:lstStyle/>
+          <a:p>
+            <a:pPr algn="ctr"/>
+            <a:endParaRPr lang="en-US"/>
+          </a:p>
+        </p:txBody>
+      </p:sp>
       <p:sp>
         <p:nvSpPr>
           <p:cNvPr id="2" name="Title 1">
             <a:extLst>
               <a:ext uri="{FF2B5EF4-FFF2-40B4-BE49-F238E27FC236}">
-                <a16:creationId xmlns:a16="http://schemas.microsoft.com/office/drawing/2014/main" id="{D599B37F-351B-42B2-A0C3-73DEA21BC39C}"/>
+                <a16:creationId xmlns:a16="http://schemas.microsoft.com/office/drawing/2014/main" id="{3969A7ED-B6F1-451E-8F80-1C6F7D537BAF}"/>
               </a:ext>
             </a:extLst>
           </p:cNvPr>
@@ -4110,14 +8028,25 @@
             <p:ph type="title"/>
           </p:nvPr>
         </p:nvSpPr>
-        <p:spPr/>
-        <p:txBody>
-          <a:bodyPr/>
-          <a:lstStyle/>
-          <a:p>
-            <a:r>
-              <a:rPr lang="en-US" dirty="0"/>
-              <a:t>Questions</a:t>
+        <p:spPr>
+          <a:xfrm>
+            <a:off x="838200" y="688748"/>
+            <a:ext cx="2855140" cy="5480504"/>
+          </a:xfrm>
+        </p:spPr>
+        <p:txBody>
+          <a:bodyPr anchor="ctr">
+            <a:normAutofit/>
+          </a:bodyPr>
+          <a:lstStyle/>
+          <a:p>
+            <a:r>
+              <a:rPr lang="en-US" sz="3600">
+                <a:solidFill>
+                  <a:srgbClr val="F2F2F2"/>
+                </a:solidFill>
+              </a:rPr>
+              <a:t>Discussion</a:t>
             </a:r>
           </a:p>
         </p:txBody>
@@ -4127,7 +8056,7 @@
           <p:cNvPr id="3" name="Content Placeholder 2">
             <a:extLst>
               <a:ext uri="{FF2B5EF4-FFF2-40B4-BE49-F238E27FC236}">
-                <a16:creationId xmlns:a16="http://schemas.microsoft.com/office/drawing/2014/main" id="{44A36FCE-43A3-4489-A0BB-EBC269E5CE18}"/>
+                <a16:creationId xmlns:a16="http://schemas.microsoft.com/office/drawing/2014/main" id="{98C008D0-1E43-4D75-8694-1447CE4A1999}"/>
               </a:ext>
             </a:extLst>
           </p:cNvPr>
@@ -4138,14 +8067,57 @@
             <p:ph idx="1"/>
           </p:nvPr>
         </p:nvSpPr>
-        <p:spPr/>
-        <p:txBody>
-          <a:bodyPr/>
-          <a:lstStyle/>
-          <a:p>
-            <a:r>
-              <a:rPr lang="en-US" dirty="0"/>
-              <a:t>Open-floor Q&amp;A with the audience</a:t>
+        <p:spPr>
+          <a:xfrm>
+            <a:off x="4423890" y="688749"/>
+            <a:ext cx="6286442" cy="5480504"/>
+          </a:xfrm>
+        </p:spPr>
+        <p:txBody>
+          <a:bodyPr anchor="ctr">
+            <a:normAutofit/>
+          </a:bodyPr>
+          <a:lstStyle/>
+          <a:p>
+            <a:r>
+              <a:rPr lang="en-US" sz="2000">
+                <a:solidFill>
+                  <a:schemeClr val="tx1">
+                    <a:lumMod val="95000"/>
+                  </a:schemeClr>
+                </a:solidFill>
+              </a:rPr>
+              <a:t>General trends</a:t>
+            </a:r>
+          </a:p>
+          <a:p>
+            <a:endParaRPr lang="en-US" sz="2000">
+              <a:solidFill>
+                <a:schemeClr val="tx1">
+                  <a:lumMod val="95000"/>
+                </a:schemeClr>
+              </a:solidFill>
+            </a:endParaRPr>
+          </a:p>
+          <a:p>
+            <a:endParaRPr lang="en-US" sz="2000">
+              <a:solidFill>
+                <a:schemeClr val="tx1">
+                  <a:lumMod val="95000"/>
+                </a:schemeClr>
+              </a:solidFill>
+            </a:endParaRPr>
+          </a:p>
+          <a:p>
+            <a:r>
+              <a:rPr lang="en-US" sz="2000">
+                <a:solidFill>
+                  <a:schemeClr val="tx1">
+                    <a:lumMod val="95000"/>
+                  </a:schemeClr>
+                </a:solidFill>
+              </a:rPr>
+              <a:t>Discuss your findings. Did you find what you expected to find? If not, why not? What inferences or general conclusions can you draw from your analysis?</a:t>
             </a:r>
           </a:p>
         </p:txBody>
@@ -4153,20 +8125,306 @@
     </p:spTree>
     <p:extLst>
       <p:ext uri="{BB962C8B-B14F-4D97-AF65-F5344CB8AC3E}">
-        <p14:creationId xmlns:p14="http://schemas.microsoft.com/office/powerpoint/2010/main" val="4031271768"/>
+        <p14:creationId xmlns:p14="http://schemas.microsoft.com/office/powerpoint/2010/main" val="246072277"/>
       </p:ext>
     </p:extLst>
   </p:cSld>
   <p:clrMapOvr>
-    <a:masterClrMapping/>
+    <a:overrideClrMapping bg1="dk1" tx1="lt1" bg2="dk2" tx2="lt2" accent1="accent1" accent2="accent2" accent3="accent3" accent4="accent4" accent5="accent5" accent6="accent6" hlink="hlink" folHlink="folHlink"/>
+  </p:clrMapOvr>
+</p:sld>
+</file>
+
+<file path=ppt/slides/slide9.xml><?xml version="1.0" encoding="utf-8"?>
+<p:sld xmlns:a="http://schemas.openxmlformats.org/drawingml/2006/main" xmlns:r="http://schemas.openxmlformats.org/officeDocument/2006/relationships" xmlns:p="http://schemas.openxmlformats.org/presentationml/2006/main">
+  <p:cSld>
+    <p:bg>
+      <p:bgPr>
+        <a:solidFill>
+          <a:schemeClr val="bg2"/>
+        </a:solidFill>
+        <a:effectLst/>
+      </p:bgPr>
+    </p:bg>
+    <p:spTree>
+      <p:nvGrpSpPr>
+        <p:cNvPr id="1" name=""/>
+        <p:cNvGrpSpPr/>
+        <p:nvPr/>
+      </p:nvGrpSpPr>
+      <p:grpSpPr>
+        <a:xfrm>
+          <a:off x="0" y="0"/>
+          <a:ext cx="0" cy="0"/>
+          <a:chOff x="0" y="0"/>
+          <a:chExt cx="0" cy="0"/>
+        </a:xfrm>
+      </p:grpSpPr>
+      <p:sp useBgFill="1">
+        <p:nvSpPr>
+          <p:cNvPr id="8" name="Rectangle 7">
+            <a:extLst>
+              <a:ext uri="{FF2B5EF4-FFF2-40B4-BE49-F238E27FC236}">
+                <a16:creationId xmlns:a16="http://schemas.microsoft.com/office/drawing/2014/main" id="{87358089-2E54-4747-8D77-434291EB9A73}"/>
+              </a:ext>
+              <a:ext uri="{C183D7F6-B498-43B3-948B-1728B52AA6E4}">
+                <adec:decorative xmlns:adec="http://schemas.microsoft.com/office/drawing/2017/decorative" val="1"/>
+              </a:ext>
+            </a:extLst>
+          </p:cNvPr>
+          <p:cNvSpPr>
+            <a:spLocks noGrp="1" noRot="1" noChangeAspect="1" noMove="1" noResize="1" noEditPoints="1" noAdjustHandles="1" noChangeArrowheads="1" noChangeShapeType="1" noTextEdit="1"/>
+          </p:cNvSpPr>
+          <p:nvPr>
+            <p:extLst>
+              <p:ext uri="{386F3935-93C4-4BCD-93E2-E3B085C9AB24}">
+                <p16:designElem xmlns:p16="http://schemas.microsoft.com/office/powerpoint/2015/main" val="1"/>
+              </p:ext>
+            </p:extLst>
+          </p:nvPr>
+        </p:nvSpPr>
+        <p:spPr>
+          <a:xfrm>
+            <a:off x="0" y="0"/>
+            <a:ext cx="12192000" cy="6858000"/>
+          </a:xfrm>
+          <a:prstGeom prst="rect">
+            <a:avLst/>
+          </a:prstGeom>
+          <a:ln>
+            <a:noFill/>
+          </a:ln>
+        </p:spPr>
+        <p:style>
+          <a:lnRef idx="2">
+            <a:schemeClr val="accent1">
+              <a:shade val="50000"/>
+            </a:schemeClr>
+          </a:lnRef>
+          <a:fillRef idx="1">
+            <a:schemeClr val="accent1"/>
+          </a:fillRef>
+          <a:effectRef idx="0">
+            <a:schemeClr val="accent1"/>
+          </a:effectRef>
+          <a:fontRef idx="minor">
+            <a:schemeClr val="lt1"/>
+          </a:fontRef>
+        </p:style>
+        <p:txBody>
+          <a:bodyPr rtlCol="0" anchor="ctr"/>
+          <a:lstStyle/>
+          <a:p>
+            <a:pPr algn="ctr"/>
+            <a:endParaRPr lang="en-US"/>
+          </a:p>
+        </p:txBody>
+      </p:sp>
+      <p:sp>
+        <p:nvSpPr>
+          <p:cNvPr id="10" name="Rectangle 9">
+            <a:extLst>
+              <a:ext uri="{FF2B5EF4-FFF2-40B4-BE49-F238E27FC236}">
+                <a16:creationId xmlns:a16="http://schemas.microsoft.com/office/drawing/2014/main" id="{F0318841-B257-4D3A-A6E5-309C003E0430}"/>
+              </a:ext>
+              <a:ext uri="{C183D7F6-B498-43B3-948B-1728B52AA6E4}">
+                <adec:decorative xmlns:adec="http://schemas.microsoft.com/office/drawing/2017/decorative" val="1"/>
+              </a:ext>
+            </a:extLst>
+          </p:cNvPr>
+          <p:cNvSpPr>
+            <a:spLocks noGrp="1" noRot="1" noChangeAspect="1" noMove="1" noResize="1" noEditPoints="1" noAdjustHandles="1" noChangeArrowheads="1" noChangeShapeType="1" noTextEdit="1"/>
+          </p:cNvSpPr>
+          <p:nvPr>
+            <p:extLst>
+              <p:ext uri="{386F3935-93C4-4BCD-93E2-E3B085C9AB24}">
+                <p16:designElem xmlns:p16="http://schemas.microsoft.com/office/powerpoint/2015/main" val="1"/>
+              </p:ext>
+            </p:extLst>
+          </p:nvPr>
+        </p:nvSpPr>
+        <p:spPr>
+          <a:xfrm>
+            <a:off x="0" y="0"/>
+            <a:ext cx="4062127" cy="6858000"/>
+          </a:xfrm>
+          <a:prstGeom prst="rect">
+            <a:avLst/>
+          </a:prstGeom>
+          <a:solidFill>
+            <a:srgbClr val="262626"/>
+          </a:solidFill>
+          <a:ln>
+            <a:noFill/>
+          </a:ln>
+        </p:spPr>
+        <p:style>
+          <a:lnRef idx="2">
+            <a:schemeClr val="accent1">
+              <a:shade val="50000"/>
+            </a:schemeClr>
+          </a:lnRef>
+          <a:fillRef idx="1">
+            <a:schemeClr val="accent1"/>
+          </a:fillRef>
+          <a:effectRef idx="0">
+            <a:schemeClr val="accent1"/>
+          </a:effectRef>
+          <a:fontRef idx="minor">
+            <a:schemeClr val="lt1"/>
+          </a:fontRef>
+        </p:style>
+        <p:txBody>
+          <a:bodyPr rtlCol="0" anchor="ctr"/>
+          <a:lstStyle/>
+          <a:p>
+            <a:pPr algn="ctr"/>
+            <a:endParaRPr lang="en-US"/>
+          </a:p>
+        </p:txBody>
+      </p:sp>
+      <p:sp>
+        <p:nvSpPr>
+          <p:cNvPr id="2" name="Title 1">
+            <a:extLst>
+              <a:ext uri="{FF2B5EF4-FFF2-40B4-BE49-F238E27FC236}">
+                <a16:creationId xmlns:a16="http://schemas.microsoft.com/office/drawing/2014/main" id="{6E44B138-DC35-42F7-B36E-A669A89F8108}"/>
+              </a:ext>
+            </a:extLst>
+          </p:cNvPr>
+          <p:cNvSpPr>
+            <a:spLocks noGrp="1"/>
+          </p:cNvSpPr>
+          <p:nvPr>
+            <p:ph type="title"/>
+          </p:nvPr>
+        </p:nvSpPr>
+        <p:spPr>
+          <a:xfrm>
+            <a:off x="838200" y="688748"/>
+            <a:ext cx="2855140" cy="5480504"/>
+          </a:xfrm>
+        </p:spPr>
+        <p:txBody>
+          <a:bodyPr anchor="ctr">
+            <a:normAutofit/>
+          </a:bodyPr>
+          <a:lstStyle/>
+          <a:p>
+            <a:r>
+              <a:rPr lang="en-US" sz="3600">
+                <a:solidFill>
+                  <a:srgbClr val="F2F2F2"/>
+                </a:solidFill>
+              </a:rPr>
+              <a:t>Post Mortem</a:t>
+            </a:r>
+          </a:p>
+        </p:txBody>
+      </p:sp>
+      <p:sp>
+        <p:nvSpPr>
+          <p:cNvPr id="3" name="Content Placeholder 2">
+            <a:extLst>
+              <a:ext uri="{FF2B5EF4-FFF2-40B4-BE49-F238E27FC236}">
+                <a16:creationId xmlns:a16="http://schemas.microsoft.com/office/drawing/2014/main" id="{AFEE5EC2-CE1C-4E89-9C52-29C82A838F6F}"/>
+              </a:ext>
+            </a:extLst>
+          </p:cNvPr>
+          <p:cNvSpPr>
+            <a:spLocks noGrp="1"/>
+          </p:cNvSpPr>
+          <p:nvPr>
+            <p:ph idx="1"/>
+          </p:nvPr>
+        </p:nvSpPr>
+        <p:spPr>
+          <a:xfrm>
+            <a:off x="4423890" y="688749"/>
+            <a:ext cx="6286442" cy="5480504"/>
+          </a:xfrm>
+        </p:spPr>
+        <p:txBody>
+          <a:bodyPr anchor="ctr">
+            <a:normAutofit/>
+          </a:bodyPr>
+          <a:lstStyle/>
+          <a:p>
+            <a:r>
+              <a:rPr lang="en-US" sz="2000">
+                <a:solidFill>
+                  <a:schemeClr val="tx1">
+                    <a:lumMod val="95000"/>
+                  </a:schemeClr>
+                </a:solidFill>
+              </a:rPr>
+              <a:t>Twitter API</a:t>
+            </a:r>
+          </a:p>
+          <a:p>
+            <a:r>
+              <a:rPr lang="en-US" sz="2000">
+                <a:solidFill>
+                  <a:schemeClr val="tx1">
+                    <a:lumMod val="95000"/>
+                  </a:schemeClr>
+                </a:solidFill>
+              </a:rPr>
+              <a:t>Lo</a:t>
+            </a:r>
+          </a:p>
+          <a:p>
+            <a:endParaRPr lang="en-US" sz="2000">
+              <a:solidFill>
+                <a:schemeClr val="tx1">
+                  <a:lumMod val="95000"/>
+                </a:schemeClr>
+              </a:solidFill>
+            </a:endParaRPr>
+          </a:p>
+          <a:p>
+            <a:r>
+              <a:rPr lang="en-US" sz="2000">
+                <a:solidFill>
+                  <a:schemeClr val="tx1">
+                    <a:lumMod val="95000"/>
+                  </a:schemeClr>
+                </a:solidFill>
+              </a:rPr>
+              <a:t>Discuss any difficulties that arose, and how you dealt with them</a:t>
+            </a:r>
+          </a:p>
+          <a:p>
+            <a:r>
+              <a:rPr lang="en-US" sz="2000">
+                <a:solidFill>
+                  <a:schemeClr val="tx1">
+                    <a:lumMod val="95000"/>
+                  </a:schemeClr>
+                </a:solidFill>
+              </a:rPr>
+              <a:t>Discuss any additional questions that came up, but which you didn't have time to answer: What would you research next, if you had two more weeks?</a:t>
+            </a:r>
+          </a:p>
+        </p:txBody>
+      </p:sp>
+    </p:spTree>
+    <p:extLst>
+      <p:ext uri="{BB962C8B-B14F-4D97-AF65-F5344CB8AC3E}">
+        <p14:creationId xmlns:p14="http://schemas.microsoft.com/office/powerpoint/2010/main" val="977734179"/>
+      </p:ext>
+    </p:extLst>
+  </p:cSld>
+  <p:clrMapOvr>
+    <a:overrideClrMapping bg1="dk1" tx1="lt1" bg2="dk2" tx2="lt2" accent1="accent1" accent2="accent2" accent3="accent3" accent4="accent4" accent5="accent5" accent6="accent6" hlink="hlink" folHlink="folHlink"/>
   </p:clrMapOvr>
 </p:sld>
 </file>
 
 <file path=ppt/theme/theme1.xml><?xml version="1.0" encoding="utf-8"?>
-<a:theme xmlns:a="http://schemas.openxmlformats.org/drawingml/2006/main" name="Office Theme">
+<a:theme xmlns:a="http://schemas.openxmlformats.org/drawingml/2006/main" name="Depth">
   <a:themeElements>
-    <a:clrScheme name="Office">
+    <a:clrScheme name="Depth">
       <a:dk1>
         <a:sysClr val="windowText" lastClr="000000"/>
       </a:dk1>
@@ -4174,100 +8432,48 @@
         <a:sysClr val="window" lastClr="FFFFFF"/>
       </a:lt1>
       <a:dk2>
-        <a:srgbClr val="44546A"/>
+        <a:srgbClr val="455F51"/>
       </a:dk2>
       <a:lt2>
-        <a:srgbClr val="E7E6E6"/>
+        <a:srgbClr val="94D7E4"/>
       </a:lt2>
       <a:accent1>
-        <a:srgbClr val="4472C4"/>
+        <a:srgbClr val="41AEBD"/>
       </a:accent1>
       <a:accent2>
-        <a:srgbClr val="ED7D31"/>
+        <a:srgbClr val="97E9D5"/>
       </a:accent2>
       <a:accent3>
-        <a:srgbClr val="A5A5A5"/>
+        <a:srgbClr val="A2CF49"/>
       </a:accent3>
       <a:accent4>
-        <a:srgbClr val="FFC000"/>
+        <a:srgbClr val="608F3D"/>
       </a:accent4>
       <a:accent5>
-        <a:srgbClr val="5B9BD5"/>
+        <a:srgbClr val="F4DE3A"/>
       </a:accent5>
       <a:accent6>
-        <a:srgbClr val="70AD47"/>
+        <a:srgbClr val="FCB11C"/>
       </a:accent6>
       <a:hlink>
-        <a:srgbClr val="0563C1"/>
+        <a:srgbClr val="FBCA98"/>
       </a:hlink>
       <a:folHlink>
-        <a:srgbClr val="954F72"/>
+        <a:srgbClr val="D3B86D"/>
       </a:folHlink>
     </a:clrScheme>
-    <a:fontScheme name="Office">
+    <a:fontScheme name="Depth">
       <a:majorFont>
-        <a:latin typeface="Calibri Light" panose="020F0302020204030204"/>
+        <a:latin typeface="Corbel" panose="020B0503020204020204"/>
         <a:ea typeface=""/>
         <a:cs typeface=""/>
-        <a:font script="Jpan" typeface="游ゴシック Light"/>
-        <a:font script="Hang" typeface="맑은 고딕"/>
-        <a:font script="Hans" typeface="等线 Light"/>
+        <a:font script="Jpan" typeface="メイリオ"/>
+        <a:font script="Hang" typeface="HY엽서L"/>
+        <a:font script="Hans" typeface="华文楷体"/>
         <a:font script="Hant" typeface="新細明體"/>
-        <a:font script="Arab" typeface="Times New Roman"/>
-        <a:font script="Hebr" typeface="Times New Roman"/>
-        <a:font script="Thai" typeface="Angsana New"/>
-        <a:font script="Ethi" typeface="Nyala"/>
-        <a:font script="Beng" typeface="Vrinda"/>
-        <a:font script="Gujr" typeface="Shruti"/>
-        <a:font script="Khmr" typeface="MoolBoran"/>
-        <a:font script="Knda" typeface="Tunga"/>
-        <a:font script="Guru" typeface="Raavi"/>
-        <a:font script="Cans" typeface="Euphemia"/>
-        <a:font script="Cher" typeface="Plantagenet Cherokee"/>
-        <a:font script="Yiii" typeface="Microsoft Yi Baiti"/>
-        <a:font script="Tibt" typeface="Microsoft Himalaya"/>
-        <a:font script="Thaa" typeface="MV Boli"/>
-        <a:font script="Deva" typeface="Mangal"/>
-        <a:font script="Telu" typeface="Gautami"/>
-        <a:font script="Taml" typeface="Latha"/>
-        <a:font script="Syrc" typeface="Estrangelo Edessa"/>
-        <a:font script="Orya" typeface="Kalinga"/>
-        <a:font script="Mlym" typeface="Kartika"/>
-        <a:font script="Laoo" typeface="DokChampa"/>
-        <a:font script="Sinh" typeface="Iskoola Pota"/>
-        <a:font script="Mong" typeface="Mongolian Baiti"/>
-        <a:font script="Viet" typeface="Times New Roman"/>
-        <a:font script="Uigh" typeface="Microsoft Uighur"/>
-        <a:font script="Geor" typeface="Sylfaen"/>
-        <a:font script="Armn" typeface="Arial"/>
-        <a:font script="Bugi" typeface="Leelawadee UI"/>
-        <a:font script="Bopo" typeface="Microsoft JhengHei"/>
-        <a:font script="Java" typeface="Javanese Text"/>
-        <a:font script="Lisu" typeface="Segoe UI"/>
-        <a:font script="Mymr" typeface="Myanmar Text"/>
-        <a:font script="Nkoo" typeface="Ebrima"/>
-        <a:font script="Olck" typeface="Nirmala UI"/>
-        <a:font script="Osma" typeface="Ebrima"/>
-        <a:font script="Phag" typeface="Phagspa"/>
-        <a:font script="Syrn" typeface="Estrangelo Edessa"/>
-        <a:font script="Syrj" typeface="Estrangelo Edessa"/>
-        <a:font script="Syre" typeface="Estrangelo Edessa"/>
-        <a:font script="Sora" typeface="Nirmala UI"/>
-        <a:font script="Tale" typeface="Microsoft Tai Le"/>
-        <a:font script="Talu" typeface="Microsoft New Tai Lue"/>
-        <a:font script="Tfng" typeface="Ebrima"/>
-      </a:majorFont>
-      <a:minorFont>
-        <a:latin typeface="Calibri" panose="020F0502020204030204"/>
-        <a:ea typeface=""/>
-        <a:cs typeface=""/>
-        <a:font script="Jpan" typeface="游ゴシック"/>
-        <a:font script="Hang" typeface="맑은 고딕"/>
-        <a:font script="Hans" typeface="等线"/>
-        <a:font script="Hant" typeface="新細明體"/>
-        <a:font script="Arab" typeface="Arial"/>
-        <a:font script="Hebr" typeface="Arial"/>
-        <a:font script="Thai" typeface="Cordia New"/>
+        <a:font script="Arab" typeface="Tahoma"/>
+        <a:font script="Hebr" typeface="Miriam"/>
+        <a:font script="Thai" typeface="DilleniaUPC"/>
         <a:font script="Ethi" typeface="Nyala"/>
         <a:font script="Beng" typeface="Vrinda"/>
         <a:font script="Gujr" typeface="Shruti"/>
@@ -4291,26 +8497,44 @@
         <a:font script="Viet" typeface="Arial"/>
         <a:font script="Uigh" typeface="Microsoft Uighur"/>
         <a:font script="Geor" typeface="Sylfaen"/>
-        <a:font script="Armn" typeface="Arial"/>
-        <a:font script="Bugi" typeface="Leelawadee UI"/>
-        <a:font script="Bopo" typeface="Microsoft JhengHei"/>
-        <a:font script="Java" typeface="Javanese Text"/>
-        <a:font script="Lisu" typeface="Segoe UI"/>
-        <a:font script="Mymr" typeface="Myanmar Text"/>
-        <a:font script="Nkoo" typeface="Ebrima"/>
-        <a:font script="Olck" typeface="Nirmala UI"/>
-        <a:font script="Osma" typeface="Ebrima"/>
-        <a:font script="Phag" typeface="Phagspa"/>
-        <a:font script="Syrn" typeface="Estrangelo Edessa"/>
-        <a:font script="Syrj" typeface="Estrangelo Edessa"/>
-        <a:font script="Syre" typeface="Estrangelo Edessa"/>
-        <a:font script="Sora" typeface="Nirmala UI"/>
-        <a:font script="Tale" typeface="Microsoft Tai Le"/>
-        <a:font script="Talu" typeface="Microsoft New Tai Lue"/>
-        <a:font script="Tfng" typeface="Ebrima"/>
+      </a:majorFont>
+      <a:minorFont>
+        <a:latin typeface="Corbel" panose="020B0503020204020204"/>
+        <a:ea typeface=""/>
+        <a:cs typeface=""/>
+        <a:font script="Jpan" typeface="メイリオ"/>
+        <a:font script="Hang" typeface="HY엽서L"/>
+        <a:font script="Hans" typeface="华文楷体"/>
+        <a:font script="Hant" typeface="新細明體"/>
+        <a:font script="Arab" typeface="Tahoma"/>
+        <a:font script="Hebr" typeface="Miriam"/>
+        <a:font script="Thai" typeface="DilleniaUPC"/>
+        <a:font script="Ethi" typeface="Nyala"/>
+        <a:font script="Beng" typeface="Vrinda"/>
+        <a:font script="Gujr" typeface="Shruti"/>
+        <a:font script="Khmr" typeface="DaunPenh"/>
+        <a:font script="Knda" typeface="Tunga"/>
+        <a:font script="Guru" typeface="Raavi"/>
+        <a:font script="Cans" typeface="Euphemia"/>
+        <a:font script="Cher" typeface="Plantagenet Cherokee"/>
+        <a:font script="Yiii" typeface="Microsoft Yi Baiti"/>
+        <a:font script="Tibt" typeface="Microsoft Himalaya"/>
+        <a:font script="Thaa" typeface="MV Boli"/>
+        <a:font script="Deva" typeface="Mangal"/>
+        <a:font script="Telu" typeface="Gautami"/>
+        <a:font script="Taml" typeface="Latha"/>
+        <a:font script="Syrc" typeface="Estrangelo Edessa"/>
+        <a:font script="Orya" typeface="Kalinga"/>
+        <a:font script="Mlym" typeface="Kartika"/>
+        <a:font script="Laoo" typeface="DokChampa"/>
+        <a:font script="Sinh" typeface="Iskoola Pota"/>
+        <a:font script="Mong" typeface="Mongolian Baiti"/>
+        <a:font script="Viet" typeface="Arial"/>
+        <a:font script="Uigh" typeface="Microsoft Uighur"/>
+        <a:font script="Geor" typeface="Sylfaen"/>
       </a:minorFont>
     </a:fontScheme>
-    <a:fmtScheme name="Office">
+    <a:fmtScheme name="Depth">
       <a:fillStyleLst>
         <a:solidFill>
           <a:schemeClr val="phClr"/>
@@ -4452,7 +8676,7 @@
   <a:extraClrSchemeLst/>
   <a:extLst>
     <a:ext uri="{05A4C25C-085E-4340-85A3-A5531E510DB2}">
-      <thm15:themeFamily xmlns:thm15="http://schemas.microsoft.com/office/thememl/2012/main" name="Office Theme" id="{62F939B6-93AF-4DB8-9C6B-D6C7DFDC589F}" vid="{4A3C46E8-61CC-4603-A589-7422A47A8E4A}"/>
+      <thm15:themeFamily xmlns:thm15="http://schemas.microsoft.com/office/thememl/2012/main" name="Depth" id="{7BEAFC2A-325C-49C4-AC08-2B765DA903F9}" vid="{1735E755-43E6-43AA-ABA2-C989ECC79AF5}"/>
     </a:ext>
   </a:extLst>
 </a:theme>
